--- a/Niels Mejia Final Homework Presentation.pptx
+++ b/Niels Mejia Final Homework Presentation.pptx
@@ -105,13 +105,18 @@
       </a:defRPr>
     </a:lvl9pPr>
   </p:defaultTextStyle>
+  <p:extLst>
+    <p:ext uri="{EFAFB233-063F-42B5-8137-9DF3F51BA10A}">
+      <p15:sldGuideLst xmlns:p15="http://schemas.microsoft.com/office/powerpoint/2012/main"/>
+    </p:ext>
+  </p:extLst>
 </p:presentation>
 </file>
 
 <file path=ppt/revisionInfo.xml><?xml version="1.0" encoding="utf-8"?>
 <p1510:revInfo xmlns:a="http://schemas.openxmlformats.org/drawingml/2006/main" xmlns:r="http://schemas.openxmlformats.org/officeDocument/2006/relationships" xmlns:p1510="http://schemas.microsoft.com/office/powerpoint/2015/10/main">
   <p1510:revLst>
-    <p1510:client id="{9235F258-DE90-4FB1-9EFC-857F96B3346F}" v="11" dt="2024-06-14T20:29:35.499"/>
+    <p1510:client id="{9235F258-DE90-4FB1-9EFC-857F96B3346F}" v="17" dt="2024-06-17T22:43:58.829"/>
   </p1510:revLst>
 </p1510:revInfo>
 </file>
@@ -120,19 +125,67 @@
 <pc:chgInfo xmlns:a="http://schemas.openxmlformats.org/drawingml/2006/main" xmlns:r="http://schemas.openxmlformats.org/officeDocument/2006/relationships" xmlns:ac="http://schemas.microsoft.com/office/drawing/2013/main/command" xmlns:pc="http://schemas.microsoft.com/office/powerpoint/2013/main/command">
   <pc:docChgLst>
     <pc:chgData name="Niels Mejia" userId="6a908e1cffa05844" providerId="LiveId" clId="{9235F258-DE90-4FB1-9EFC-857F96B3346F}"/>
-    <pc:docChg chg="custSel addSld modSld">
-      <pc:chgData name="Niels Mejia" userId="6a908e1cffa05844" providerId="LiveId" clId="{9235F258-DE90-4FB1-9EFC-857F96B3346F}" dt="2024-06-14T21:13:00.096" v="476" actId="20577"/>
+    <pc:docChg chg="undo custSel addSld modSld">
+      <pc:chgData name="Niels Mejia" userId="6a908e1cffa05844" providerId="LiveId" clId="{9235F258-DE90-4FB1-9EFC-857F96B3346F}" dt="2024-06-17T22:45:32.174" v="653" actId="242"/>
       <pc:docMkLst>
         <pc:docMk/>
       </pc:docMkLst>
-      <pc:sldChg chg="addSp modSp mod">
-        <pc:chgData name="Niels Mejia" userId="6a908e1cffa05844" providerId="LiveId" clId="{9235F258-DE90-4FB1-9EFC-857F96B3346F}" dt="2024-06-14T20:30:25.227" v="267" actId="1076"/>
+      <pc:sldChg chg="addSp delSp modSp mod">
+        <pc:chgData name="Niels Mejia" userId="6a908e1cffa05844" providerId="LiveId" clId="{9235F258-DE90-4FB1-9EFC-857F96B3346F}" dt="2024-06-17T22:44:16.135" v="628" actId="20577"/>
         <pc:sldMkLst>
           <pc:docMk/>
           <pc:sldMk cId="3338301109" sldId="256"/>
         </pc:sldMkLst>
+        <pc:spChg chg="add mod">
+          <ac:chgData name="Niels Mejia" userId="6a908e1cffa05844" providerId="LiveId" clId="{9235F258-DE90-4FB1-9EFC-857F96B3346F}" dt="2024-06-17T22:38:27.386" v="489" actId="20577"/>
+          <ac:spMkLst>
+            <pc:docMk/>
+            <pc:sldMk cId="3338301109" sldId="256"/>
+            <ac:spMk id="2" creationId="{147B1A8A-7D88-ECE1-3034-54A57B97D430}"/>
+          </ac:spMkLst>
+        </pc:spChg>
+        <pc:spChg chg="add mod">
+          <ac:chgData name="Niels Mejia" userId="6a908e1cffa05844" providerId="LiveId" clId="{9235F258-DE90-4FB1-9EFC-857F96B3346F}" dt="2024-06-17T22:39:03.085" v="497" actId="20577"/>
+          <ac:spMkLst>
+            <pc:docMk/>
+            <pc:sldMk cId="3338301109" sldId="256"/>
+            <ac:spMk id="3" creationId="{61E7EC09-24BE-BA26-3828-6F6920DA3224}"/>
+          </ac:spMkLst>
+        </pc:spChg>
+        <pc:spChg chg="add mod">
+          <ac:chgData name="Niels Mejia" userId="6a908e1cffa05844" providerId="LiveId" clId="{9235F258-DE90-4FB1-9EFC-857F96B3346F}" dt="2024-06-17T22:39:20.022" v="506" actId="20577"/>
+          <ac:spMkLst>
+            <pc:docMk/>
+            <pc:sldMk cId="3338301109" sldId="256"/>
+            <ac:spMk id="7" creationId="{AB8C3450-4564-367E-8DEA-EA354242D7A3}"/>
+          </ac:spMkLst>
+        </pc:spChg>
+        <pc:spChg chg="add mod">
+          <ac:chgData name="Niels Mejia" userId="6a908e1cffa05844" providerId="LiveId" clId="{9235F258-DE90-4FB1-9EFC-857F96B3346F}" dt="2024-06-17T22:42:57.823" v="595" actId="1076"/>
+          <ac:spMkLst>
+            <pc:docMk/>
+            <pc:sldMk cId="3338301109" sldId="256"/>
+            <ac:spMk id="19" creationId="{BDD7FA1A-7CA8-E3D4-3D69-825B037F7FCF}"/>
+          </ac:spMkLst>
+        </pc:spChg>
+        <pc:spChg chg="add mod">
+          <ac:chgData name="Niels Mejia" userId="6a908e1cffa05844" providerId="LiveId" clId="{9235F258-DE90-4FB1-9EFC-857F96B3346F}" dt="2024-06-17T22:43:28.974" v="606" actId="20577"/>
+          <ac:spMkLst>
+            <pc:docMk/>
+            <pc:sldMk cId="3338301109" sldId="256"/>
+            <ac:spMk id="26" creationId="{E3A4F1B8-A679-32E1-EB68-A823FDE26831}"/>
+          </ac:spMkLst>
+        </pc:spChg>
+        <pc:spChg chg="add mod">
+          <ac:chgData name="Niels Mejia" userId="6a908e1cffa05844" providerId="LiveId" clId="{9235F258-DE90-4FB1-9EFC-857F96B3346F}" dt="2024-06-17T22:44:16.135" v="628" actId="20577"/>
+          <ac:spMkLst>
+            <pc:docMk/>
+            <pc:sldMk cId="3338301109" sldId="256"/>
+            <ac:spMk id="28" creationId="{5332299E-9122-22C4-9D4A-086A8404F4A5}"/>
+          </ac:spMkLst>
+        </pc:spChg>
         <pc:spChg chg="mod">
-          <ac:chgData name="Niels Mejia" userId="6a908e1cffa05844" providerId="LiveId" clId="{9235F258-DE90-4FB1-9EFC-857F96B3346F}" dt="2024-06-14T20:30:19.500" v="266" actId="14100"/>
+          <ac:chgData name="Niels Mejia" userId="6a908e1cffa05844" providerId="LiveId" clId="{9235F258-DE90-4FB1-9EFC-857F96B3346F}" dt="2024-06-17T22:40:16.129" v="516" actId="14100"/>
           <ac:spMkLst>
             <pc:docMk/>
             <pc:sldMk cId="3338301109" sldId="256"/>
@@ -140,7 +193,7 @@
           </ac:spMkLst>
         </pc:spChg>
         <pc:spChg chg="mod">
-          <ac:chgData name="Niels Mejia" userId="6a908e1cffa05844" providerId="LiveId" clId="{9235F258-DE90-4FB1-9EFC-857F96B3346F}" dt="2024-06-14T20:30:25.227" v="267" actId="1076"/>
+          <ac:chgData name="Niels Mejia" userId="6a908e1cffa05844" providerId="LiveId" clId="{9235F258-DE90-4FB1-9EFC-857F96B3346F}" dt="2024-06-17T22:43:05.646" v="596" actId="1076"/>
           <ac:spMkLst>
             <pc:docMk/>
             <pc:sldMk cId="3338301109" sldId="256"/>
@@ -163,8 +216,24 @@
             <ac:spMk id="64" creationId="{D4EFD687-ED23-1B55-DE05-A490EB499FC8}"/>
           </ac:spMkLst>
         </pc:spChg>
+        <pc:cxnChg chg="add del mod">
+          <ac:chgData name="Niels Mejia" userId="6a908e1cffa05844" providerId="LiveId" clId="{9235F258-DE90-4FB1-9EFC-857F96B3346F}" dt="2024-06-17T22:41:35.131" v="567" actId="11529"/>
+          <ac:cxnSpMkLst>
+            <pc:docMk/>
+            <pc:sldMk cId="3338301109" sldId="256"/>
+            <ac:cxnSpMk id="21" creationId="{C4C48982-51F6-459A-EB83-A57120623DAD}"/>
+          </ac:cxnSpMkLst>
+        </pc:cxnChg>
+        <pc:cxnChg chg="add mod">
+          <ac:chgData name="Niels Mejia" userId="6a908e1cffa05844" providerId="LiveId" clId="{9235F258-DE90-4FB1-9EFC-857F96B3346F}" dt="2024-06-17T22:42:57.823" v="595" actId="1076"/>
+          <ac:cxnSpMkLst>
+            <pc:docMk/>
+            <pc:sldMk cId="3338301109" sldId="256"/>
+            <ac:cxnSpMk id="23" creationId="{F3358D31-8E71-4828-086E-F7F05B9A2A0F}"/>
+          </ac:cxnSpMkLst>
+        </pc:cxnChg>
         <pc:cxnChg chg="mod">
-          <ac:chgData name="Niels Mejia" userId="6a908e1cffa05844" providerId="LiveId" clId="{9235F258-DE90-4FB1-9EFC-857F96B3346F}" dt="2024-06-14T20:30:19.500" v="266" actId="14100"/>
+          <ac:chgData name="Niels Mejia" userId="6a908e1cffa05844" providerId="LiveId" clId="{9235F258-DE90-4FB1-9EFC-857F96B3346F}" dt="2024-06-17T22:40:16.129" v="516" actId="14100"/>
           <ac:cxnSpMkLst>
             <pc:docMk/>
             <pc:sldMk cId="3338301109" sldId="256"/>
@@ -181,7 +250,7 @@
         </pc:cxnChg>
       </pc:sldChg>
       <pc:sldChg chg="addSp delSp modSp new mod">
-        <pc:chgData name="Niels Mejia" userId="6a908e1cffa05844" providerId="LiveId" clId="{9235F258-DE90-4FB1-9EFC-857F96B3346F}" dt="2024-06-14T21:13:00.096" v="476" actId="20577"/>
+        <pc:chgData name="Niels Mejia" userId="6a908e1cffa05844" providerId="LiveId" clId="{9235F258-DE90-4FB1-9EFC-857F96B3346F}" dt="2024-06-17T22:45:32.174" v="653" actId="242"/>
         <pc:sldMkLst>
           <pc:docMk/>
           <pc:sldMk cId="3874538875" sldId="257"/>
@@ -202,8 +271,8 @@
             <ac:spMk id="3" creationId="{4BEED888-A8A7-23F0-1291-3E0B3F38AFCF}"/>
           </ac:spMkLst>
         </pc:spChg>
-        <pc:graphicFrameChg chg="add modGraphic">
-          <ac:chgData name="Niels Mejia" userId="6a908e1cffa05844" providerId="LiveId" clId="{9235F258-DE90-4FB1-9EFC-857F96B3346F}" dt="2024-06-14T21:13:00.096" v="476" actId="20577"/>
+        <pc:graphicFrameChg chg="add mod modGraphic">
+          <ac:chgData name="Niels Mejia" userId="6a908e1cffa05844" providerId="LiveId" clId="{9235F258-DE90-4FB1-9EFC-857F96B3346F}" dt="2024-06-17T22:45:32.174" v="653" actId="242"/>
           <ac:graphicFrameMkLst>
             <pc:docMk/>
             <pc:sldMk cId="3874538875" sldId="257"/>
@@ -365,7 +434,7 @@
           <a:p>
             <a:fld id="{0F45E69D-45D3-437D-9848-B55994C2C75F}" type="datetimeFigureOut">
               <a:rPr lang="es-PE" smtClean="0"/>
-              <a:t>14/06/2024</a:t>
+              <a:t>17/06/2024</a:t>
             </a:fld>
             <a:endParaRPr lang="es-PE"/>
           </a:p>
@@ -565,7 +634,7 @@
           <a:p>
             <a:fld id="{0F45E69D-45D3-437D-9848-B55994C2C75F}" type="datetimeFigureOut">
               <a:rPr lang="es-PE" smtClean="0"/>
-              <a:t>14/06/2024</a:t>
+              <a:t>17/06/2024</a:t>
             </a:fld>
             <a:endParaRPr lang="es-PE"/>
           </a:p>
@@ -775,7 +844,7 @@
           <a:p>
             <a:fld id="{0F45E69D-45D3-437D-9848-B55994C2C75F}" type="datetimeFigureOut">
               <a:rPr lang="es-PE" smtClean="0"/>
-              <a:t>14/06/2024</a:t>
+              <a:t>17/06/2024</a:t>
             </a:fld>
             <a:endParaRPr lang="es-PE"/>
           </a:p>
@@ -975,7 +1044,7 @@
           <a:p>
             <a:fld id="{0F45E69D-45D3-437D-9848-B55994C2C75F}" type="datetimeFigureOut">
               <a:rPr lang="es-PE" smtClean="0"/>
-              <a:t>14/06/2024</a:t>
+              <a:t>17/06/2024</a:t>
             </a:fld>
             <a:endParaRPr lang="es-PE"/>
           </a:p>
@@ -1251,7 +1320,7 @@
           <a:p>
             <a:fld id="{0F45E69D-45D3-437D-9848-B55994C2C75F}" type="datetimeFigureOut">
               <a:rPr lang="es-PE" smtClean="0"/>
-              <a:t>14/06/2024</a:t>
+              <a:t>17/06/2024</a:t>
             </a:fld>
             <a:endParaRPr lang="es-PE"/>
           </a:p>
@@ -1519,7 +1588,7 @@
           <a:p>
             <a:fld id="{0F45E69D-45D3-437D-9848-B55994C2C75F}" type="datetimeFigureOut">
               <a:rPr lang="es-PE" smtClean="0"/>
-              <a:t>14/06/2024</a:t>
+              <a:t>17/06/2024</a:t>
             </a:fld>
             <a:endParaRPr lang="es-PE"/>
           </a:p>
@@ -1934,7 +2003,7 @@
           <a:p>
             <a:fld id="{0F45E69D-45D3-437D-9848-B55994C2C75F}" type="datetimeFigureOut">
               <a:rPr lang="es-PE" smtClean="0"/>
-              <a:t>14/06/2024</a:t>
+              <a:t>17/06/2024</a:t>
             </a:fld>
             <a:endParaRPr lang="es-PE"/>
           </a:p>
@@ -2076,7 +2145,7 @@
           <a:p>
             <a:fld id="{0F45E69D-45D3-437D-9848-B55994C2C75F}" type="datetimeFigureOut">
               <a:rPr lang="es-PE" smtClean="0"/>
-              <a:t>14/06/2024</a:t>
+              <a:t>17/06/2024</a:t>
             </a:fld>
             <a:endParaRPr lang="es-PE"/>
           </a:p>
@@ -2189,7 +2258,7 @@
           <a:p>
             <a:fld id="{0F45E69D-45D3-437D-9848-B55994C2C75F}" type="datetimeFigureOut">
               <a:rPr lang="es-PE" smtClean="0"/>
-              <a:t>14/06/2024</a:t>
+              <a:t>17/06/2024</a:t>
             </a:fld>
             <a:endParaRPr lang="es-PE"/>
           </a:p>
@@ -2502,7 +2571,7 @@
           <a:p>
             <a:fld id="{0F45E69D-45D3-437D-9848-B55994C2C75F}" type="datetimeFigureOut">
               <a:rPr lang="es-PE" smtClean="0"/>
-              <a:t>14/06/2024</a:t>
+              <a:t>17/06/2024</a:t>
             </a:fld>
             <a:endParaRPr lang="es-PE"/>
           </a:p>
@@ -2791,7 +2860,7 @@
           <a:p>
             <a:fld id="{0F45E69D-45D3-437D-9848-B55994C2C75F}" type="datetimeFigureOut">
               <a:rPr lang="es-PE" smtClean="0"/>
-              <a:t>14/06/2024</a:t>
+              <a:t>17/06/2024</a:t>
             </a:fld>
             <a:endParaRPr lang="es-PE"/>
           </a:p>
@@ -3034,7 +3103,7 @@
           <a:p>
             <a:fld id="{0F45E69D-45D3-437D-9848-B55994C2C75F}" type="datetimeFigureOut">
               <a:rPr lang="es-PE" smtClean="0"/>
-              <a:t>14/06/2024</a:t>
+              <a:t>17/06/2024</a:t>
             </a:fld>
             <a:endParaRPr lang="es-PE"/>
           </a:p>
@@ -4421,8 +4490,8 @@
         </p:nvSpPr>
         <p:spPr>
           <a:xfrm>
-            <a:off x="3673981" y="5742776"/>
-            <a:ext cx="1928500" cy="882244"/>
+            <a:off x="2730622" y="5738298"/>
+            <a:ext cx="1458045" cy="882244"/>
           </a:xfrm>
           <a:prstGeom prst="roundRect">
             <a:avLst/>
@@ -4472,8 +4541,8 @@
         </p:nvCxnSpPr>
         <p:spPr>
           <a:xfrm rot="5400000">
-            <a:off x="4352298" y="3046218"/>
-            <a:ext cx="2982492" cy="2410625"/>
+            <a:off x="3765244" y="2454686"/>
+            <a:ext cx="2978014" cy="3589211"/>
           </a:xfrm>
           <a:prstGeom prst="bentConnector3">
             <a:avLst/>
@@ -4511,8 +4580,8 @@
         </p:nvSpPr>
         <p:spPr>
           <a:xfrm>
-            <a:off x="4649084" y="3843622"/>
-            <a:ext cx="1906794" cy="369332"/>
+            <a:off x="4010762" y="3900741"/>
+            <a:ext cx="3038095" cy="307777"/>
           </a:xfrm>
           <a:prstGeom prst="rect">
             <a:avLst/>
@@ -4526,8 +4595,8 @@
           <a:lstStyle/>
           <a:p>
             <a:r>
-              <a:rPr lang="es-PE" dirty="0"/>
-              <a:t>CONDENSATE</a:t>
+              <a:rPr lang="es-PE" sz="1400" dirty="0"/>
+              <a:t>CONDENSATE + LOW PRESSURE STEAM</a:t>
             </a:r>
           </a:p>
         </p:txBody>
@@ -4761,6 +4830,275 @@
             <a:r>
               <a:rPr lang="es-PE" sz="1400" dirty="0"/>
               <a:t>Ozone (O3)</a:t>
+            </a:r>
+          </a:p>
+        </p:txBody>
+      </p:sp>
+      <p:sp>
+        <p:nvSpPr>
+          <p:cNvPr id="2" name="CuadroTexto 1">
+            <a:extLst>
+              <a:ext uri="{FF2B5EF4-FFF2-40B4-BE49-F238E27FC236}">
+                <a16:creationId xmlns:a16="http://schemas.microsoft.com/office/drawing/2014/main" id="{147B1A8A-7D88-ECE1-3034-54A57B97D430}"/>
+              </a:ext>
+            </a:extLst>
+          </p:cNvPr>
+          <p:cNvSpPr txBox="1"/>
+          <p:nvPr/>
+        </p:nvSpPr>
+        <p:spPr>
+          <a:xfrm>
+            <a:off x="4188667" y="2252932"/>
+            <a:ext cx="1906794" cy="369332"/>
+          </a:xfrm>
+          <a:prstGeom prst="rect">
+            <a:avLst/>
+          </a:prstGeom>
+          <a:noFill/>
+        </p:spPr>
+        <p:txBody>
+          <a:bodyPr wrap="square" rtlCol="0">
+            <a:spAutoFit/>
+          </a:bodyPr>
+          <a:lstStyle/>
+          <a:p>
+            <a:r>
+              <a:rPr lang="es-PE" dirty="0"/>
+              <a:t>598.3 Ton/h</a:t>
+            </a:r>
+          </a:p>
+        </p:txBody>
+      </p:sp>
+      <p:sp>
+        <p:nvSpPr>
+          <p:cNvPr id="3" name="CuadroTexto 2">
+            <a:extLst>
+              <a:ext uri="{FF2B5EF4-FFF2-40B4-BE49-F238E27FC236}">
+                <a16:creationId xmlns:a16="http://schemas.microsoft.com/office/drawing/2014/main" id="{61E7EC09-24BE-BA26-3828-6F6920DA3224}"/>
+              </a:ext>
+            </a:extLst>
+          </p:cNvPr>
+          <p:cNvSpPr txBox="1"/>
+          <p:nvPr/>
+        </p:nvSpPr>
+        <p:spPr>
+          <a:xfrm>
+            <a:off x="7275900" y="3658956"/>
+            <a:ext cx="1906794" cy="369332"/>
+          </a:xfrm>
+          <a:prstGeom prst="rect">
+            <a:avLst/>
+          </a:prstGeom>
+          <a:noFill/>
+        </p:spPr>
+        <p:txBody>
+          <a:bodyPr wrap="square" rtlCol="0">
+            <a:spAutoFit/>
+          </a:bodyPr>
+          <a:lstStyle/>
+          <a:p>
+            <a:r>
+              <a:rPr lang="es-PE" dirty="0"/>
+              <a:t>284.4 Ton/h</a:t>
+            </a:r>
+          </a:p>
+        </p:txBody>
+      </p:sp>
+      <p:sp>
+        <p:nvSpPr>
+          <p:cNvPr id="7" name="CuadroTexto 6">
+            <a:extLst>
+              <a:ext uri="{FF2B5EF4-FFF2-40B4-BE49-F238E27FC236}">
+                <a16:creationId xmlns:a16="http://schemas.microsoft.com/office/drawing/2014/main" id="{AB8C3450-4564-367E-8DEA-EA354242D7A3}"/>
+              </a:ext>
+            </a:extLst>
+          </p:cNvPr>
+          <p:cNvSpPr txBox="1"/>
+          <p:nvPr/>
+        </p:nvSpPr>
+        <p:spPr>
+          <a:xfrm>
+            <a:off x="7269554" y="5349747"/>
+            <a:ext cx="1906794" cy="369332"/>
+          </a:xfrm>
+          <a:prstGeom prst="rect">
+            <a:avLst/>
+          </a:prstGeom>
+          <a:noFill/>
+        </p:spPr>
+        <p:txBody>
+          <a:bodyPr wrap="square" rtlCol="0">
+            <a:spAutoFit/>
+          </a:bodyPr>
+          <a:lstStyle/>
+          <a:p>
+            <a:r>
+              <a:rPr lang="es-PE" dirty="0"/>
+              <a:t>90.0 Ton/h</a:t>
+            </a:r>
+          </a:p>
+        </p:txBody>
+      </p:sp>
+      <p:sp>
+        <p:nvSpPr>
+          <p:cNvPr id="19" name="Rectángulo: esquinas redondeadas 18">
+            <a:extLst>
+              <a:ext uri="{FF2B5EF4-FFF2-40B4-BE49-F238E27FC236}">
+                <a16:creationId xmlns:a16="http://schemas.microsoft.com/office/drawing/2014/main" id="{BDD7FA1A-7CA8-E3D4-3D69-825B037F7FCF}"/>
+              </a:ext>
+            </a:extLst>
+          </p:cNvPr>
+          <p:cNvSpPr/>
+          <p:nvPr/>
+        </p:nvSpPr>
+        <p:spPr>
+          <a:xfrm>
+            <a:off x="4248401" y="5746718"/>
+            <a:ext cx="1787325" cy="882244"/>
+          </a:xfrm>
+          <a:prstGeom prst="roundRect">
+            <a:avLst/>
+          </a:prstGeom>
+          <a:solidFill>
+            <a:schemeClr val="accent4">
+              <a:lumMod val="75000"/>
+            </a:schemeClr>
+          </a:solidFill>
+        </p:spPr>
+        <p:style>
+          <a:lnRef idx="1">
+            <a:schemeClr val="accent3"/>
+          </a:lnRef>
+          <a:fillRef idx="2">
+            <a:schemeClr val="accent3"/>
+          </a:fillRef>
+          <a:effectRef idx="1">
+            <a:schemeClr val="accent3"/>
+          </a:effectRef>
+          <a:fontRef idx="minor">
+            <a:schemeClr val="dk1"/>
+          </a:fontRef>
+        </p:style>
+        <p:txBody>
+          <a:bodyPr rtlCol="0" anchor="ctr"/>
+          <a:lstStyle/>
+          <a:p>
+            <a:pPr algn="ctr"/>
+            <a:r>
+              <a:rPr lang="es-PE" dirty="0"/>
+              <a:t>PROCESSING UNITS AND EQUIPMENT (3)</a:t>
+            </a:r>
+          </a:p>
+        </p:txBody>
+      </p:sp>
+      <p:cxnSp>
+        <p:nvCxnSpPr>
+          <p:cNvPr id="23" name="Conector: angular 22">
+            <a:extLst>
+              <a:ext uri="{FF2B5EF4-FFF2-40B4-BE49-F238E27FC236}">
+                <a16:creationId xmlns:a16="http://schemas.microsoft.com/office/drawing/2014/main" id="{F3358D31-8E71-4828-086E-F7F05B9A2A0F}"/>
+              </a:ext>
+            </a:extLst>
+          </p:cNvPr>
+          <p:cNvCxnSpPr>
+            <a:stCxn id="5" idx="2"/>
+            <a:endCxn id="19" idx="0"/>
+          </p:cNvCxnSpPr>
+          <p:nvPr/>
+        </p:nvCxnSpPr>
+        <p:spPr>
+          <a:xfrm rot="5400000">
+            <a:off x="4602243" y="3300105"/>
+            <a:ext cx="2986434" cy="1906792"/>
+          </a:xfrm>
+          <a:prstGeom prst="bentConnector3">
+            <a:avLst/>
+          </a:prstGeom>
+          <a:ln w="19050">
+            <a:tailEnd type="triangle"/>
+          </a:ln>
+        </p:spPr>
+        <p:style>
+          <a:lnRef idx="1">
+            <a:schemeClr val="accent1"/>
+          </a:lnRef>
+          <a:fillRef idx="0">
+            <a:schemeClr val="accent1"/>
+          </a:fillRef>
+          <a:effectRef idx="0">
+            <a:schemeClr val="accent1"/>
+          </a:effectRef>
+          <a:fontRef idx="minor">
+            <a:schemeClr val="tx1"/>
+          </a:fontRef>
+        </p:style>
+      </p:cxnSp>
+      <p:sp>
+        <p:nvSpPr>
+          <p:cNvPr id="26" name="CuadroTexto 25">
+            <a:extLst>
+              <a:ext uri="{FF2B5EF4-FFF2-40B4-BE49-F238E27FC236}">
+                <a16:creationId xmlns:a16="http://schemas.microsoft.com/office/drawing/2014/main" id="{E3A4F1B8-A679-32E1-EB68-A823FDE26831}"/>
+              </a:ext>
+            </a:extLst>
+          </p:cNvPr>
+          <p:cNvSpPr txBox="1"/>
+          <p:nvPr/>
+        </p:nvSpPr>
+        <p:spPr>
+          <a:xfrm>
+            <a:off x="5361507" y="4299147"/>
+            <a:ext cx="1906794" cy="369332"/>
+          </a:xfrm>
+          <a:prstGeom prst="rect">
+            <a:avLst/>
+          </a:prstGeom>
+          <a:noFill/>
+        </p:spPr>
+        <p:txBody>
+          <a:bodyPr wrap="square" rtlCol="0">
+            <a:spAutoFit/>
+          </a:bodyPr>
+          <a:lstStyle/>
+          <a:p>
+            <a:r>
+              <a:rPr lang="es-PE" dirty="0"/>
+              <a:t>223.9 Ton/h</a:t>
+            </a:r>
+          </a:p>
+        </p:txBody>
+      </p:sp>
+      <p:sp>
+        <p:nvSpPr>
+          <p:cNvPr id="28" name="CuadroTexto 27">
+            <a:extLst>
+              <a:ext uri="{FF2B5EF4-FFF2-40B4-BE49-F238E27FC236}">
+                <a16:creationId xmlns:a16="http://schemas.microsoft.com/office/drawing/2014/main" id="{5332299E-9122-22C4-9D4A-086A8404F4A5}"/>
+              </a:ext>
+            </a:extLst>
+          </p:cNvPr>
+          <p:cNvSpPr txBox="1"/>
+          <p:nvPr/>
+        </p:nvSpPr>
+        <p:spPr>
+          <a:xfrm>
+            <a:off x="8118569" y="2249774"/>
+            <a:ext cx="1906794" cy="369332"/>
+          </a:xfrm>
+          <a:prstGeom prst="rect">
+            <a:avLst/>
+          </a:prstGeom>
+          <a:noFill/>
+        </p:spPr>
+        <p:txBody>
+          <a:bodyPr wrap="square" rtlCol="0">
+            <a:spAutoFit/>
+          </a:bodyPr>
+          <a:lstStyle/>
+          <a:p>
+            <a:r>
+              <a:rPr lang="es-PE" dirty="0"/>
+              <a:t>100 MW</a:t>
             </a:r>
           </a:p>
         </p:txBody>
@@ -4810,14 +5148,14 @@
           <p:nvPr>
             <p:extLst>
               <p:ext uri="{D42A27DB-BD31-4B8C-83A1-F6EECF244321}">
-                <p14:modId xmlns:p14="http://schemas.microsoft.com/office/powerpoint/2010/main" val="3570623"/>
+                <p14:modId xmlns:p14="http://schemas.microsoft.com/office/powerpoint/2010/main" val="3890493039"/>
               </p:ext>
             </p:extLst>
           </p:nvPr>
         </p:nvGraphicFramePr>
         <p:xfrm>
-          <a:off x="2032000" y="719666"/>
-          <a:ext cx="8127999" cy="1854200"/>
+          <a:off x="606752" y="341836"/>
+          <a:ext cx="10978497" cy="2985885"/>
         </p:xfrm>
         <a:graphic>
           <a:graphicData uri="http://schemas.openxmlformats.org/drawingml/2006/table">
@@ -4826,21 +5164,21 @@
                 <a:tableStyleId>{5C22544A-7EE6-4342-B048-85BDC9FD1C3A}</a:tableStyleId>
               </a:tblPr>
               <a:tblGrid>
-                <a:gridCol w="2709333">
+                <a:gridCol w="3659499">
                   <a:extLst>
                     <a:ext uri="{9D8B030D-6E8A-4147-A177-3AD203B41FA5}">
                       <a16:colId xmlns:a16="http://schemas.microsoft.com/office/drawing/2014/main" val="1903079773"/>
                     </a:ext>
                   </a:extLst>
                 </a:gridCol>
-                <a:gridCol w="2709333">
+                <a:gridCol w="3659499">
                   <a:extLst>
                     <a:ext uri="{9D8B030D-6E8A-4147-A177-3AD203B41FA5}">
                       <a16:colId xmlns:a16="http://schemas.microsoft.com/office/drawing/2014/main" val="417352765"/>
                     </a:ext>
                   </a:extLst>
                 </a:gridCol>
-                <a:gridCol w="2709333">
+                <a:gridCol w="3659499">
                   <a:extLst>
                     <a:ext uri="{9D8B030D-6E8A-4147-A177-3AD203B41FA5}">
                       <a16:colId xmlns:a16="http://schemas.microsoft.com/office/drawing/2014/main" val="1083579648"/>
@@ -4848,45 +5186,48 @@
                   </a:extLst>
                 </a:gridCol>
               </a:tblGrid>
-              <a:tr h="370840">
+              <a:tr h="597177">
                 <a:tc>
                   <a:txBody>
                     <a:bodyPr/>
                     <a:lstStyle/>
                     <a:p>
+                      <a:pPr algn="ctr"/>
                       <a:r>
                         <a:rPr lang="es-PE" dirty="0"/>
                         <a:t>PRODUCT</a:t>
                       </a:r>
                     </a:p>
                   </a:txBody>
-                  <a:tcPr/>
+                  <a:tcPr anchor="ctr"/>
                 </a:tc>
                 <a:tc>
                   <a:txBody>
                     <a:bodyPr/>
                     <a:lstStyle/>
                     <a:p>
+                      <a:pPr algn="ctr"/>
                       <a:r>
                         <a:rPr lang="es-PE" dirty="0"/>
                         <a:t>HEATING VALUE</a:t>
                       </a:r>
                     </a:p>
                   </a:txBody>
-                  <a:tcPr/>
+                  <a:tcPr anchor="ctr"/>
                 </a:tc>
                 <a:tc>
                   <a:txBody>
                     <a:bodyPr/>
                     <a:lstStyle/>
                     <a:p>
+                      <a:pPr algn="ctr"/>
                       <a:r>
                         <a:rPr lang="es-PE" dirty="0"/>
                         <a:t>UNIT OF MEASURE</a:t>
                       </a:r>
                     </a:p>
                   </a:txBody>
-                  <a:tcPr/>
+                  <a:tcPr anchor="ctr"/>
                 </a:tc>
                 <a:extLst>
                   <a:ext uri="{0D108BD9-81ED-4DB2-BD59-A6C34878D82A}">
@@ -4894,45 +5235,48 @@
                   </a:ext>
                 </a:extLst>
               </a:tr>
-              <a:tr h="370840">
+              <a:tr h="597177">
                 <a:tc>
                   <a:txBody>
                     <a:bodyPr/>
                     <a:lstStyle/>
                     <a:p>
+                      <a:pPr algn="ctr"/>
                       <a:r>
                         <a:rPr lang="es-PE" dirty="0"/>
                         <a:t>NATURAL GAS</a:t>
                       </a:r>
                     </a:p>
                   </a:txBody>
-                  <a:tcPr/>
+                  <a:tcPr anchor="ctr"/>
                 </a:tc>
                 <a:tc>
                   <a:txBody>
                     <a:bodyPr/>
                     <a:lstStyle/>
                     <a:p>
+                      <a:pPr algn="ctr"/>
                       <a:r>
                         <a:rPr lang="es-PE" dirty="0"/>
                         <a:t>954.963</a:t>
                       </a:r>
                     </a:p>
                   </a:txBody>
-                  <a:tcPr/>
+                  <a:tcPr anchor="ctr"/>
                 </a:tc>
                 <a:tc>
                   <a:txBody>
                     <a:bodyPr/>
                     <a:lstStyle/>
                     <a:p>
+                      <a:pPr algn="ctr"/>
                       <a:r>
                         <a:rPr lang="es-PE" dirty="0"/>
                         <a:t>BTU/SCF</a:t>
                       </a:r>
                     </a:p>
                   </a:txBody>
-                  <a:tcPr/>
+                  <a:tcPr anchor="ctr"/>
                 </a:tc>
                 <a:extLst>
                   <a:ext uri="{0D108BD9-81ED-4DB2-BD59-A6C34878D82A}">
@@ -4940,45 +5284,48 @@
                   </a:ext>
                 </a:extLst>
               </a:tr>
-              <a:tr h="370840">
+              <a:tr h="597177">
                 <a:tc>
                   <a:txBody>
                     <a:bodyPr/>
                     <a:lstStyle/>
                     <a:p>
+                      <a:pPr algn="ctr"/>
                       <a:r>
                         <a:rPr lang="es-PE" dirty="0"/>
                         <a:t>FUEL GAS</a:t>
                       </a:r>
                     </a:p>
                   </a:txBody>
-                  <a:tcPr/>
+                  <a:tcPr anchor="ctr"/>
                 </a:tc>
                 <a:tc>
                   <a:txBody>
                     <a:bodyPr/>
                     <a:lstStyle/>
                     <a:p>
+                      <a:pPr algn="ctr"/>
                       <a:r>
                         <a:rPr lang="es-PE" dirty="0"/>
                         <a:t>793.634</a:t>
                       </a:r>
                     </a:p>
                   </a:txBody>
-                  <a:tcPr/>
+                  <a:tcPr anchor="ctr"/>
                 </a:tc>
                 <a:tc>
                   <a:txBody>
                     <a:bodyPr/>
                     <a:lstStyle/>
                     <a:p>
+                      <a:pPr algn="ctr"/>
                       <a:r>
                         <a:rPr lang="es-PE" dirty="0"/>
                         <a:t>BTU/SCF</a:t>
                       </a:r>
                     </a:p>
                   </a:txBody>
-                  <a:tcPr/>
+                  <a:tcPr anchor="ctr"/>
                 </a:tc>
                 <a:extLst>
                   <a:ext uri="{0D108BD9-81ED-4DB2-BD59-A6C34878D82A}">
@@ -4986,45 +5333,48 @@
                   </a:ext>
                 </a:extLst>
               </a:tr>
-              <a:tr h="370840">
+              <a:tr h="597177">
                 <a:tc>
                   <a:txBody>
                     <a:bodyPr/>
                     <a:lstStyle/>
                     <a:p>
+                      <a:pPr algn="ctr"/>
                       <a:r>
                         <a:rPr lang="es-PE" dirty="0"/>
                         <a:t>FLEXIGAS</a:t>
                       </a:r>
                     </a:p>
                   </a:txBody>
-                  <a:tcPr/>
+                  <a:tcPr anchor="ctr"/>
                 </a:tc>
                 <a:tc>
                   <a:txBody>
                     <a:bodyPr/>
                     <a:lstStyle/>
                     <a:p>
+                      <a:pPr algn="ctr"/>
                       <a:r>
                         <a:rPr lang="es-PE" dirty="0"/>
                         <a:t>130.376</a:t>
                       </a:r>
                     </a:p>
                   </a:txBody>
-                  <a:tcPr/>
+                  <a:tcPr anchor="ctr"/>
                 </a:tc>
                 <a:tc>
                   <a:txBody>
                     <a:bodyPr/>
                     <a:lstStyle/>
                     <a:p>
+                      <a:pPr algn="ctr"/>
                       <a:r>
                         <a:rPr lang="es-PE" dirty="0"/>
                         <a:t>BTU/SCF</a:t>
                       </a:r>
                     </a:p>
                   </a:txBody>
-                  <a:tcPr/>
+                  <a:tcPr anchor="ctr"/>
                 </a:tc>
                 <a:extLst>
                   <a:ext uri="{0D108BD9-81ED-4DB2-BD59-A6C34878D82A}">
@@ -5032,46 +5382,48 @@
                   </a:ext>
                 </a:extLst>
               </a:tr>
-              <a:tr h="370840">
+              <a:tr h="597177">
                 <a:tc>
                   <a:txBody>
                     <a:bodyPr/>
                     <a:lstStyle/>
                     <a:p>
+                      <a:pPr algn="ctr"/>
                       <a:r>
                         <a:rPr lang="es-PE" dirty="0"/>
                         <a:t>LIGHT NAPHTHA</a:t>
                       </a:r>
                     </a:p>
                   </a:txBody>
-                  <a:tcPr/>
+                  <a:tcPr anchor="ctr"/>
                 </a:tc>
                 <a:tc>
                   <a:txBody>
                     <a:bodyPr/>
                     <a:lstStyle/>
                     <a:p>
+                      <a:pPr algn="ctr"/>
                       <a:r>
                         <a:rPr lang="es-PE" dirty="0"/>
                         <a:t>4’440,264</a:t>
                       </a:r>
                     </a:p>
                   </a:txBody>
-                  <a:tcPr/>
+                  <a:tcPr anchor="ctr"/>
                 </a:tc>
                 <a:tc>
                   <a:txBody>
                     <a:bodyPr/>
                     <a:lstStyle/>
                     <a:p>
+                      <a:pPr algn="ctr"/>
                       <a:r>
-                        <a:rPr lang="es-PE"/>
+                        <a:rPr lang="es-PE" dirty="0"/>
                         <a:t>BTU/BBL</a:t>
                       </a:r>
-                      <a:endParaRPr lang="es-PE" dirty="0"/>
                     </a:p>
                   </a:txBody>
-                  <a:tcPr/>
+                  <a:tcPr anchor="ctr"/>
                 </a:tc>
                 <a:extLst>
                   <a:ext uri="{0D108BD9-81ED-4DB2-BD59-A6C34878D82A}">

--- a/Niels Mejia Final Homework Presentation.pptx
+++ b/Niels Mejia Final Homework Presentation.pptx
@@ -116,7 +116,7 @@
 <file path=ppt/revisionInfo.xml><?xml version="1.0" encoding="utf-8"?>
 <p1510:revInfo xmlns:a="http://schemas.openxmlformats.org/drawingml/2006/main" xmlns:r="http://schemas.openxmlformats.org/officeDocument/2006/relationships" xmlns:p1510="http://schemas.microsoft.com/office/powerpoint/2015/10/main">
   <p1510:revLst>
-    <p1510:client id="{9235F258-DE90-4FB1-9EFC-857F96B3346F}" v="17" dt="2024-06-17T22:43:58.829"/>
+    <p1510:client id="{9235F258-DE90-4FB1-9EFC-857F96B3346F}" v="18" dt="2024-06-20T21:20:41.811"/>
   </p1510:revLst>
 </p1510:revInfo>
 </file>
@@ -126,18 +126,18 @@
   <pc:docChgLst>
     <pc:chgData name="Niels Mejia" userId="6a908e1cffa05844" providerId="LiveId" clId="{9235F258-DE90-4FB1-9EFC-857F96B3346F}"/>
     <pc:docChg chg="undo custSel addSld modSld">
-      <pc:chgData name="Niels Mejia" userId="6a908e1cffa05844" providerId="LiveId" clId="{9235F258-DE90-4FB1-9EFC-857F96B3346F}" dt="2024-06-17T22:45:32.174" v="653" actId="242"/>
+      <pc:chgData name="Niels Mejia" userId="6a908e1cffa05844" providerId="LiveId" clId="{9235F258-DE90-4FB1-9EFC-857F96B3346F}" dt="2024-06-20T21:36:49.122" v="848" actId="20577"/>
       <pc:docMkLst>
         <pc:docMk/>
       </pc:docMkLst>
       <pc:sldChg chg="addSp delSp modSp mod">
-        <pc:chgData name="Niels Mejia" userId="6a908e1cffa05844" providerId="LiveId" clId="{9235F258-DE90-4FB1-9EFC-857F96B3346F}" dt="2024-06-17T22:44:16.135" v="628" actId="20577"/>
+        <pc:chgData name="Niels Mejia" userId="6a908e1cffa05844" providerId="LiveId" clId="{9235F258-DE90-4FB1-9EFC-857F96B3346F}" dt="2024-06-20T21:36:49.122" v="848" actId="20577"/>
         <pc:sldMkLst>
           <pc:docMk/>
           <pc:sldMk cId="3338301109" sldId="256"/>
         </pc:sldMkLst>
         <pc:spChg chg="add mod">
-          <ac:chgData name="Niels Mejia" userId="6a908e1cffa05844" providerId="LiveId" clId="{9235F258-DE90-4FB1-9EFC-857F96B3346F}" dt="2024-06-17T22:38:27.386" v="489" actId="20577"/>
+          <ac:chgData name="Niels Mejia" userId="6a908e1cffa05844" providerId="LiveId" clId="{9235F258-DE90-4FB1-9EFC-857F96B3346F}" dt="2024-06-20T21:24:36.249" v="767" actId="20577"/>
           <ac:spMkLst>
             <pc:docMk/>
             <pc:sldMk cId="3338301109" sldId="256"/>
@@ -145,7 +145,7 @@
           </ac:spMkLst>
         </pc:spChg>
         <pc:spChg chg="add mod">
-          <ac:chgData name="Niels Mejia" userId="6a908e1cffa05844" providerId="LiveId" clId="{9235F258-DE90-4FB1-9EFC-857F96B3346F}" dt="2024-06-17T22:39:03.085" v="497" actId="20577"/>
+          <ac:chgData name="Niels Mejia" userId="6a908e1cffa05844" providerId="LiveId" clId="{9235F258-DE90-4FB1-9EFC-857F96B3346F}" dt="2024-06-20T21:25:17.088" v="779" actId="20577"/>
           <ac:spMkLst>
             <pc:docMk/>
             <pc:sldMk cId="3338301109" sldId="256"/>
@@ -153,11 +153,51 @@
           </ac:spMkLst>
         </pc:spChg>
         <pc:spChg chg="add mod">
-          <ac:chgData name="Niels Mejia" userId="6a908e1cffa05844" providerId="LiveId" clId="{9235F258-DE90-4FB1-9EFC-857F96B3346F}" dt="2024-06-17T22:39:20.022" v="506" actId="20577"/>
+          <ac:chgData name="Niels Mejia" userId="6a908e1cffa05844" providerId="LiveId" clId="{9235F258-DE90-4FB1-9EFC-857F96B3346F}" dt="2024-06-20T21:25:32.653" v="790" actId="20577"/>
           <ac:spMkLst>
             <pc:docMk/>
             <pc:sldMk cId="3338301109" sldId="256"/>
             <ac:spMk id="7" creationId="{AB8C3450-4564-367E-8DEA-EA354242D7A3}"/>
+          </ac:spMkLst>
+        </pc:spChg>
+        <pc:spChg chg="mod">
+          <ac:chgData name="Niels Mejia" userId="6a908e1cffa05844" providerId="LiveId" clId="{9235F258-DE90-4FB1-9EFC-857F96B3346F}" dt="2024-06-20T21:23:01.650" v="725" actId="1076"/>
+          <ac:spMkLst>
+            <pc:docMk/>
+            <pc:sldMk cId="3338301109" sldId="256"/>
+            <ac:spMk id="10" creationId="{7F42CFA7-9015-D6BD-3FD7-9B172BC49D38}"/>
+          </ac:spMkLst>
+        </pc:spChg>
+        <pc:spChg chg="add del mod">
+          <ac:chgData name="Niels Mejia" userId="6a908e1cffa05844" providerId="LiveId" clId="{9235F258-DE90-4FB1-9EFC-857F96B3346F}" dt="2024-06-20T21:22:42.458" v="709" actId="478"/>
+          <ac:spMkLst>
+            <pc:docMk/>
+            <pc:sldMk cId="3338301109" sldId="256"/>
+            <ac:spMk id="11" creationId="{9C8EE1D2-B985-A39B-06BF-C449500B6D38}"/>
+          </ac:spMkLst>
+        </pc:spChg>
+        <pc:spChg chg="mod">
+          <ac:chgData name="Niels Mejia" userId="6a908e1cffa05844" providerId="LiveId" clId="{9235F258-DE90-4FB1-9EFC-857F96B3346F}" dt="2024-06-20T21:22:38.819" v="708" actId="1076"/>
+          <ac:spMkLst>
+            <pc:docMk/>
+            <pc:sldMk cId="3338301109" sldId="256"/>
+            <ac:spMk id="12" creationId="{40F3AF6B-28AD-6F85-4D6C-7D12B0576666}"/>
+          </ac:spMkLst>
+        </pc:spChg>
+        <pc:spChg chg="mod">
+          <ac:chgData name="Niels Mejia" userId="6a908e1cffa05844" providerId="LiveId" clId="{9235F258-DE90-4FB1-9EFC-857F96B3346F}" dt="2024-06-20T21:23:34.909" v="743" actId="404"/>
+          <ac:spMkLst>
+            <pc:docMk/>
+            <pc:sldMk cId="3338301109" sldId="256"/>
+            <ac:spMk id="15" creationId="{890BCA60-1B16-BFF4-D884-3D029A7C4EDE}"/>
+          </ac:spMkLst>
+        </pc:spChg>
+        <pc:spChg chg="mod">
+          <ac:chgData name="Niels Mejia" userId="6a908e1cffa05844" providerId="LiveId" clId="{9235F258-DE90-4FB1-9EFC-857F96B3346F}" dt="2024-06-20T21:23:52.550" v="754" actId="404"/>
+          <ac:spMkLst>
+            <pc:docMk/>
+            <pc:sldMk cId="3338301109" sldId="256"/>
+            <ac:spMk id="16" creationId="{C21E5EC3-5776-27DF-C8C3-D1AD38005441}"/>
           </ac:spMkLst>
         </pc:spChg>
         <pc:spChg chg="add mod">
@@ -169,7 +209,7 @@
           </ac:spMkLst>
         </pc:spChg>
         <pc:spChg chg="add mod">
-          <ac:chgData name="Niels Mejia" userId="6a908e1cffa05844" providerId="LiveId" clId="{9235F258-DE90-4FB1-9EFC-857F96B3346F}" dt="2024-06-17T22:43:28.974" v="606" actId="20577"/>
+          <ac:chgData name="Niels Mejia" userId="6a908e1cffa05844" providerId="LiveId" clId="{9235F258-DE90-4FB1-9EFC-857F96B3346F}" dt="2024-06-20T21:25:52.317" v="802" actId="20577"/>
           <ac:spMkLst>
             <pc:docMk/>
             <pc:sldMk cId="3338301109" sldId="256"/>
@@ -177,7 +217,7 @@
           </ac:spMkLst>
         </pc:spChg>
         <pc:spChg chg="add mod">
-          <ac:chgData name="Niels Mejia" userId="6a908e1cffa05844" providerId="LiveId" clId="{9235F258-DE90-4FB1-9EFC-857F96B3346F}" dt="2024-06-17T22:44:16.135" v="628" actId="20577"/>
+          <ac:chgData name="Niels Mejia" userId="6a908e1cffa05844" providerId="LiveId" clId="{9235F258-DE90-4FB1-9EFC-857F96B3346F}" dt="2024-06-20T21:36:49.122" v="848" actId="20577"/>
           <ac:spMkLst>
             <pc:docMk/>
             <pc:sldMk cId="3338301109" sldId="256"/>
@@ -216,6 +256,14 @@
             <ac:spMk id="64" creationId="{D4EFD687-ED23-1B55-DE05-A490EB499FC8}"/>
           </ac:spMkLst>
         </pc:spChg>
+        <pc:cxnChg chg="mod">
+          <ac:chgData name="Niels Mejia" userId="6a908e1cffa05844" providerId="LiveId" clId="{9235F258-DE90-4FB1-9EFC-857F96B3346F}" dt="2024-06-20T21:22:04.034" v="691" actId="1036"/>
+          <ac:cxnSpMkLst>
+            <pc:docMk/>
+            <pc:sldMk cId="3338301109" sldId="256"/>
+            <ac:cxnSpMk id="14" creationId="{EF02B844-65FF-5A4C-A3ED-FD7672982316}"/>
+          </ac:cxnSpMkLst>
+        </pc:cxnChg>
         <pc:cxnChg chg="add del mod">
           <ac:chgData name="Niels Mejia" userId="6a908e1cffa05844" providerId="LiveId" clId="{9235F258-DE90-4FB1-9EFC-857F96B3346F}" dt="2024-06-17T22:41:35.131" v="567" actId="11529"/>
           <ac:cxnSpMkLst>
@@ -434,7 +482,7 @@
           <a:p>
             <a:fld id="{0F45E69D-45D3-437D-9848-B55994C2C75F}" type="datetimeFigureOut">
               <a:rPr lang="es-PE" smtClean="0"/>
-              <a:t>17/06/2024</a:t>
+              <a:t>20/06/2024</a:t>
             </a:fld>
             <a:endParaRPr lang="es-PE"/>
           </a:p>
@@ -634,7 +682,7 @@
           <a:p>
             <a:fld id="{0F45E69D-45D3-437D-9848-B55994C2C75F}" type="datetimeFigureOut">
               <a:rPr lang="es-PE" smtClean="0"/>
-              <a:t>17/06/2024</a:t>
+              <a:t>20/06/2024</a:t>
             </a:fld>
             <a:endParaRPr lang="es-PE"/>
           </a:p>
@@ -844,7 +892,7 @@
           <a:p>
             <a:fld id="{0F45E69D-45D3-437D-9848-B55994C2C75F}" type="datetimeFigureOut">
               <a:rPr lang="es-PE" smtClean="0"/>
-              <a:t>17/06/2024</a:t>
+              <a:t>20/06/2024</a:t>
             </a:fld>
             <a:endParaRPr lang="es-PE"/>
           </a:p>
@@ -1044,7 +1092,7 @@
           <a:p>
             <a:fld id="{0F45E69D-45D3-437D-9848-B55994C2C75F}" type="datetimeFigureOut">
               <a:rPr lang="es-PE" smtClean="0"/>
-              <a:t>17/06/2024</a:t>
+              <a:t>20/06/2024</a:t>
             </a:fld>
             <a:endParaRPr lang="es-PE"/>
           </a:p>
@@ -1320,7 +1368,7 @@
           <a:p>
             <a:fld id="{0F45E69D-45D3-437D-9848-B55994C2C75F}" type="datetimeFigureOut">
               <a:rPr lang="es-PE" smtClean="0"/>
-              <a:t>17/06/2024</a:t>
+              <a:t>20/06/2024</a:t>
             </a:fld>
             <a:endParaRPr lang="es-PE"/>
           </a:p>
@@ -1588,7 +1636,7 @@
           <a:p>
             <a:fld id="{0F45E69D-45D3-437D-9848-B55994C2C75F}" type="datetimeFigureOut">
               <a:rPr lang="es-PE" smtClean="0"/>
-              <a:t>17/06/2024</a:t>
+              <a:t>20/06/2024</a:t>
             </a:fld>
             <a:endParaRPr lang="es-PE"/>
           </a:p>
@@ -2003,7 +2051,7 @@
           <a:p>
             <a:fld id="{0F45E69D-45D3-437D-9848-B55994C2C75F}" type="datetimeFigureOut">
               <a:rPr lang="es-PE" smtClean="0"/>
-              <a:t>17/06/2024</a:t>
+              <a:t>20/06/2024</a:t>
             </a:fld>
             <a:endParaRPr lang="es-PE"/>
           </a:p>
@@ -2145,7 +2193,7 @@
           <a:p>
             <a:fld id="{0F45E69D-45D3-437D-9848-B55994C2C75F}" type="datetimeFigureOut">
               <a:rPr lang="es-PE" smtClean="0"/>
-              <a:t>17/06/2024</a:t>
+              <a:t>20/06/2024</a:t>
             </a:fld>
             <a:endParaRPr lang="es-PE"/>
           </a:p>
@@ -2258,7 +2306,7 @@
           <a:p>
             <a:fld id="{0F45E69D-45D3-437D-9848-B55994C2C75F}" type="datetimeFigureOut">
               <a:rPr lang="es-PE" smtClean="0"/>
-              <a:t>17/06/2024</a:t>
+              <a:t>20/06/2024</a:t>
             </a:fld>
             <a:endParaRPr lang="es-PE"/>
           </a:p>
@@ -2571,7 +2619,7 @@
           <a:p>
             <a:fld id="{0F45E69D-45D3-437D-9848-B55994C2C75F}" type="datetimeFigureOut">
               <a:rPr lang="es-PE" smtClean="0"/>
-              <a:t>17/06/2024</a:t>
+              <a:t>20/06/2024</a:t>
             </a:fld>
             <a:endParaRPr lang="es-PE"/>
           </a:p>
@@ -2860,7 +2908,7 @@
           <a:p>
             <a:fld id="{0F45E69D-45D3-437D-9848-B55994C2C75F}" type="datetimeFigureOut">
               <a:rPr lang="es-PE" smtClean="0"/>
-              <a:t>17/06/2024</a:t>
+              <a:t>20/06/2024</a:t>
             </a:fld>
             <a:endParaRPr lang="es-PE"/>
           </a:p>
@@ -3103,7 +3151,7 @@
           <a:p>
             <a:fld id="{0F45E69D-45D3-437D-9848-B55994C2C75F}" type="datetimeFigureOut">
               <a:rPr lang="es-PE" smtClean="0"/>
-              <a:t>17/06/2024</a:t>
+              <a:t>20/06/2024</a:t>
             </a:fld>
             <a:endParaRPr lang="es-PE"/>
           </a:p>
@@ -3759,8 +3807,8 @@
         </p:nvSpPr>
         <p:spPr>
           <a:xfrm>
-            <a:off x="176550" y="1135765"/>
-            <a:ext cx="1501950" cy="369332"/>
+            <a:off x="176549" y="1114463"/>
+            <a:ext cx="1854418" cy="276999"/>
           </a:xfrm>
           <a:prstGeom prst="rect">
             <a:avLst/>
@@ -3774,8 +3822,8 @@
           <a:lstStyle/>
           <a:p>
             <a:r>
-              <a:rPr lang="es-PE" dirty="0"/>
-              <a:t>NATURAL GAS</a:t>
+              <a:rPr lang="es-PE" sz="1200" dirty="0"/>
+              <a:t>NATURAL GAS = 21.5 BFOE</a:t>
             </a:r>
           </a:p>
         </p:txBody>
@@ -3794,8 +3842,8 @@
         </p:nvSpPr>
         <p:spPr>
           <a:xfrm>
-            <a:off x="176550" y="1564641"/>
-            <a:ext cx="1085554" cy="369332"/>
+            <a:off x="176549" y="1590152"/>
+            <a:ext cx="1653273" cy="276999"/>
           </a:xfrm>
           <a:prstGeom prst="rect">
             <a:avLst/>
@@ -3809,8 +3857,8 @@
           <a:lstStyle/>
           <a:p>
             <a:r>
-              <a:rPr lang="es-PE" dirty="0"/>
-              <a:t>FUEL GAS</a:t>
+              <a:rPr lang="es-PE" sz="1200" dirty="0"/>
+              <a:t>FUEL GAS = 504.3 BFOE</a:t>
             </a:r>
           </a:p>
         </p:txBody>
@@ -3868,7 +3916,7 @@
         </p:nvCxnSpPr>
         <p:spPr>
           <a:xfrm>
-            <a:off x="290556" y="2862341"/>
+            <a:off x="290556" y="3033261"/>
             <a:ext cx="1632247" cy="0"/>
           </a:xfrm>
           <a:prstGeom prst="straightConnector1">
@@ -3908,7 +3956,7 @@
         <p:spPr>
           <a:xfrm>
             <a:off x="176550" y="2061227"/>
-            <a:ext cx="1063112" cy="369332"/>
+            <a:ext cx="1754263" cy="276999"/>
           </a:xfrm>
           <a:prstGeom prst="rect">
             <a:avLst/>
@@ -3922,8 +3970,8 @@
           <a:lstStyle/>
           <a:p>
             <a:r>
-              <a:rPr lang="es-PE" dirty="0"/>
-              <a:t>FLEXIGAS</a:t>
+              <a:rPr lang="es-PE" sz="1200" dirty="0"/>
+              <a:t>FLEXIGAS = 3,133.8 BFOE</a:t>
             </a:r>
           </a:p>
         </p:txBody>
@@ -3942,8 +3990,8 @@
         </p:nvSpPr>
         <p:spPr>
           <a:xfrm>
-            <a:off x="176550" y="2488517"/>
-            <a:ext cx="1729961" cy="369332"/>
+            <a:off x="176550" y="2659437"/>
+            <a:ext cx="1710725" cy="276999"/>
           </a:xfrm>
           <a:prstGeom prst="rect">
             <a:avLst/>
@@ -3957,8 +4005,8 @@
           <a:lstStyle/>
           <a:p>
             <a:r>
-              <a:rPr lang="es-PE" dirty="0"/>
-              <a:t>LIGHT NAPHTHA</a:t>
+              <a:rPr lang="es-PE" sz="1200" dirty="0"/>
+              <a:t>LIGHT NAPHTHA = 0 BBL</a:t>
             </a:r>
           </a:p>
         </p:txBody>
@@ -4864,7 +4912,7 @@
           <a:p>
             <a:r>
               <a:rPr lang="es-PE" dirty="0"/>
-              <a:t>598.3 Ton/h</a:t>
+              <a:t>15,359 Ton/d</a:t>
             </a:r>
           </a:p>
         </p:txBody>
@@ -4899,7 +4947,7 @@
           <a:p>
             <a:r>
               <a:rPr lang="es-PE" dirty="0"/>
-              <a:t>284.4 Ton/h</a:t>
+              <a:t>6,826 Ton/d</a:t>
             </a:r>
           </a:p>
         </p:txBody>
@@ -4934,7 +4982,7 @@
           <a:p>
             <a:r>
               <a:rPr lang="es-PE" dirty="0"/>
-              <a:t>90.0 Ton/h</a:t>
+              <a:t>2,160 Ton/d</a:t>
             </a:r>
           </a:p>
         </p:txBody>
@@ -5063,7 +5111,7 @@
           <a:p>
             <a:r>
               <a:rPr lang="es-PE" dirty="0"/>
-              <a:t>223.9 Ton/h</a:t>
+              <a:t>5,374 Ton/d</a:t>
             </a:r>
           </a:p>
         </p:txBody>
@@ -5083,7 +5131,7 @@
         <p:spPr>
           <a:xfrm>
             <a:off x="8118569" y="2249774"/>
-            <a:ext cx="1906794" cy="369332"/>
+            <a:ext cx="1906794" cy="523220"/>
           </a:xfrm>
           <a:prstGeom prst="rect">
             <a:avLst/>
@@ -5097,8 +5145,14 @@
           <a:lstStyle/>
           <a:p>
             <a:r>
-              <a:rPr lang="es-PE" dirty="0"/>
-              <a:t>100 MW</a:t>
+              <a:rPr lang="es-PE" sz="1400" dirty="0"/>
+              <a:t>Potencia = 100 MW</a:t>
+            </a:r>
+          </a:p>
+          <a:p>
+            <a:r>
+              <a:rPr lang="es-PE" sz="1400" dirty="0"/>
+              <a:t>Energía = 1,354 BFOE/d</a:t>
             </a:r>
           </a:p>
         </p:txBody>

--- a/Niels Mejia Final Homework Presentation.pptx
+++ b/Niels Mejia Final Homework Presentation.pptx
@@ -4,9 +4,18 @@
   <p:sldMasterIdLst>
     <p:sldMasterId id="2147483648" r:id="rId1"/>
   </p:sldMasterIdLst>
+  <p:notesMasterIdLst>
+    <p:notesMasterId r:id="rId10"/>
+  </p:notesMasterIdLst>
   <p:sldIdLst>
-    <p:sldId id="256" r:id="rId2"/>
-    <p:sldId id="257" r:id="rId3"/>
+    <p:sldId id="263" r:id="rId2"/>
+    <p:sldId id="261" r:id="rId3"/>
+    <p:sldId id="256" r:id="rId4"/>
+    <p:sldId id="257" r:id="rId5"/>
+    <p:sldId id="258" r:id="rId6"/>
+    <p:sldId id="259" r:id="rId7"/>
+    <p:sldId id="260" r:id="rId8"/>
+    <p:sldId id="262" r:id="rId9"/>
   </p:sldIdLst>
   <p:sldSz cx="12192000" cy="6858000"/>
   <p:notesSz cx="6858000" cy="9144000"/>
@@ -116,7 +125,7 @@
 <file path=ppt/revisionInfo.xml><?xml version="1.0" encoding="utf-8"?>
 <p1510:revInfo xmlns:a="http://schemas.openxmlformats.org/drawingml/2006/main" xmlns:r="http://schemas.openxmlformats.org/officeDocument/2006/relationships" xmlns:p1510="http://schemas.microsoft.com/office/powerpoint/2015/10/main">
   <p1510:revLst>
-    <p1510:client id="{9235F258-DE90-4FB1-9EFC-857F96B3346F}" v="18" dt="2024-06-20T21:20:41.811"/>
+    <p1510:client id="{A028575E-41B0-48FB-B193-1DAFE6E3AD29}" v="7" dt="2024-07-06T01:59:01.804"/>
   </p1510:revLst>
 </p1510:revInfo>
 </file>
@@ -125,13 +134,13 @@
 <pc:chgInfo xmlns:a="http://schemas.openxmlformats.org/drawingml/2006/main" xmlns:r="http://schemas.openxmlformats.org/officeDocument/2006/relationships" xmlns:ac="http://schemas.microsoft.com/office/drawing/2013/main/command" xmlns:pc="http://schemas.microsoft.com/office/powerpoint/2013/main/command">
   <pc:docChgLst>
     <pc:chgData name="Niels Mejia" userId="6a908e1cffa05844" providerId="LiveId" clId="{9235F258-DE90-4FB1-9EFC-857F96B3346F}"/>
-    <pc:docChg chg="undo custSel addSld modSld">
-      <pc:chgData name="Niels Mejia" userId="6a908e1cffa05844" providerId="LiveId" clId="{9235F258-DE90-4FB1-9EFC-857F96B3346F}" dt="2024-06-20T21:36:49.122" v="848" actId="20577"/>
+    <pc:docChg chg="undo custSel addSld delSld modSld">
+      <pc:chgData name="Niels Mejia" userId="6a908e1cffa05844" providerId="LiveId" clId="{9235F258-DE90-4FB1-9EFC-857F96B3346F}" dt="2024-07-05T20:14:59.309" v="1995" actId="1035"/>
       <pc:docMkLst>
         <pc:docMk/>
       </pc:docMkLst>
       <pc:sldChg chg="addSp delSp modSp mod">
-        <pc:chgData name="Niels Mejia" userId="6a908e1cffa05844" providerId="LiveId" clId="{9235F258-DE90-4FB1-9EFC-857F96B3346F}" dt="2024-06-20T21:36:49.122" v="848" actId="20577"/>
+        <pc:chgData name="Niels Mejia" userId="6a908e1cffa05844" providerId="LiveId" clId="{9235F258-DE90-4FB1-9EFC-857F96B3346F}" dt="2024-07-05T20:14:59.309" v="1995" actId="1035"/>
         <pc:sldMkLst>
           <pc:docMk/>
           <pc:sldMk cId="3338301109" sldId="256"/>
@@ -174,6 +183,14 @@
             <pc:docMk/>
             <pc:sldMk cId="3338301109" sldId="256"/>
             <ac:spMk id="11" creationId="{9C8EE1D2-B985-A39B-06BF-C449500B6D38}"/>
+          </ac:spMkLst>
+        </pc:spChg>
+        <pc:spChg chg="add mod">
+          <ac:chgData name="Niels Mejia" userId="6a908e1cffa05844" providerId="LiveId" clId="{9235F258-DE90-4FB1-9EFC-857F96B3346F}" dt="2024-07-05T20:14:59.309" v="1995" actId="1035"/>
+          <ac:spMkLst>
+            <pc:docMk/>
+            <pc:sldMk cId="3338301109" sldId="256"/>
+            <ac:spMk id="11" creationId="{A1595CF7-B0F6-9F3C-CDEF-755CDE9022D9}"/>
           </ac:spMkLst>
         </pc:spChg>
         <pc:spChg chg="mod">
@@ -298,11 +315,19 @@
         </pc:cxnChg>
       </pc:sldChg>
       <pc:sldChg chg="addSp delSp modSp new mod">
-        <pc:chgData name="Niels Mejia" userId="6a908e1cffa05844" providerId="LiveId" clId="{9235F258-DE90-4FB1-9EFC-857F96B3346F}" dt="2024-06-17T22:45:32.174" v="653" actId="242"/>
+        <pc:chgData name="Niels Mejia" userId="6a908e1cffa05844" providerId="LiveId" clId="{9235F258-DE90-4FB1-9EFC-857F96B3346F}" dt="2024-07-04T18:55:05.572" v="1991" actId="20577"/>
         <pc:sldMkLst>
           <pc:docMk/>
           <pc:sldMk cId="3874538875" sldId="257"/>
         </pc:sldMkLst>
+        <pc:spChg chg="add mod">
+          <ac:chgData name="Niels Mejia" userId="6a908e1cffa05844" providerId="LiveId" clId="{9235F258-DE90-4FB1-9EFC-857F96B3346F}" dt="2024-07-04T18:51:35.535" v="1921" actId="20577"/>
+          <ac:spMkLst>
+            <pc:docMk/>
+            <pc:sldMk cId="3874538875" sldId="257"/>
+            <ac:spMk id="2" creationId="{5136A9CB-32E1-2F90-BD91-AE46B97229E3}"/>
+          </ac:spMkLst>
+        </pc:spChg>
         <pc:spChg chg="del">
           <ac:chgData name="Niels Mejia" userId="6a908e1cffa05844" providerId="LiveId" clId="{9235F258-DE90-4FB1-9EFC-857F96B3346F}" dt="2024-06-14T21:10:42.123" v="270" actId="478"/>
           <ac:spMkLst>
@@ -320,17 +345,1834 @@
           </ac:spMkLst>
         </pc:spChg>
         <pc:graphicFrameChg chg="add mod modGraphic">
-          <ac:chgData name="Niels Mejia" userId="6a908e1cffa05844" providerId="LiveId" clId="{9235F258-DE90-4FB1-9EFC-857F96B3346F}" dt="2024-06-17T22:45:32.174" v="653" actId="242"/>
+          <ac:chgData name="Niels Mejia" userId="6a908e1cffa05844" providerId="LiveId" clId="{9235F258-DE90-4FB1-9EFC-857F96B3346F}" dt="2024-07-04T18:55:05.572" v="1991" actId="20577"/>
           <ac:graphicFrameMkLst>
             <pc:docMk/>
             <pc:sldMk cId="3874538875" sldId="257"/>
+            <ac:graphicFrameMk id="4" creationId="{48FE8E35-412F-2F78-C4EA-623F16456121}"/>
+          </ac:graphicFrameMkLst>
+        </pc:graphicFrameChg>
+      </pc:sldChg>
+      <pc:sldChg chg="addSp delSp modSp add mod">
+        <pc:chgData name="Niels Mejia" userId="6a908e1cffa05844" providerId="LiveId" clId="{9235F258-DE90-4FB1-9EFC-857F96B3346F}" dt="2024-07-04T18:51:13.073" v="1905" actId="1076"/>
+        <pc:sldMkLst>
+          <pc:docMk/>
+          <pc:sldMk cId="1310215637" sldId="258"/>
+        </pc:sldMkLst>
+        <pc:spChg chg="add mod">
+          <ac:chgData name="Niels Mejia" userId="6a908e1cffa05844" providerId="LiveId" clId="{9235F258-DE90-4FB1-9EFC-857F96B3346F}" dt="2024-06-28T18:39:23.288" v="1176" actId="1076"/>
+          <ac:spMkLst>
+            <pc:docMk/>
+            <pc:sldMk cId="1310215637" sldId="258"/>
+            <ac:spMk id="2" creationId="{5A58A69F-E058-3EEC-572D-6D97B4B2A54B}"/>
+          </ac:spMkLst>
+        </pc:spChg>
+        <pc:spChg chg="add mod">
+          <ac:chgData name="Niels Mejia" userId="6a908e1cffa05844" providerId="LiveId" clId="{9235F258-DE90-4FB1-9EFC-857F96B3346F}" dt="2024-07-04T18:51:13.073" v="1905" actId="1076"/>
+          <ac:spMkLst>
+            <pc:docMk/>
+            <pc:sldMk cId="1310215637" sldId="258"/>
+            <ac:spMk id="3" creationId="{0EDB27D4-E0E1-71BD-8E5F-0C176CFEEB66}"/>
+          </ac:spMkLst>
+        </pc:spChg>
+        <pc:spChg chg="add mod">
+          <ac:chgData name="Niels Mejia" userId="6a908e1cffa05844" providerId="LiveId" clId="{9235F258-DE90-4FB1-9EFC-857F96B3346F}" dt="2024-06-28T18:59:05.231" v="1686" actId="1076"/>
+          <ac:spMkLst>
+            <pc:docMk/>
+            <pc:sldMk cId="1310215637" sldId="258"/>
+            <ac:spMk id="5" creationId="{DF6AFA13-42C2-AEFF-CDD2-3B7A04BB509D}"/>
+          </ac:spMkLst>
+        </pc:spChg>
+        <pc:graphicFrameChg chg="mod modGraphic">
+          <ac:chgData name="Niels Mejia" userId="6a908e1cffa05844" providerId="LiveId" clId="{9235F258-DE90-4FB1-9EFC-857F96B3346F}" dt="2024-06-28T18:52:10.744" v="1542" actId="20577"/>
+          <ac:graphicFrameMkLst>
+            <pc:docMk/>
+            <pc:sldMk cId="1310215637" sldId="258"/>
+            <ac:graphicFrameMk id="4" creationId="{48FE8E35-412F-2F78-C4EA-623F16456121}"/>
+          </ac:graphicFrameMkLst>
+        </pc:graphicFrameChg>
+        <pc:picChg chg="add del mod">
+          <ac:chgData name="Niels Mejia" userId="6a908e1cffa05844" providerId="LiveId" clId="{9235F258-DE90-4FB1-9EFC-857F96B3346F}" dt="2024-06-28T18:54:04.456" v="1588" actId="478"/>
+          <ac:picMkLst>
+            <pc:docMk/>
+            <pc:sldMk cId="1310215637" sldId="258"/>
+            <ac:picMk id="7" creationId="{CC8D1181-504A-D574-72BD-6AF12310DBB8}"/>
+          </ac:picMkLst>
+        </pc:picChg>
+        <pc:picChg chg="add mod">
+          <ac:chgData name="Niels Mejia" userId="6a908e1cffa05844" providerId="LiveId" clId="{9235F258-DE90-4FB1-9EFC-857F96B3346F}" dt="2024-06-28T18:54:56.271" v="1596" actId="1076"/>
+          <ac:picMkLst>
+            <pc:docMk/>
+            <pc:sldMk cId="1310215637" sldId="258"/>
+            <ac:picMk id="9" creationId="{DC918BD8-8A4B-2A1B-B05C-627BA9459668}"/>
+          </ac:picMkLst>
+        </pc:picChg>
+      </pc:sldChg>
+      <pc:sldChg chg="new del">
+        <pc:chgData name="Niels Mejia" userId="6a908e1cffa05844" providerId="LiveId" clId="{9235F258-DE90-4FB1-9EFC-857F96B3346F}" dt="2024-06-28T18:30:16.071" v="850" actId="47"/>
+        <pc:sldMkLst>
+          <pc:docMk/>
+          <pc:sldMk cId="1355866730" sldId="258"/>
+        </pc:sldMkLst>
+      </pc:sldChg>
+      <pc:sldChg chg="addSp modSp add mod">
+        <pc:chgData name="Niels Mejia" userId="6a908e1cffa05844" providerId="LiveId" clId="{9235F258-DE90-4FB1-9EFC-857F96B3346F}" dt="2024-06-28T18:58:51.611" v="1679" actId="1076"/>
+        <pc:sldMkLst>
+          <pc:docMk/>
+          <pc:sldMk cId="2484606533" sldId="259"/>
+        </pc:sldMkLst>
+        <pc:spChg chg="mod">
+          <ac:chgData name="Niels Mejia" userId="6a908e1cffa05844" providerId="LiveId" clId="{9235F258-DE90-4FB1-9EFC-857F96B3346F}" dt="2024-06-28T18:54:00.376" v="1587" actId="1035"/>
+          <ac:spMkLst>
+            <pc:docMk/>
+            <pc:sldMk cId="2484606533" sldId="259"/>
+            <ac:spMk id="2" creationId="{5A58A69F-E058-3EEC-572D-6D97B4B2A54B}"/>
+          </ac:spMkLst>
+        </pc:spChg>
+        <pc:spChg chg="mod">
+          <ac:chgData name="Niels Mejia" userId="6a908e1cffa05844" providerId="LiveId" clId="{9235F258-DE90-4FB1-9EFC-857F96B3346F}" dt="2024-06-28T18:52:54.612" v="1568" actId="1076"/>
+          <ac:spMkLst>
+            <pc:docMk/>
+            <pc:sldMk cId="2484606533" sldId="259"/>
+            <ac:spMk id="3" creationId="{0EDB27D4-E0E1-71BD-8E5F-0C176CFEEB66}"/>
+          </ac:spMkLst>
+        </pc:spChg>
+        <pc:spChg chg="mod">
+          <ac:chgData name="Niels Mejia" userId="6a908e1cffa05844" providerId="LiveId" clId="{9235F258-DE90-4FB1-9EFC-857F96B3346F}" dt="2024-06-28T18:58:51.611" v="1679" actId="1076"/>
+          <ac:spMkLst>
+            <pc:docMk/>
+            <pc:sldMk cId="2484606533" sldId="259"/>
+            <ac:spMk id="5" creationId="{DF6AFA13-42C2-AEFF-CDD2-3B7A04BB509D}"/>
+          </ac:spMkLst>
+        </pc:spChg>
+        <pc:graphicFrameChg chg="mod modGraphic">
+          <ac:chgData name="Niels Mejia" userId="6a908e1cffa05844" providerId="LiveId" clId="{9235F258-DE90-4FB1-9EFC-857F96B3346F}" dt="2024-06-28T18:51:41.562" v="1522" actId="20577"/>
+          <ac:graphicFrameMkLst>
+            <pc:docMk/>
+            <pc:sldMk cId="2484606533" sldId="259"/>
+            <ac:graphicFrameMk id="4" creationId="{48FE8E35-412F-2F78-C4EA-623F16456121}"/>
+          </ac:graphicFrameMkLst>
+        </pc:graphicFrameChg>
+        <pc:picChg chg="add mod">
+          <ac:chgData name="Niels Mejia" userId="6a908e1cffa05844" providerId="LiveId" clId="{9235F258-DE90-4FB1-9EFC-857F96B3346F}" dt="2024-06-28T18:53:44.911" v="1575" actId="14100"/>
+          <ac:picMkLst>
+            <pc:docMk/>
+            <pc:sldMk cId="2484606533" sldId="259"/>
+            <ac:picMk id="7" creationId="{7ECE3142-BB21-803E-513E-AC0535ABC36B}"/>
+          </ac:picMkLst>
+        </pc:picChg>
+      </pc:sldChg>
+      <pc:sldChg chg="modSp add mod">
+        <pc:chgData name="Niels Mejia" userId="6a908e1cffa05844" providerId="LiveId" clId="{9235F258-DE90-4FB1-9EFC-857F96B3346F}" dt="2024-07-04T18:46:53.739" v="1698" actId="1076"/>
+        <pc:sldMkLst>
+          <pc:docMk/>
+          <pc:sldMk cId="10941393" sldId="260"/>
+        </pc:sldMkLst>
+        <pc:spChg chg="mod">
+          <ac:chgData name="Niels Mejia" userId="6a908e1cffa05844" providerId="LiveId" clId="{9235F258-DE90-4FB1-9EFC-857F96B3346F}" dt="2024-06-28T18:58:19.155" v="1654" actId="1076"/>
+          <ac:spMkLst>
+            <pc:docMk/>
+            <pc:sldMk cId="10941393" sldId="260"/>
+            <ac:spMk id="2" creationId="{5A58A69F-E058-3EEC-572D-6D97B4B2A54B}"/>
+          </ac:spMkLst>
+        </pc:spChg>
+        <pc:spChg chg="mod">
+          <ac:chgData name="Niels Mejia" userId="6a908e1cffa05844" providerId="LiveId" clId="{9235F258-DE90-4FB1-9EFC-857F96B3346F}" dt="2024-07-04T18:46:53.739" v="1698" actId="1076"/>
+          <ac:spMkLst>
+            <pc:docMk/>
+            <pc:sldMk cId="10941393" sldId="260"/>
+            <ac:spMk id="5" creationId="{DF6AFA13-42C2-AEFF-CDD2-3B7A04BB509D}"/>
+          </ac:spMkLst>
+        </pc:spChg>
+        <pc:graphicFrameChg chg="mod modGraphic">
+          <ac:chgData name="Niels Mejia" userId="6a908e1cffa05844" providerId="LiveId" clId="{9235F258-DE90-4FB1-9EFC-857F96B3346F}" dt="2024-06-28T18:58:14.276" v="1653" actId="1076"/>
+          <ac:graphicFrameMkLst>
+            <pc:docMk/>
+            <pc:sldMk cId="10941393" sldId="260"/>
             <ac:graphicFrameMk id="4" creationId="{48FE8E35-412F-2F78-C4EA-623F16456121}"/>
           </ac:graphicFrameMkLst>
         </pc:graphicFrameChg>
       </pc:sldChg>
     </pc:docChg>
   </pc:docChgLst>
+  <pc:docChgLst>
+    <pc:chgData name="Niels Mejia" userId="6a908e1cffa05844" providerId="LiveId" clId="{A028575E-41B0-48FB-B193-1DAFE6E3AD29}"/>
+    <pc:docChg chg="undo custSel addSld delSld modSld sldOrd">
+      <pc:chgData name="Niels Mejia" userId="6a908e1cffa05844" providerId="LiveId" clId="{A028575E-41B0-48FB-B193-1DAFE6E3AD29}" dt="2024-07-06T02:00:09.171" v="692" actId="1035"/>
+      <pc:docMkLst>
+        <pc:docMk/>
+      </pc:docMkLst>
+      <pc:sldChg chg="addSp modSp mod">
+        <pc:chgData name="Niels Mejia" userId="6a908e1cffa05844" providerId="LiveId" clId="{A028575E-41B0-48FB-B193-1DAFE6E3AD29}" dt="2024-07-05T23:50:12.523" v="394" actId="403"/>
+        <pc:sldMkLst>
+          <pc:docMk/>
+          <pc:sldMk cId="3338301109" sldId="256"/>
+        </pc:sldMkLst>
+        <pc:spChg chg="mod">
+          <ac:chgData name="Niels Mejia" userId="6a908e1cffa05844" providerId="LiveId" clId="{A028575E-41B0-48FB-B193-1DAFE6E3AD29}" dt="2024-06-24T02:25:31.513" v="178" actId="14100"/>
+          <ac:spMkLst>
+            <pc:docMk/>
+            <pc:sldMk cId="3338301109" sldId="256"/>
+            <ac:spMk id="2" creationId="{147B1A8A-7D88-ECE1-3034-54A57B97D430}"/>
+          </ac:spMkLst>
+        </pc:spChg>
+        <pc:spChg chg="mod">
+          <ac:chgData name="Niels Mejia" userId="6a908e1cffa05844" providerId="LiveId" clId="{A028575E-41B0-48FB-B193-1DAFE6E3AD29}" dt="2024-07-05T23:49:32.273" v="349" actId="1035"/>
+          <ac:spMkLst>
+            <pc:docMk/>
+            <pc:sldMk cId="3338301109" sldId="256"/>
+            <ac:spMk id="11" creationId="{A1595CF7-B0F6-9F3C-CDEF-755CDE9022D9}"/>
+          </ac:spMkLst>
+        </pc:spChg>
+        <pc:spChg chg="add mod">
+          <ac:chgData name="Niels Mejia" userId="6a908e1cffa05844" providerId="LiveId" clId="{A028575E-41B0-48FB-B193-1DAFE6E3AD29}" dt="2024-07-05T23:50:12.523" v="394" actId="403"/>
+          <ac:spMkLst>
+            <pc:docMk/>
+            <pc:sldMk cId="3338301109" sldId="256"/>
+            <ac:spMk id="17" creationId="{C05BBD12-0707-C877-F19D-E898E20ADFF4}"/>
+          </ac:spMkLst>
+        </pc:spChg>
+        <pc:spChg chg="mod">
+          <ac:chgData name="Niels Mejia" userId="6a908e1cffa05844" providerId="LiveId" clId="{A028575E-41B0-48FB-B193-1DAFE6E3AD29}" dt="2024-06-24T02:25:18.382" v="176" actId="14100"/>
+          <ac:spMkLst>
+            <pc:docMk/>
+            <pc:sldMk cId="3338301109" sldId="256"/>
+            <ac:spMk id="31" creationId="{19932F88-A069-AA31-801B-4D977BB8B4C6}"/>
+          </ac:spMkLst>
+        </pc:spChg>
+        <pc:spChg chg="mod">
+          <ac:chgData name="Niels Mejia" userId="6a908e1cffa05844" providerId="LiveId" clId="{A028575E-41B0-48FB-B193-1DAFE6E3AD29}" dt="2024-07-05T23:49:32.273" v="349" actId="1035"/>
+          <ac:spMkLst>
+            <pc:docMk/>
+            <pc:sldMk cId="3338301109" sldId="256"/>
+            <ac:spMk id="60" creationId="{9D8C1E79-E1E7-4EF8-3E42-0ACDA3B85925}"/>
+          </ac:spMkLst>
+        </pc:spChg>
+        <pc:spChg chg="mod">
+          <ac:chgData name="Niels Mejia" userId="6a908e1cffa05844" providerId="LiveId" clId="{A028575E-41B0-48FB-B193-1DAFE6E3AD29}" dt="2024-07-05T23:49:32.273" v="349" actId="1035"/>
+          <ac:spMkLst>
+            <pc:docMk/>
+            <pc:sldMk cId="3338301109" sldId="256"/>
+            <ac:spMk id="63" creationId="{DAA7E28F-4EA8-460E-2A1E-0FAC6DECA8A5}"/>
+          </ac:spMkLst>
+        </pc:spChg>
+        <pc:cxnChg chg="mod">
+          <ac:chgData name="Niels Mejia" userId="6a908e1cffa05844" providerId="LiveId" clId="{A028575E-41B0-48FB-B193-1DAFE6E3AD29}" dt="2024-07-05T23:49:32.273" v="349" actId="1035"/>
+          <ac:cxnSpMkLst>
+            <pc:docMk/>
+            <pc:sldMk cId="3338301109" sldId="256"/>
+            <ac:cxnSpMk id="62" creationId="{4AF69520-24B3-4561-209C-E18856E4F2E7}"/>
+          </ac:cxnSpMkLst>
+        </pc:cxnChg>
+      </pc:sldChg>
+      <pc:sldChg chg="modSp mod">
+        <pc:chgData name="Niels Mejia" userId="6a908e1cffa05844" providerId="LiveId" clId="{A028575E-41B0-48FB-B193-1DAFE6E3AD29}" dt="2024-06-24T02:29:59.923" v="227" actId="6549"/>
+        <pc:sldMkLst>
+          <pc:docMk/>
+          <pc:sldMk cId="3874538875" sldId="257"/>
+        </pc:sldMkLst>
+        <pc:graphicFrameChg chg="modGraphic">
+          <ac:chgData name="Niels Mejia" userId="6a908e1cffa05844" providerId="LiveId" clId="{A028575E-41B0-48FB-B193-1DAFE6E3AD29}" dt="2024-06-24T02:29:59.923" v="227" actId="6549"/>
+          <ac:graphicFrameMkLst>
+            <pc:docMk/>
+            <pc:sldMk cId="3874538875" sldId="257"/>
+            <ac:graphicFrameMk id="4" creationId="{48FE8E35-412F-2F78-C4EA-623F16456121}"/>
+          </ac:graphicFrameMkLst>
+        </pc:graphicFrameChg>
+      </pc:sldChg>
+      <pc:sldChg chg="add del">
+        <pc:chgData name="Niels Mejia" userId="6a908e1cffa05844" providerId="LiveId" clId="{A028575E-41B0-48FB-B193-1DAFE6E3AD29}" dt="2024-06-24T02:11:04.498" v="155" actId="47"/>
+        <pc:sldMkLst>
+          <pc:docMk/>
+          <pc:sldMk cId="301494438" sldId="258"/>
+        </pc:sldMkLst>
+      </pc:sldChg>
+      <pc:sldChg chg="addSp delSp modSp mod">
+        <pc:chgData name="Niels Mejia" userId="6a908e1cffa05844" providerId="LiveId" clId="{A028575E-41B0-48FB-B193-1DAFE6E3AD29}" dt="2024-07-05T23:53:03.487" v="404" actId="1036"/>
+        <pc:sldMkLst>
+          <pc:docMk/>
+          <pc:sldMk cId="2484606533" sldId="259"/>
+        </pc:sldMkLst>
+        <pc:spChg chg="del">
+          <ac:chgData name="Niels Mejia" userId="6a908e1cffa05844" providerId="LiveId" clId="{A028575E-41B0-48FB-B193-1DAFE6E3AD29}" dt="2024-07-05T23:52:57.766" v="395" actId="478"/>
+          <ac:spMkLst>
+            <pc:docMk/>
+            <pc:sldMk cId="2484606533" sldId="259"/>
+            <ac:spMk id="3" creationId="{0EDB27D4-E0E1-71BD-8E5F-0C176CFEEB66}"/>
+          </ac:spMkLst>
+        </pc:spChg>
+        <pc:spChg chg="mod">
+          <ac:chgData name="Niels Mejia" userId="6a908e1cffa05844" providerId="LiveId" clId="{A028575E-41B0-48FB-B193-1DAFE6E3AD29}" dt="2024-07-05T23:53:03.487" v="404" actId="1036"/>
+          <ac:spMkLst>
+            <pc:docMk/>
+            <pc:sldMk cId="2484606533" sldId="259"/>
+            <ac:spMk id="5" creationId="{DF6AFA13-42C2-AEFF-CDD2-3B7A04BB509D}"/>
+          </ac:spMkLst>
+        </pc:spChg>
+        <pc:spChg chg="add mod">
+          <ac:chgData name="Niels Mejia" userId="6a908e1cffa05844" providerId="LiveId" clId="{A028575E-41B0-48FB-B193-1DAFE6E3AD29}" dt="2024-07-05T23:52:58.686" v="396"/>
+          <ac:spMkLst>
+            <pc:docMk/>
+            <pc:sldMk cId="2484606533" sldId="259"/>
+            <ac:spMk id="6" creationId="{6B577B3C-65C5-3D72-BF57-4481E0EF2B5E}"/>
+          </ac:spMkLst>
+        </pc:spChg>
+      </pc:sldChg>
+      <pc:sldChg chg="addSp delSp modSp mod">
+        <pc:chgData name="Niels Mejia" userId="6a908e1cffa05844" providerId="LiveId" clId="{A028575E-41B0-48FB-B193-1DAFE6E3AD29}" dt="2024-07-06T01:54:47.616" v="451" actId="478"/>
+        <pc:sldMkLst>
+          <pc:docMk/>
+          <pc:sldMk cId="10941393" sldId="260"/>
+        </pc:sldMkLst>
+        <pc:spChg chg="del">
+          <ac:chgData name="Niels Mejia" userId="6a908e1cffa05844" providerId="LiveId" clId="{A028575E-41B0-48FB-B193-1DAFE6E3AD29}" dt="2024-07-05T23:53:20.951" v="405" actId="478"/>
+          <ac:spMkLst>
+            <pc:docMk/>
+            <pc:sldMk cId="10941393" sldId="260"/>
+            <ac:spMk id="3" creationId="{0EDB27D4-E0E1-71BD-8E5F-0C176CFEEB66}"/>
+          </ac:spMkLst>
+        </pc:spChg>
+        <pc:spChg chg="mod">
+          <ac:chgData name="Niels Mejia" userId="6a908e1cffa05844" providerId="LiveId" clId="{A028575E-41B0-48FB-B193-1DAFE6E3AD29}" dt="2024-07-05T23:53:25.854" v="414" actId="1036"/>
+          <ac:spMkLst>
+            <pc:docMk/>
+            <pc:sldMk cId="10941393" sldId="260"/>
+            <ac:spMk id="5" creationId="{DF6AFA13-42C2-AEFF-CDD2-3B7A04BB509D}"/>
+          </ac:spMkLst>
+        </pc:spChg>
+        <pc:spChg chg="add mod">
+          <ac:chgData name="Niels Mejia" userId="6a908e1cffa05844" providerId="LiveId" clId="{A028575E-41B0-48FB-B193-1DAFE6E3AD29}" dt="2024-07-05T23:53:21.544" v="406"/>
+          <ac:spMkLst>
+            <pc:docMk/>
+            <pc:sldMk cId="10941393" sldId="260"/>
+            <ac:spMk id="6" creationId="{A0213BF5-5C78-FB25-4B8A-54B94B487679}"/>
+          </ac:spMkLst>
+        </pc:spChg>
+        <pc:picChg chg="add del">
+          <ac:chgData name="Niels Mejia" userId="6a908e1cffa05844" providerId="LiveId" clId="{A028575E-41B0-48FB-B193-1DAFE6E3AD29}" dt="2024-07-06T01:54:40.024" v="449" actId="478"/>
+          <ac:picMkLst>
+            <pc:docMk/>
+            <pc:sldMk cId="10941393" sldId="260"/>
+            <ac:picMk id="3" creationId="{A2C5BDA2-0325-43AE-B2CD-54AA1B5261E1}"/>
+          </ac:picMkLst>
+        </pc:picChg>
+        <pc:picChg chg="add del">
+          <ac:chgData name="Niels Mejia" userId="6a908e1cffa05844" providerId="LiveId" clId="{A028575E-41B0-48FB-B193-1DAFE6E3AD29}" dt="2024-07-06T01:54:47.616" v="451" actId="478"/>
+          <ac:picMkLst>
+            <pc:docMk/>
+            <pc:sldMk cId="10941393" sldId="260"/>
+            <ac:picMk id="3" creationId="{D83FED3C-1104-60D0-91D5-E363281B18F3}"/>
+          </ac:picMkLst>
+        </pc:picChg>
+      </pc:sldChg>
+      <pc:sldChg chg="addSp delSp modSp new mod ord setBg">
+        <pc:chgData name="Niels Mejia" userId="6a908e1cffa05844" providerId="LiveId" clId="{A028575E-41B0-48FB-B193-1DAFE6E3AD29}" dt="2024-07-05T23:34:15.001" v="314" actId="123"/>
+        <pc:sldMkLst>
+          <pc:docMk/>
+          <pc:sldMk cId="1941438059" sldId="261"/>
+        </pc:sldMkLst>
+        <pc:spChg chg="mod">
+          <ac:chgData name="Niels Mejia" userId="6a908e1cffa05844" providerId="LiveId" clId="{A028575E-41B0-48FB-B193-1DAFE6E3AD29}" dt="2024-07-05T23:34:11.636" v="312" actId="26606"/>
+          <ac:spMkLst>
+            <pc:docMk/>
+            <pc:sldMk cId="1941438059" sldId="261"/>
+            <ac:spMk id="2" creationId="{80B80E48-8C56-5D2C-F842-E94BDB679228}"/>
+          </ac:spMkLst>
+        </pc:spChg>
+        <pc:spChg chg="mod ord">
+          <ac:chgData name="Niels Mejia" userId="6a908e1cffa05844" providerId="LiveId" clId="{A028575E-41B0-48FB-B193-1DAFE6E3AD29}" dt="2024-07-05T23:34:15.001" v="314" actId="123"/>
+          <ac:spMkLst>
+            <pc:docMk/>
+            <pc:sldMk cId="1941438059" sldId="261"/>
+            <ac:spMk id="3" creationId="{4B47D418-474F-C17C-420B-164FA3EEC64D}"/>
+          </ac:spMkLst>
+        </pc:spChg>
+        <pc:spChg chg="add del">
+          <ac:chgData name="Niels Mejia" userId="6a908e1cffa05844" providerId="LiveId" clId="{A028575E-41B0-48FB-B193-1DAFE6E3AD29}" dt="2024-07-05T23:34:11.645" v="313" actId="26606"/>
+          <ac:spMkLst>
+            <pc:docMk/>
+            <pc:sldMk cId="1941438059" sldId="261"/>
+            <ac:spMk id="10" creationId="{F13C74B1-5B17-4795-BED0-7140497B445A}"/>
+          </ac:spMkLst>
+        </pc:spChg>
+        <pc:spChg chg="add del">
+          <ac:chgData name="Niels Mejia" userId="6a908e1cffa05844" providerId="LiveId" clId="{A028575E-41B0-48FB-B193-1DAFE6E3AD29}" dt="2024-07-05T23:34:11.645" v="313" actId="26606"/>
+          <ac:spMkLst>
+            <pc:docMk/>
+            <pc:sldMk cId="1941438059" sldId="261"/>
+            <ac:spMk id="12" creationId="{D4974D33-8DC5-464E-8C6D-BE58F0669C17}"/>
+          </ac:spMkLst>
+        </pc:spChg>
+        <pc:spChg chg="add del">
+          <ac:chgData name="Niels Mejia" userId="6a908e1cffa05844" providerId="LiveId" clId="{A028575E-41B0-48FB-B193-1DAFE6E3AD29}" dt="2024-07-05T23:33:27.543" v="276" actId="26606"/>
+          <ac:spMkLst>
+            <pc:docMk/>
+            <pc:sldMk cId="1941438059" sldId="261"/>
+            <ac:spMk id="17" creationId="{F13C74B1-5B17-4795-BED0-7140497B445A}"/>
+          </ac:spMkLst>
+        </pc:spChg>
+        <pc:spChg chg="add del">
+          <ac:chgData name="Niels Mejia" userId="6a908e1cffa05844" providerId="LiveId" clId="{A028575E-41B0-48FB-B193-1DAFE6E3AD29}" dt="2024-07-05T23:33:27.543" v="276" actId="26606"/>
+          <ac:spMkLst>
+            <pc:docMk/>
+            <pc:sldMk cId="1941438059" sldId="261"/>
+            <ac:spMk id="19" creationId="{D4974D33-8DC5-464E-8C6D-BE58F0669C17}"/>
+          </ac:spMkLst>
+        </pc:spChg>
+        <pc:spChg chg="add del">
+          <ac:chgData name="Niels Mejia" userId="6a908e1cffa05844" providerId="LiveId" clId="{A028575E-41B0-48FB-B193-1DAFE6E3AD29}" dt="2024-07-05T23:33:29.120" v="278" actId="26606"/>
+          <ac:spMkLst>
+            <pc:docMk/>
+            <pc:sldMk cId="1941438059" sldId="261"/>
+            <ac:spMk id="21" creationId="{45D37F4E-DDB4-456B-97E0-9937730A039F}"/>
+          </ac:spMkLst>
+        </pc:spChg>
+        <pc:spChg chg="add del">
+          <ac:chgData name="Niels Mejia" userId="6a908e1cffa05844" providerId="LiveId" clId="{A028575E-41B0-48FB-B193-1DAFE6E3AD29}" dt="2024-07-05T23:33:29.120" v="278" actId="26606"/>
+          <ac:spMkLst>
+            <pc:docMk/>
+            <pc:sldMk cId="1941438059" sldId="261"/>
+            <ac:spMk id="22" creationId="{B2DD41CD-8F47-4F56-AD12-4E2FF7696987}"/>
+          </ac:spMkLst>
+        </pc:spChg>
+        <pc:spChg chg="add del">
+          <ac:chgData name="Niels Mejia" userId="6a908e1cffa05844" providerId="LiveId" clId="{A028575E-41B0-48FB-B193-1DAFE6E3AD29}" dt="2024-07-05T23:33:34.426" v="282" actId="26606"/>
+          <ac:spMkLst>
+            <pc:docMk/>
+            <pc:sldMk cId="1941438059" sldId="261"/>
+            <ac:spMk id="23" creationId="{169CC832-2974-4E8D-90ED-3E2941BA7336}"/>
+          </ac:spMkLst>
+        </pc:spChg>
+        <pc:spChg chg="add del">
+          <ac:chgData name="Niels Mejia" userId="6a908e1cffa05844" providerId="LiveId" clId="{A028575E-41B0-48FB-B193-1DAFE6E3AD29}" dt="2024-07-05T23:33:31.100" v="280" actId="26606"/>
+          <ac:spMkLst>
+            <pc:docMk/>
+            <pc:sldMk cId="1941438059" sldId="261"/>
+            <ac:spMk id="24" creationId="{F13C74B1-5B17-4795-BED0-7140497B445A}"/>
+          </ac:spMkLst>
+        </pc:spChg>
+        <pc:spChg chg="add del">
+          <ac:chgData name="Niels Mejia" userId="6a908e1cffa05844" providerId="LiveId" clId="{A028575E-41B0-48FB-B193-1DAFE6E3AD29}" dt="2024-07-05T23:33:31.100" v="280" actId="26606"/>
+          <ac:spMkLst>
+            <pc:docMk/>
+            <pc:sldMk cId="1941438059" sldId="261"/>
+            <ac:spMk id="25" creationId="{D4974D33-8DC5-464E-8C6D-BE58F0669C17}"/>
+          </ac:spMkLst>
+        </pc:spChg>
+        <pc:spChg chg="add del">
+          <ac:chgData name="Niels Mejia" userId="6a908e1cffa05844" providerId="LiveId" clId="{A028575E-41B0-48FB-B193-1DAFE6E3AD29}" dt="2024-07-05T23:33:34.426" v="282" actId="26606"/>
+          <ac:spMkLst>
+            <pc:docMk/>
+            <pc:sldMk cId="1941438059" sldId="261"/>
+            <ac:spMk id="27" creationId="{3756B343-807D-456E-AA26-80E96B75D13B}"/>
+          </ac:spMkLst>
+        </pc:spChg>
+        <pc:spChg chg="add del">
+          <ac:chgData name="Niels Mejia" userId="6a908e1cffa05844" providerId="LiveId" clId="{A028575E-41B0-48FB-B193-1DAFE6E3AD29}" dt="2024-07-05T23:33:34.426" v="282" actId="26606"/>
+          <ac:spMkLst>
+            <pc:docMk/>
+            <pc:sldMk cId="1941438059" sldId="261"/>
+            <ac:spMk id="28" creationId="{08980754-6F4B-43C9-B9BE-127B6BED6586}"/>
+          </ac:spMkLst>
+        </pc:spChg>
+        <pc:spChg chg="add del">
+          <ac:chgData name="Niels Mejia" userId="6a908e1cffa05844" providerId="LiveId" clId="{A028575E-41B0-48FB-B193-1DAFE6E3AD29}" dt="2024-07-05T23:33:34.426" v="282" actId="26606"/>
+          <ac:spMkLst>
+            <pc:docMk/>
+            <pc:sldMk cId="1941438059" sldId="261"/>
+            <ac:spMk id="29" creationId="{2C1BBA94-3F40-40AA-8BB9-E69E25E537C1}"/>
+          </ac:spMkLst>
+        </pc:spChg>
+        <pc:spChg chg="add del">
+          <ac:chgData name="Niels Mejia" userId="6a908e1cffa05844" providerId="LiveId" clId="{A028575E-41B0-48FB-B193-1DAFE6E3AD29}" dt="2024-07-05T23:33:34.426" v="282" actId="26606"/>
+          <ac:spMkLst>
+            <pc:docMk/>
+            <pc:sldMk cId="1941438059" sldId="261"/>
+            <ac:spMk id="30" creationId="{55222F96-971A-4F90-B841-6BAB416C7AC1}"/>
+          </ac:spMkLst>
+        </pc:spChg>
+        <pc:spChg chg="add del">
+          <ac:chgData name="Niels Mejia" userId="6a908e1cffa05844" providerId="LiveId" clId="{A028575E-41B0-48FB-B193-1DAFE6E3AD29}" dt="2024-07-05T23:33:37.511" v="284" actId="26606"/>
+          <ac:spMkLst>
+            <pc:docMk/>
+            <pc:sldMk cId="1941438059" sldId="261"/>
+            <ac:spMk id="32" creationId="{560AFAAC-EA6C-45A9-9E03-C9C9F0193B4F}"/>
+          </ac:spMkLst>
+        </pc:spChg>
+        <pc:spChg chg="add del">
+          <ac:chgData name="Niels Mejia" userId="6a908e1cffa05844" providerId="LiveId" clId="{A028575E-41B0-48FB-B193-1DAFE6E3AD29}" dt="2024-07-05T23:33:37.511" v="284" actId="26606"/>
+          <ac:spMkLst>
+            <pc:docMk/>
+            <pc:sldMk cId="1941438059" sldId="261"/>
+            <ac:spMk id="33" creationId="{83549E37-C86B-4401-90BD-D8BF83859F14}"/>
+          </ac:spMkLst>
+        </pc:spChg>
+        <pc:spChg chg="add del">
+          <ac:chgData name="Niels Mejia" userId="6a908e1cffa05844" providerId="LiveId" clId="{A028575E-41B0-48FB-B193-1DAFE6E3AD29}" dt="2024-07-05T23:33:37.511" v="284" actId="26606"/>
+          <ac:spMkLst>
+            <pc:docMk/>
+            <pc:sldMk cId="1941438059" sldId="261"/>
+            <ac:spMk id="34" creationId="{8A17784E-76D8-4521-A77D-0D2EBB923004}"/>
+          </ac:spMkLst>
+        </pc:spChg>
+        <pc:spChg chg="add del">
+          <ac:chgData name="Niels Mejia" userId="6a908e1cffa05844" providerId="LiveId" clId="{A028575E-41B0-48FB-B193-1DAFE6E3AD29}" dt="2024-07-05T23:33:37.511" v="284" actId="26606"/>
+          <ac:spMkLst>
+            <pc:docMk/>
+            <pc:sldMk cId="1941438059" sldId="261"/>
+            <ac:spMk id="35" creationId="{C0036C6B-F09C-4EAB-AE02-8D056EE74856}"/>
+          </ac:spMkLst>
+        </pc:spChg>
+        <pc:spChg chg="add del">
+          <ac:chgData name="Niels Mejia" userId="6a908e1cffa05844" providerId="LiveId" clId="{A028575E-41B0-48FB-B193-1DAFE6E3AD29}" dt="2024-07-05T23:33:37.511" v="284" actId="26606"/>
+          <ac:spMkLst>
+            <pc:docMk/>
+            <pc:sldMk cId="1941438059" sldId="261"/>
+            <ac:spMk id="36" creationId="{FC8D5885-2804-4D3C-BE31-902E4D3279B0}"/>
+          </ac:spMkLst>
+        </pc:spChg>
+        <pc:spChg chg="add del">
+          <ac:chgData name="Niels Mejia" userId="6a908e1cffa05844" providerId="LiveId" clId="{A028575E-41B0-48FB-B193-1DAFE6E3AD29}" dt="2024-07-05T23:33:40.332" v="286" actId="26606"/>
+          <ac:spMkLst>
+            <pc:docMk/>
+            <pc:sldMk cId="1941438059" sldId="261"/>
+            <ac:spMk id="38" creationId="{04812C46-200A-4DEB-A05E-3ED6C68C2387}"/>
+          </ac:spMkLst>
+        </pc:spChg>
+        <pc:spChg chg="add del">
+          <ac:chgData name="Niels Mejia" userId="6a908e1cffa05844" providerId="LiveId" clId="{A028575E-41B0-48FB-B193-1DAFE6E3AD29}" dt="2024-07-05T23:33:40.332" v="286" actId="26606"/>
+          <ac:spMkLst>
+            <pc:docMk/>
+            <pc:sldMk cId="1941438059" sldId="261"/>
+            <ac:spMk id="39" creationId="{D1EA859B-E555-4109-94F3-6700E046E008}"/>
+          </ac:spMkLst>
+        </pc:spChg>
+        <pc:spChg chg="add del">
+          <ac:chgData name="Niels Mejia" userId="6a908e1cffa05844" providerId="LiveId" clId="{A028575E-41B0-48FB-B193-1DAFE6E3AD29}" dt="2024-07-05T23:33:41.668" v="288" actId="26606"/>
+          <ac:spMkLst>
+            <pc:docMk/>
+            <pc:sldMk cId="1941438059" sldId="261"/>
+            <ac:spMk id="41" creationId="{4F7EBAE4-9945-4473-9E34-B2C66EA0F03D}"/>
+          </ac:spMkLst>
+        </pc:spChg>
+        <pc:spChg chg="add del">
+          <ac:chgData name="Niels Mejia" userId="6a908e1cffa05844" providerId="LiveId" clId="{A028575E-41B0-48FB-B193-1DAFE6E3AD29}" dt="2024-07-05T23:33:41.668" v="288" actId="26606"/>
+          <ac:spMkLst>
+            <pc:docMk/>
+            <pc:sldMk cId="1941438059" sldId="261"/>
+            <ac:spMk id="42" creationId="{70BEB1E7-2F88-40BC-B73D-42E5B6F80BFC}"/>
+          </ac:spMkLst>
+        </pc:spChg>
+        <pc:spChg chg="add del">
+          <ac:chgData name="Niels Mejia" userId="6a908e1cffa05844" providerId="LiveId" clId="{A028575E-41B0-48FB-B193-1DAFE6E3AD29}" dt="2024-07-05T23:33:41.668" v="288" actId="26606"/>
+          <ac:spMkLst>
+            <pc:docMk/>
+            <pc:sldMk cId="1941438059" sldId="261"/>
+            <ac:spMk id="43" creationId="{A7B99495-F43F-4D80-A44F-2CB4764EB90B}"/>
+          </ac:spMkLst>
+        </pc:spChg>
+        <pc:spChg chg="add del">
+          <ac:chgData name="Niels Mejia" userId="6a908e1cffa05844" providerId="LiveId" clId="{A028575E-41B0-48FB-B193-1DAFE6E3AD29}" dt="2024-07-05T23:33:43.846" v="290" actId="26606"/>
+          <ac:spMkLst>
+            <pc:docMk/>
+            <pc:sldMk cId="1941438059" sldId="261"/>
+            <ac:spMk id="45" creationId="{743AA782-23D1-4521-8CAD-47662984AA08}"/>
+          </ac:spMkLst>
+        </pc:spChg>
+        <pc:spChg chg="add del">
+          <ac:chgData name="Niels Mejia" userId="6a908e1cffa05844" providerId="LiveId" clId="{A028575E-41B0-48FB-B193-1DAFE6E3AD29}" dt="2024-07-05T23:33:43.846" v="290" actId="26606"/>
+          <ac:spMkLst>
+            <pc:docMk/>
+            <pc:sldMk cId="1941438059" sldId="261"/>
+            <ac:spMk id="46" creationId="{650D18FE-0824-4A46-B22C-A86B52E5780A}"/>
+          </ac:spMkLst>
+        </pc:spChg>
+        <pc:spChg chg="add del">
+          <ac:chgData name="Niels Mejia" userId="6a908e1cffa05844" providerId="LiveId" clId="{A028575E-41B0-48FB-B193-1DAFE6E3AD29}" dt="2024-07-05T23:33:45.951" v="292" actId="26606"/>
+          <ac:spMkLst>
+            <pc:docMk/>
+            <pc:sldMk cId="1941438059" sldId="261"/>
+            <ac:spMk id="48" creationId="{2C61293E-6EBE-43EF-A52C-9BEBFD7679D4}"/>
+          </ac:spMkLst>
+        </pc:spChg>
+        <pc:spChg chg="add del">
+          <ac:chgData name="Niels Mejia" userId="6a908e1cffa05844" providerId="LiveId" clId="{A028575E-41B0-48FB-B193-1DAFE6E3AD29}" dt="2024-07-05T23:33:45.951" v="292" actId="26606"/>
+          <ac:spMkLst>
+            <pc:docMk/>
+            <pc:sldMk cId="1941438059" sldId="261"/>
+            <ac:spMk id="49" creationId="{21540236-BFD5-4A9D-8840-4703E7F76825}"/>
+          </ac:spMkLst>
+        </pc:spChg>
+        <pc:spChg chg="add del">
+          <ac:chgData name="Niels Mejia" userId="6a908e1cffa05844" providerId="LiveId" clId="{A028575E-41B0-48FB-B193-1DAFE6E3AD29}" dt="2024-07-05T23:33:50.236" v="294" actId="26606"/>
+          <ac:spMkLst>
+            <pc:docMk/>
+            <pc:sldMk cId="1941438059" sldId="261"/>
+            <ac:spMk id="51" creationId="{C0763A76-9F1C-4FC5-82B7-DD475DA461B2}"/>
+          </ac:spMkLst>
+        </pc:spChg>
+        <pc:spChg chg="add del">
+          <ac:chgData name="Niels Mejia" userId="6a908e1cffa05844" providerId="LiveId" clId="{A028575E-41B0-48FB-B193-1DAFE6E3AD29}" dt="2024-07-05T23:33:50.236" v="294" actId="26606"/>
+          <ac:spMkLst>
+            <pc:docMk/>
+            <pc:sldMk cId="1941438059" sldId="261"/>
+            <ac:spMk id="52" creationId="{E81BF4F6-F2CF-4984-9D14-D6966D92F99F}"/>
+          </ac:spMkLst>
+        </pc:spChg>
+        <pc:spChg chg="add del">
+          <ac:chgData name="Niels Mejia" userId="6a908e1cffa05844" providerId="LiveId" clId="{A028575E-41B0-48FB-B193-1DAFE6E3AD29}" dt="2024-07-05T23:33:52.442" v="296" actId="26606"/>
+          <ac:spMkLst>
+            <pc:docMk/>
+            <pc:sldMk cId="1941438059" sldId="261"/>
+            <ac:spMk id="54" creationId="{2B97F24A-32CE-4C1C-A50D-3016B394DCFB}"/>
+          </ac:spMkLst>
+        </pc:spChg>
+        <pc:spChg chg="add del">
+          <ac:chgData name="Niels Mejia" userId="6a908e1cffa05844" providerId="LiveId" clId="{A028575E-41B0-48FB-B193-1DAFE6E3AD29}" dt="2024-07-05T23:33:52.442" v="296" actId="26606"/>
+          <ac:spMkLst>
+            <pc:docMk/>
+            <pc:sldMk cId="1941438059" sldId="261"/>
+            <ac:spMk id="55" creationId="{CD8B4F24-440B-49E9-B85D-733523DC064B}"/>
+          </ac:spMkLst>
+        </pc:spChg>
+        <pc:spChg chg="add del">
+          <ac:chgData name="Niels Mejia" userId="6a908e1cffa05844" providerId="LiveId" clId="{A028575E-41B0-48FB-B193-1DAFE6E3AD29}" dt="2024-07-05T23:33:58.549" v="298" actId="26606"/>
+          <ac:spMkLst>
+            <pc:docMk/>
+            <pc:sldMk cId="1941438059" sldId="261"/>
+            <ac:spMk id="57" creationId="{C0763A76-9F1C-4FC5-82B7-DD475DA461B2}"/>
+          </ac:spMkLst>
+        </pc:spChg>
+        <pc:spChg chg="add del">
+          <ac:chgData name="Niels Mejia" userId="6a908e1cffa05844" providerId="LiveId" clId="{A028575E-41B0-48FB-B193-1DAFE6E3AD29}" dt="2024-07-05T23:33:58.549" v="298" actId="26606"/>
+          <ac:spMkLst>
+            <pc:docMk/>
+            <pc:sldMk cId="1941438059" sldId="261"/>
+            <ac:spMk id="58" creationId="{E81BF4F6-F2CF-4984-9D14-D6966D92F99F}"/>
+          </ac:spMkLst>
+        </pc:spChg>
+        <pc:spChg chg="add del">
+          <ac:chgData name="Niels Mejia" userId="6a908e1cffa05844" providerId="LiveId" clId="{A028575E-41B0-48FB-B193-1DAFE6E3AD29}" dt="2024-07-05T23:34:02.469" v="300" actId="26606"/>
+          <ac:spMkLst>
+            <pc:docMk/>
+            <pc:sldMk cId="1941438059" sldId="261"/>
+            <ac:spMk id="60" creationId="{F13C74B1-5B17-4795-BED0-7140497B445A}"/>
+          </ac:spMkLst>
+        </pc:spChg>
+        <pc:spChg chg="add del">
+          <ac:chgData name="Niels Mejia" userId="6a908e1cffa05844" providerId="LiveId" clId="{A028575E-41B0-48FB-B193-1DAFE6E3AD29}" dt="2024-07-05T23:34:02.469" v="300" actId="26606"/>
+          <ac:spMkLst>
+            <pc:docMk/>
+            <pc:sldMk cId="1941438059" sldId="261"/>
+            <ac:spMk id="61" creationId="{D4974D33-8DC5-464E-8C6D-BE58F0669C17}"/>
+          </ac:spMkLst>
+        </pc:spChg>
+        <pc:spChg chg="add del">
+          <ac:chgData name="Niels Mejia" userId="6a908e1cffa05844" providerId="LiveId" clId="{A028575E-41B0-48FB-B193-1DAFE6E3AD29}" dt="2024-07-05T23:34:03.707" v="302" actId="26606"/>
+          <ac:spMkLst>
+            <pc:docMk/>
+            <pc:sldMk cId="1941438059" sldId="261"/>
+            <ac:spMk id="63" creationId="{C0763A76-9F1C-4FC5-82B7-DD475DA461B2}"/>
+          </ac:spMkLst>
+        </pc:spChg>
+        <pc:spChg chg="add del">
+          <ac:chgData name="Niels Mejia" userId="6a908e1cffa05844" providerId="LiveId" clId="{A028575E-41B0-48FB-B193-1DAFE6E3AD29}" dt="2024-07-05T23:34:03.707" v="302" actId="26606"/>
+          <ac:spMkLst>
+            <pc:docMk/>
+            <pc:sldMk cId="1941438059" sldId="261"/>
+            <ac:spMk id="64" creationId="{E81BF4F6-F2CF-4984-9D14-D6966D92F99F}"/>
+          </ac:spMkLst>
+        </pc:spChg>
+        <pc:spChg chg="add del">
+          <ac:chgData name="Niels Mejia" userId="6a908e1cffa05844" providerId="LiveId" clId="{A028575E-41B0-48FB-B193-1DAFE6E3AD29}" dt="2024-07-05T23:34:04.844" v="304" actId="26606"/>
+          <ac:spMkLst>
+            <pc:docMk/>
+            <pc:sldMk cId="1941438059" sldId="261"/>
+            <ac:spMk id="66" creationId="{2B97F24A-32CE-4C1C-A50D-3016B394DCFB}"/>
+          </ac:spMkLst>
+        </pc:spChg>
+        <pc:spChg chg="add del">
+          <ac:chgData name="Niels Mejia" userId="6a908e1cffa05844" providerId="LiveId" clId="{A028575E-41B0-48FB-B193-1DAFE6E3AD29}" dt="2024-07-05T23:34:04.844" v="304" actId="26606"/>
+          <ac:spMkLst>
+            <pc:docMk/>
+            <pc:sldMk cId="1941438059" sldId="261"/>
+            <ac:spMk id="67" creationId="{CD8B4F24-440B-49E9-B85D-733523DC064B}"/>
+          </ac:spMkLst>
+        </pc:spChg>
+        <pc:spChg chg="add del">
+          <ac:chgData name="Niels Mejia" userId="6a908e1cffa05844" providerId="LiveId" clId="{A028575E-41B0-48FB-B193-1DAFE6E3AD29}" dt="2024-07-05T23:34:05.860" v="306" actId="26606"/>
+          <ac:spMkLst>
+            <pc:docMk/>
+            <pc:sldMk cId="1941438059" sldId="261"/>
+            <ac:spMk id="69" creationId="{C0763A76-9F1C-4FC5-82B7-DD475DA461B2}"/>
+          </ac:spMkLst>
+        </pc:spChg>
+        <pc:spChg chg="add del">
+          <ac:chgData name="Niels Mejia" userId="6a908e1cffa05844" providerId="LiveId" clId="{A028575E-41B0-48FB-B193-1DAFE6E3AD29}" dt="2024-07-05T23:34:05.860" v="306" actId="26606"/>
+          <ac:spMkLst>
+            <pc:docMk/>
+            <pc:sldMk cId="1941438059" sldId="261"/>
+            <ac:spMk id="70" creationId="{E81BF4F6-F2CF-4984-9D14-D6966D92F99F}"/>
+          </ac:spMkLst>
+        </pc:spChg>
+        <pc:spChg chg="add del">
+          <ac:chgData name="Niels Mejia" userId="6a908e1cffa05844" providerId="LiveId" clId="{A028575E-41B0-48FB-B193-1DAFE6E3AD29}" dt="2024-07-05T23:34:07.532" v="308" actId="26606"/>
+          <ac:spMkLst>
+            <pc:docMk/>
+            <pc:sldMk cId="1941438059" sldId="261"/>
+            <ac:spMk id="72" creationId="{2B97F24A-32CE-4C1C-A50D-3016B394DCFB}"/>
+          </ac:spMkLst>
+        </pc:spChg>
+        <pc:spChg chg="add del">
+          <ac:chgData name="Niels Mejia" userId="6a908e1cffa05844" providerId="LiveId" clId="{A028575E-41B0-48FB-B193-1DAFE6E3AD29}" dt="2024-07-05T23:34:07.532" v="308" actId="26606"/>
+          <ac:spMkLst>
+            <pc:docMk/>
+            <pc:sldMk cId="1941438059" sldId="261"/>
+            <ac:spMk id="73" creationId="{CD8B4F24-440B-49E9-B85D-733523DC064B}"/>
+          </ac:spMkLst>
+        </pc:spChg>
+        <pc:spChg chg="add del">
+          <ac:chgData name="Niels Mejia" userId="6a908e1cffa05844" providerId="LiveId" clId="{A028575E-41B0-48FB-B193-1DAFE6E3AD29}" dt="2024-07-05T23:34:08.893" v="310" actId="26606"/>
+          <ac:spMkLst>
+            <pc:docMk/>
+            <pc:sldMk cId="1941438059" sldId="261"/>
+            <ac:spMk id="75" creationId="{C0763A76-9F1C-4FC5-82B7-DD475DA461B2}"/>
+          </ac:spMkLst>
+        </pc:spChg>
+        <pc:spChg chg="add del">
+          <ac:chgData name="Niels Mejia" userId="6a908e1cffa05844" providerId="LiveId" clId="{A028575E-41B0-48FB-B193-1DAFE6E3AD29}" dt="2024-07-05T23:34:08.893" v="310" actId="26606"/>
+          <ac:spMkLst>
+            <pc:docMk/>
+            <pc:sldMk cId="1941438059" sldId="261"/>
+            <ac:spMk id="76" creationId="{E81BF4F6-F2CF-4984-9D14-D6966D92F99F}"/>
+          </ac:spMkLst>
+        </pc:spChg>
+        <pc:spChg chg="add del">
+          <ac:chgData name="Niels Mejia" userId="6a908e1cffa05844" providerId="LiveId" clId="{A028575E-41B0-48FB-B193-1DAFE6E3AD29}" dt="2024-07-05T23:34:11.636" v="312" actId="26606"/>
+          <ac:spMkLst>
+            <pc:docMk/>
+            <pc:sldMk cId="1941438059" sldId="261"/>
+            <ac:spMk id="78" creationId="{2B97F24A-32CE-4C1C-A50D-3016B394DCFB}"/>
+          </ac:spMkLst>
+        </pc:spChg>
+        <pc:spChg chg="add del">
+          <ac:chgData name="Niels Mejia" userId="6a908e1cffa05844" providerId="LiveId" clId="{A028575E-41B0-48FB-B193-1DAFE6E3AD29}" dt="2024-07-05T23:34:11.636" v="312" actId="26606"/>
+          <ac:spMkLst>
+            <pc:docMk/>
+            <pc:sldMk cId="1941438059" sldId="261"/>
+            <ac:spMk id="79" creationId="{CD8B4F24-440B-49E9-B85D-733523DC064B}"/>
+          </ac:spMkLst>
+        </pc:spChg>
+        <pc:spChg chg="add">
+          <ac:chgData name="Niels Mejia" userId="6a908e1cffa05844" providerId="LiveId" clId="{A028575E-41B0-48FB-B193-1DAFE6E3AD29}" dt="2024-07-05T23:34:11.645" v="313" actId="26606"/>
+          <ac:spMkLst>
+            <pc:docMk/>
+            <pc:sldMk cId="1941438059" sldId="261"/>
+            <ac:spMk id="81" creationId="{F13C74B1-5B17-4795-BED0-7140497B445A}"/>
+          </ac:spMkLst>
+        </pc:spChg>
+        <pc:spChg chg="add">
+          <ac:chgData name="Niels Mejia" userId="6a908e1cffa05844" providerId="LiveId" clId="{A028575E-41B0-48FB-B193-1DAFE6E3AD29}" dt="2024-07-05T23:34:11.645" v="313" actId="26606"/>
+          <ac:spMkLst>
+            <pc:docMk/>
+            <pc:sldMk cId="1941438059" sldId="261"/>
+            <ac:spMk id="82" creationId="{D4974D33-8DC5-464E-8C6D-BE58F0669C17}"/>
+          </ac:spMkLst>
+        </pc:spChg>
+        <pc:picChg chg="add mod ord">
+          <ac:chgData name="Niels Mejia" userId="6a908e1cffa05844" providerId="LiveId" clId="{A028575E-41B0-48FB-B193-1DAFE6E3AD29}" dt="2024-07-05T23:34:11.636" v="312" actId="26606"/>
+          <ac:picMkLst>
+            <pc:docMk/>
+            <pc:sldMk cId="1941438059" sldId="261"/>
+            <ac:picMk id="5" creationId="{CE73DAB9-6F2C-B51D-368B-9F0493CE8E54}"/>
+          </ac:picMkLst>
+        </pc:picChg>
+      </pc:sldChg>
+      <pc:sldChg chg="add del">
+        <pc:chgData name="Niels Mejia" userId="6a908e1cffa05844" providerId="LiveId" clId="{A028575E-41B0-48FB-B193-1DAFE6E3AD29}" dt="2024-07-06T01:46:49.306" v="420" actId="47"/>
+        <pc:sldMkLst>
+          <pc:docMk/>
+          <pc:sldMk cId="117418649" sldId="262"/>
+        </pc:sldMkLst>
+      </pc:sldChg>
+      <pc:sldChg chg="addSp delSp modSp new mod setBg">
+        <pc:chgData name="Niels Mejia" userId="6a908e1cffa05844" providerId="LiveId" clId="{A028575E-41B0-48FB-B193-1DAFE6E3AD29}" dt="2024-07-06T01:48:12.170" v="435" actId="962"/>
+        <pc:sldMkLst>
+          <pc:docMk/>
+          <pc:sldMk cId="901267506" sldId="262"/>
+        </pc:sldMkLst>
+        <pc:spChg chg="del">
+          <ac:chgData name="Niels Mejia" userId="6a908e1cffa05844" providerId="LiveId" clId="{A028575E-41B0-48FB-B193-1DAFE6E3AD29}" dt="2024-07-06T01:46:56.837" v="423" actId="478"/>
+          <ac:spMkLst>
+            <pc:docMk/>
+            <pc:sldMk cId="901267506" sldId="262"/>
+            <ac:spMk id="2" creationId="{0933687B-4F97-B614-7CB8-26F2BAF1A225}"/>
+          </ac:spMkLst>
+        </pc:spChg>
+        <pc:spChg chg="del">
+          <ac:chgData name="Niels Mejia" userId="6a908e1cffa05844" providerId="LiveId" clId="{A028575E-41B0-48FB-B193-1DAFE6E3AD29}" dt="2024-07-06T01:46:55.500" v="422" actId="478"/>
+          <ac:spMkLst>
+            <pc:docMk/>
+            <pc:sldMk cId="901267506" sldId="262"/>
+            <ac:spMk id="3" creationId="{1C322263-4636-52F9-BA38-FF48F7D33F5A}"/>
+          </ac:spMkLst>
+        </pc:spChg>
+        <pc:spChg chg="add del">
+          <ac:chgData name="Niels Mejia" userId="6a908e1cffa05844" providerId="LiveId" clId="{A028575E-41B0-48FB-B193-1DAFE6E3AD29}" dt="2024-07-06T01:48:06.337" v="428" actId="26606"/>
+          <ac:spMkLst>
+            <pc:docMk/>
+            <pc:sldMk cId="901267506" sldId="262"/>
+            <ac:spMk id="10" creationId="{AB8C311F-7253-4AED-9701-7FC0708C41C7}"/>
+          </ac:spMkLst>
+        </pc:spChg>
+        <pc:spChg chg="add del">
+          <ac:chgData name="Niels Mejia" userId="6a908e1cffa05844" providerId="LiveId" clId="{A028575E-41B0-48FB-B193-1DAFE6E3AD29}" dt="2024-07-06T01:48:06.337" v="428" actId="26606"/>
+          <ac:spMkLst>
+            <pc:docMk/>
+            <pc:sldMk cId="901267506" sldId="262"/>
+            <ac:spMk id="12" creationId="{E2384209-CB15-4CDF-9D31-C44FD9A3F20D}"/>
+          </ac:spMkLst>
+        </pc:spChg>
+        <pc:spChg chg="add del">
+          <ac:chgData name="Niels Mejia" userId="6a908e1cffa05844" providerId="LiveId" clId="{A028575E-41B0-48FB-B193-1DAFE6E3AD29}" dt="2024-07-06T01:48:06.337" v="428" actId="26606"/>
+          <ac:spMkLst>
+            <pc:docMk/>
+            <pc:sldMk cId="901267506" sldId="262"/>
+            <ac:spMk id="14" creationId="{2633B3B5-CC90-43F0-8714-D31D1F3F0209}"/>
+          </ac:spMkLst>
+        </pc:spChg>
+        <pc:spChg chg="add del">
+          <ac:chgData name="Niels Mejia" userId="6a908e1cffa05844" providerId="LiveId" clId="{A028575E-41B0-48FB-B193-1DAFE6E3AD29}" dt="2024-07-06T01:48:06.337" v="428" actId="26606"/>
+          <ac:spMkLst>
+            <pc:docMk/>
+            <pc:sldMk cId="901267506" sldId="262"/>
+            <ac:spMk id="16" creationId="{A8D57A06-A426-446D-B02C-A2DC6B62E45E}"/>
+          </ac:spMkLst>
+        </pc:spChg>
+        <pc:spChg chg="add del">
+          <ac:chgData name="Niels Mejia" userId="6a908e1cffa05844" providerId="LiveId" clId="{A028575E-41B0-48FB-B193-1DAFE6E3AD29}" dt="2024-07-06T01:48:08.117" v="430" actId="26606"/>
+          <ac:spMkLst>
+            <pc:docMk/>
+            <pc:sldMk cId="901267506" sldId="262"/>
+            <ac:spMk id="18" creationId="{42A4FC2C-047E-45A5-965D-8E1E3BF09BC6}"/>
+          </ac:spMkLst>
+        </pc:spChg>
+        <pc:spChg chg="add del">
+          <ac:chgData name="Niels Mejia" userId="6a908e1cffa05844" providerId="LiveId" clId="{A028575E-41B0-48FB-B193-1DAFE6E3AD29}" dt="2024-07-06T01:48:09.772" v="432" actId="26606"/>
+          <ac:spMkLst>
+            <pc:docMk/>
+            <pc:sldMk cId="901267506" sldId="262"/>
+            <ac:spMk id="20" creationId="{6EE0B6E2-7CE8-4D86-87FC-4B58A7D8E759}"/>
+          </ac:spMkLst>
+        </pc:spChg>
+        <pc:spChg chg="add">
+          <ac:chgData name="Niels Mejia" userId="6a908e1cffa05844" providerId="LiveId" clId="{A028575E-41B0-48FB-B193-1DAFE6E3AD29}" dt="2024-07-06T01:48:09.777" v="433" actId="26606"/>
+          <ac:spMkLst>
+            <pc:docMk/>
+            <pc:sldMk cId="901267506" sldId="262"/>
+            <ac:spMk id="22" creationId="{42A4FC2C-047E-45A5-965D-8E1E3BF09BC6}"/>
+          </ac:spMkLst>
+        </pc:spChg>
+        <pc:picChg chg="add mod">
+          <ac:chgData name="Niels Mejia" userId="6a908e1cffa05844" providerId="LiveId" clId="{A028575E-41B0-48FB-B193-1DAFE6E3AD29}" dt="2024-07-06T01:48:12.170" v="435" actId="962"/>
+          <ac:picMkLst>
+            <pc:docMk/>
+            <pc:sldMk cId="901267506" sldId="262"/>
+            <ac:picMk id="5" creationId="{9DC5C7A4-2DF8-7A90-DAC3-7D4B3A870B38}"/>
+          </ac:picMkLst>
+        </pc:picChg>
+      </pc:sldChg>
+      <pc:sldChg chg="addSp modSp add del mod setBg addAnim setClrOvrMap">
+        <pc:chgData name="Niels Mejia" userId="6a908e1cffa05844" providerId="LiveId" clId="{A028575E-41B0-48FB-B193-1DAFE6E3AD29}" dt="2024-07-06T01:46:10.795" v="418" actId="47"/>
+        <pc:sldMkLst>
+          <pc:docMk/>
+          <pc:sldMk cId="3147122268" sldId="262"/>
+        </pc:sldMkLst>
+        <pc:spChg chg="mod">
+          <ac:chgData name="Niels Mejia" userId="6a908e1cffa05844" providerId="LiveId" clId="{A028575E-41B0-48FB-B193-1DAFE6E3AD29}" dt="2024-07-06T01:45:40.007" v="416" actId="34807"/>
+          <ac:spMkLst>
+            <pc:docMk/>
+            <pc:sldMk cId="3147122268" sldId="262"/>
+            <ac:spMk id="2" creationId="{7A70B8AD-2B2A-DE82-33C5-57CB800BC340}"/>
+          </ac:spMkLst>
+        </pc:spChg>
+        <pc:spChg chg="add">
+          <ac:chgData name="Niels Mejia" userId="6a908e1cffa05844" providerId="LiveId" clId="{A028575E-41B0-48FB-B193-1DAFE6E3AD29}" dt="2024-07-06T01:45:40.007" v="416" actId="34807"/>
+          <ac:spMkLst>
+            <pc:docMk/>
+            <pc:sldMk cId="3147122268" sldId="262"/>
+            <ac:spMk id="10" creationId="{19F9BF86-FE94-4517-B97D-026C7515E589}"/>
+          </ac:spMkLst>
+        </pc:spChg>
+        <pc:spChg chg="add">
+          <ac:chgData name="Niels Mejia" userId="6a908e1cffa05844" providerId="LiveId" clId="{A028575E-41B0-48FB-B193-1DAFE6E3AD29}" dt="2024-07-06T01:45:40.007" v="416" actId="34807"/>
+          <ac:spMkLst>
+            <pc:docMk/>
+            <pc:sldMk cId="3147122268" sldId="262"/>
+            <ac:spMk id="12" creationId="{9E9D00D9-C4F5-471E-BE2C-126CB112A6BD}"/>
+          </ac:spMkLst>
+        </pc:spChg>
+        <pc:picChg chg="add">
+          <ac:chgData name="Niels Mejia" userId="6a908e1cffa05844" providerId="LiveId" clId="{A028575E-41B0-48FB-B193-1DAFE6E3AD29}" dt="2024-07-06T01:45:40.007" v="416" actId="34807"/>
+          <ac:picMkLst>
+            <pc:docMk/>
+            <pc:sldMk cId="3147122268" sldId="262"/>
+            <ac:picMk id="4" creationId="{FB26E5DE-29F0-162F-8D9C-4D110BB939E2}"/>
+          </ac:picMkLst>
+        </pc:picChg>
+        <pc:cxnChg chg="add">
+          <ac:chgData name="Niels Mejia" userId="6a908e1cffa05844" providerId="LiveId" clId="{A028575E-41B0-48FB-B193-1DAFE6E3AD29}" dt="2024-07-06T01:45:40.007" v="416" actId="34807"/>
+          <ac:cxnSpMkLst>
+            <pc:docMk/>
+            <pc:sldMk cId="3147122268" sldId="262"/>
+            <ac:cxnSpMk id="8" creationId="{118E06E4-607B-144B-382B-AD3D06B1EE8C}"/>
+          </ac:cxnSpMkLst>
+        </pc:cxnChg>
+        <pc:cxnChg chg="add">
+          <ac:chgData name="Niels Mejia" userId="6a908e1cffa05844" providerId="LiveId" clId="{A028575E-41B0-48FB-B193-1DAFE6E3AD29}" dt="2024-07-06T01:45:40.007" v="416" actId="34807"/>
+          <ac:cxnSpMkLst>
+            <pc:docMk/>
+            <pc:sldMk cId="3147122268" sldId="262"/>
+            <ac:cxnSpMk id="14" creationId="{97CC2FE6-3AD0-4131-B4BC-1F4D65E25E13}"/>
+          </ac:cxnSpMkLst>
+        </pc:cxnChg>
+      </pc:sldChg>
+      <pc:sldChg chg="addSp modSp add del mod setBg">
+        <pc:chgData name="Niels Mejia" userId="6a908e1cffa05844" providerId="LiveId" clId="{A028575E-41B0-48FB-B193-1DAFE6E3AD29}" dt="2024-07-06T01:55:51.001" v="454" actId="47"/>
+        <pc:sldMkLst>
+          <pc:docMk/>
+          <pc:sldMk cId="206807629" sldId="263"/>
+        </pc:sldMkLst>
+        <pc:spChg chg="mod ord">
+          <ac:chgData name="Niels Mejia" userId="6a908e1cffa05844" providerId="LiveId" clId="{A028575E-41B0-48FB-B193-1DAFE6E3AD29}" dt="2024-07-06T01:55:31.959" v="453" actId="34807"/>
+          <ac:spMkLst>
+            <pc:docMk/>
+            <pc:sldMk cId="206807629" sldId="263"/>
+            <ac:spMk id="2" creationId="{485EE672-FE1A-12E7-8272-CC3FE3A0B538}"/>
+          </ac:spMkLst>
+        </pc:spChg>
+        <pc:spChg chg="mod">
+          <ac:chgData name="Niels Mejia" userId="6a908e1cffa05844" providerId="LiveId" clId="{A028575E-41B0-48FB-B193-1DAFE6E3AD29}" dt="2024-07-06T01:55:31.959" v="453" actId="34807"/>
+          <ac:spMkLst>
+            <pc:docMk/>
+            <pc:sldMk cId="206807629" sldId="263"/>
+            <ac:spMk id="4" creationId="{D906F416-493B-979D-595C-DD04803535EC}"/>
+          </ac:spMkLst>
+        </pc:spChg>
+        <pc:spChg chg="add">
+          <ac:chgData name="Niels Mejia" userId="6a908e1cffa05844" providerId="LiveId" clId="{A028575E-41B0-48FB-B193-1DAFE6E3AD29}" dt="2024-07-06T01:55:31.959" v="453" actId="34807"/>
+          <ac:spMkLst>
+            <pc:docMk/>
+            <pc:sldMk cId="206807629" sldId="263"/>
+            <ac:spMk id="12" creationId="{406BD704-01C2-4341-B99A-116CC7EC56EF}"/>
+          </ac:spMkLst>
+        </pc:spChg>
+        <pc:spChg chg="add">
+          <ac:chgData name="Niels Mejia" userId="6a908e1cffa05844" providerId="LiveId" clId="{A028575E-41B0-48FB-B193-1DAFE6E3AD29}" dt="2024-07-06T01:55:31.959" v="453" actId="34807"/>
+          <ac:spMkLst>
+            <pc:docMk/>
+            <pc:sldMk cId="206807629" sldId="263"/>
+            <ac:spMk id="14" creationId="{0225C01B-A296-4FAA-AA46-794F27DF6934}"/>
+          </ac:spMkLst>
+        </pc:spChg>
+        <pc:picChg chg="mod">
+          <ac:chgData name="Niels Mejia" userId="6a908e1cffa05844" providerId="LiveId" clId="{A028575E-41B0-48FB-B193-1DAFE6E3AD29}" dt="2024-07-06T01:55:31.959" v="453" actId="34807"/>
+          <ac:picMkLst>
+            <pc:docMk/>
+            <pc:sldMk cId="206807629" sldId="263"/>
+            <ac:picMk id="5" creationId="{0F0A3B5B-866A-4F6F-85EF-4D6B40F3B92A}"/>
+          </ac:picMkLst>
+        </pc:picChg>
+        <pc:cxnChg chg="add">
+          <ac:chgData name="Niels Mejia" userId="6a908e1cffa05844" providerId="LiveId" clId="{A028575E-41B0-48FB-B193-1DAFE6E3AD29}" dt="2024-07-06T01:55:31.959" v="453" actId="34807"/>
+          <ac:cxnSpMkLst>
+            <pc:docMk/>
+            <pc:sldMk cId="206807629" sldId="263"/>
+            <ac:cxnSpMk id="10" creationId="{118E06E4-607B-144B-382B-AD3D06B1EE8C}"/>
+          </ac:cxnSpMkLst>
+        </pc:cxnChg>
+        <pc:cxnChg chg="add">
+          <ac:chgData name="Niels Mejia" userId="6a908e1cffa05844" providerId="LiveId" clId="{A028575E-41B0-48FB-B193-1DAFE6E3AD29}" dt="2024-07-06T01:55:31.959" v="453" actId="34807"/>
+          <ac:cxnSpMkLst>
+            <pc:docMk/>
+            <pc:sldMk cId="206807629" sldId="263"/>
+            <ac:cxnSpMk id="16" creationId="{62713E66-598D-4B8A-9D2A-67C7AF46EF11}"/>
+          </ac:cxnSpMkLst>
+        </pc:cxnChg>
+      </pc:sldChg>
+      <pc:sldChg chg="addSp delSp modSp add mod ord setBg setClrOvrMap">
+        <pc:chgData name="Niels Mejia" userId="6a908e1cffa05844" providerId="LiveId" clId="{A028575E-41B0-48FB-B193-1DAFE6E3AD29}" dt="2024-07-06T02:00:09.171" v="692" actId="1035"/>
+        <pc:sldMkLst>
+          <pc:docMk/>
+          <pc:sldMk cId="2905368640" sldId="263"/>
+        </pc:sldMkLst>
+        <pc:spChg chg="add del mod ord">
+          <ac:chgData name="Niels Mejia" userId="6a908e1cffa05844" providerId="LiveId" clId="{A028575E-41B0-48FB-B193-1DAFE6E3AD29}" dt="2024-07-06T01:58:21.704" v="508" actId="20577"/>
+          <ac:spMkLst>
+            <pc:docMk/>
+            <pc:sldMk cId="2905368640" sldId="263"/>
+            <ac:spMk id="2" creationId="{C73D25E4-A3B0-535F-AC68-F9735F2DD7D7}"/>
+          </ac:spMkLst>
+        </pc:spChg>
+        <pc:spChg chg="add del mod">
+          <ac:chgData name="Niels Mejia" userId="6a908e1cffa05844" providerId="LiveId" clId="{A028575E-41B0-48FB-B193-1DAFE6E3AD29}" dt="2024-07-06T01:56:41.218" v="462" actId="478"/>
+          <ac:spMkLst>
+            <pc:docMk/>
+            <pc:sldMk cId="2905368640" sldId="263"/>
+            <ac:spMk id="5" creationId="{DBD6F265-12CE-0733-57C9-B8CE3C99029D}"/>
+          </ac:spMkLst>
+        </pc:spChg>
+        <pc:spChg chg="add del mod">
+          <ac:chgData name="Niels Mejia" userId="6a908e1cffa05844" providerId="LiveId" clId="{A028575E-41B0-48FB-B193-1DAFE6E3AD29}" dt="2024-07-06T01:56:27.610" v="459" actId="478"/>
+          <ac:spMkLst>
+            <pc:docMk/>
+            <pc:sldMk cId="2905368640" sldId="263"/>
+            <ac:spMk id="7" creationId="{F517B7C1-7336-A52D-A6A3-03CE2F834A41}"/>
+          </ac:spMkLst>
+        </pc:spChg>
+        <pc:spChg chg="add mod">
+          <ac:chgData name="Niels Mejia" userId="6a908e1cffa05844" providerId="LiveId" clId="{A028575E-41B0-48FB-B193-1DAFE6E3AD29}" dt="2024-07-06T02:00:09.171" v="692" actId="1035"/>
+          <ac:spMkLst>
+            <pc:docMk/>
+            <pc:sldMk cId="2905368640" sldId="263"/>
+            <ac:spMk id="8" creationId="{640A037F-26E2-2526-1A63-B3078DE9815F}"/>
+          </ac:spMkLst>
+        </pc:spChg>
+        <pc:spChg chg="add">
+          <ac:chgData name="Niels Mejia" userId="6a908e1cffa05844" providerId="LiveId" clId="{A028575E-41B0-48FB-B193-1DAFE6E3AD29}" dt="2024-07-06T01:56:16.035" v="456" actId="34807"/>
+          <ac:spMkLst>
+            <pc:docMk/>
+            <pc:sldMk cId="2905368640" sldId="263"/>
+            <ac:spMk id="11" creationId="{19F9BF86-FE94-4517-B97D-026C7515E589}"/>
+          </ac:spMkLst>
+        </pc:spChg>
+        <pc:spChg chg="add">
+          <ac:chgData name="Niels Mejia" userId="6a908e1cffa05844" providerId="LiveId" clId="{A028575E-41B0-48FB-B193-1DAFE6E3AD29}" dt="2024-07-06T01:56:16.035" v="456" actId="34807"/>
+          <ac:spMkLst>
+            <pc:docMk/>
+            <pc:sldMk cId="2905368640" sldId="263"/>
+            <ac:spMk id="13" creationId="{36136311-C81B-47C5-AE0A-5641A5A59520}"/>
+          </ac:spMkLst>
+        </pc:spChg>
+        <pc:picChg chg="add del mod">
+          <ac:chgData name="Niels Mejia" userId="6a908e1cffa05844" providerId="LiveId" clId="{A028575E-41B0-48FB-B193-1DAFE6E3AD29}" dt="2024-07-06T01:56:27.610" v="459" actId="478"/>
+          <ac:picMkLst>
+            <pc:docMk/>
+            <pc:sldMk cId="2905368640" sldId="263"/>
+            <ac:picMk id="4" creationId="{DBA30B50-2FC5-4DF2-B401-15618F154021}"/>
+          </ac:picMkLst>
+        </pc:picChg>
+        <pc:cxnChg chg="add">
+          <ac:chgData name="Niels Mejia" userId="6a908e1cffa05844" providerId="LiveId" clId="{A028575E-41B0-48FB-B193-1DAFE6E3AD29}" dt="2024-07-06T01:56:16.035" v="456" actId="34807"/>
+          <ac:cxnSpMkLst>
+            <pc:docMk/>
+            <pc:sldMk cId="2905368640" sldId="263"/>
+            <ac:cxnSpMk id="9" creationId="{118E06E4-607B-144B-382B-AD3D06B1EE8C}"/>
+          </ac:cxnSpMkLst>
+        </pc:cxnChg>
+        <pc:cxnChg chg="add">
+          <ac:chgData name="Niels Mejia" userId="6a908e1cffa05844" providerId="LiveId" clId="{A028575E-41B0-48FB-B193-1DAFE6E3AD29}" dt="2024-07-06T01:56:16.035" v="456" actId="34807"/>
+          <ac:cxnSpMkLst>
+            <pc:docMk/>
+            <pc:sldMk cId="2905368640" sldId="263"/>
+            <ac:cxnSpMk id="15" creationId="{7CC73A33-65FF-41A9-A3B0-006753CD1028}"/>
+          </ac:cxnSpMkLst>
+        </pc:cxnChg>
+      </pc:sldChg>
+      <pc:sldChg chg="addSp delSp modSp add del mod setBg">
+        <pc:chgData name="Niels Mejia" userId="6a908e1cffa05844" providerId="LiveId" clId="{A028575E-41B0-48FB-B193-1DAFE6E3AD29}" dt="2024-07-06T01:53:23.862" v="447" actId="47"/>
+        <pc:sldMkLst>
+          <pc:docMk/>
+          <pc:sldMk cId="4064453993" sldId="263"/>
+        </pc:sldMkLst>
+        <pc:spChg chg="del mod ord">
+          <ac:chgData name="Niels Mejia" userId="6a908e1cffa05844" providerId="LiveId" clId="{A028575E-41B0-48FB-B193-1DAFE6E3AD29}" dt="2024-07-06T01:50:42.024" v="438" actId="478"/>
+          <ac:spMkLst>
+            <pc:docMk/>
+            <pc:sldMk cId="4064453993" sldId="263"/>
+            <ac:spMk id="2" creationId="{78B160EF-B8F8-21A9-87F1-4D0968434797}"/>
+          </ac:spMkLst>
+        </pc:spChg>
+        <pc:spChg chg="del mod">
+          <ac:chgData name="Niels Mejia" userId="6a908e1cffa05844" providerId="LiveId" clId="{A028575E-41B0-48FB-B193-1DAFE6E3AD29}" dt="2024-07-06T01:50:42.024" v="438" actId="478"/>
+          <ac:spMkLst>
+            <pc:docMk/>
+            <pc:sldMk cId="4064453993" sldId="263"/>
+            <ac:spMk id="4" creationId="{08695D0F-6D37-9301-BEF1-FD8935C596C3}"/>
+          </ac:spMkLst>
+        </pc:spChg>
+        <pc:spChg chg="add del mod">
+          <ac:chgData name="Niels Mejia" userId="6a908e1cffa05844" providerId="LiveId" clId="{A028575E-41B0-48FB-B193-1DAFE6E3AD29}" dt="2024-07-06T01:50:54.195" v="440" actId="478"/>
+          <ac:spMkLst>
+            <pc:docMk/>
+            <pc:sldMk cId="4064453993" sldId="263"/>
+            <ac:spMk id="6" creationId="{28BDD715-262C-9A65-347F-FE4BC00DFD55}"/>
+          </ac:spMkLst>
+        </pc:spChg>
+        <pc:spChg chg="add del mod">
+          <ac:chgData name="Niels Mejia" userId="6a908e1cffa05844" providerId="LiveId" clId="{A028575E-41B0-48FB-B193-1DAFE6E3AD29}" dt="2024-07-06T01:50:52.210" v="439" actId="478"/>
+          <ac:spMkLst>
+            <pc:docMk/>
+            <pc:sldMk cId="4064453993" sldId="263"/>
+            <ac:spMk id="8" creationId="{1ED11034-843A-C0E0-7531-A1531B535546}"/>
+          </ac:spMkLst>
+        </pc:spChg>
+        <pc:spChg chg="add">
+          <ac:chgData name="Niels Mejia" userId="6a908e1cffa05844" providerId="LiveId" clId="{A028575E-41B0-48FB-B193-1DAFE6E3AD29}" dt="2024-07-06T01:50:28.103" v="437" actId="34807"/>
+          <ac:spMkLst>
+            <pc:docMk/>
+            <pc:sldMk cId="4064453993" sldId="263"/>
+            <ac:spMk id="12" creationId="{406BD704-01C2-4341-B99A-116CC7EC56EF}"/>
+          </ac:spMkLst>
+        </pc:spChg>
+        <pc:spChg chg="add">
+          <ac:chgData name="Niels Mejia" userId="6a908e1cffa05844" providerId="LiveId" clId="{A028575E-41B0-48FB-B193-1DAFE6E3AD29}" dt="2024-07-06T01:50:28.103" v="437" actId="34807"/>
+          <ac:spMkLst>
+            <pc:docMk/>
+            <pc:sldMk cId="4064453993" sldId="263"/>
+            <ac:spMk id="14" creationId="{0225C01B-A296-4FAA-AA46-794F27DF6934}"/>
+          </ac:spMkLst>
+        </pc:spChg>
+        <pc:picChg chg="mod">
+          <ac:chgData name="Niels Mejia" userId="6a908e1cffa05844" providerId="LiveId" clId="{A028575E-41B0-48FB-B193-1DAFE6E3AD29}" dt="2024-07-06T01:50:28.103" v="437" actId="34807"/>
+          <ac:picMkLst>
+            <pc:docMk/>
+            <pc:sldMk cId="4064453993" sldId="263"/>
+            <ac:picMk id="5" creationId="{371A5375-0EFE-4C84-866B-C8F4C8C911CC}"/>
+          </ac:picMkLst>
+        </pc:picChg>
+        <pc:cxnChg chg="add">
+          <ac:chgData name="Niels Mejia" userId="6a908e1cffa05844" providerId="LiveId" clId="{A028575E-41B0-48FB-B193-1DAFE6E3AD29}" dt="2024-07-06T01:50:28.103" v="437" actId="34807"/>
+          <ac:cxnSpMkLst>
+            <pc:docMk/>
+            <pc:sldMk cId="4064453993" sldId="263"/>
+            <ac:cxnSpMk id="10" creationId="{118E06E4-607B-144B-382B-AD3D06B1EE8C}"/>
+          </ac:cxnSpMkLst>
+        </pc:cxnChg>
+        <pc:cxnChg chg="add">
+          <ac:chgData name="Niels Mejia" userId="6a908e1cffa05844" providerId="LiveId" clId="{A028575E-41B0-48FB-B193-1DAFE6E3AD29}" dt="2024-07-06T01:50:28.103" v="437" actId="34807"/>
+          <ac:cxnSpMkLst>
+            <pc:docMk/>
+            <pc:sldMk cId="4064453993" sldId="263"/>
+            <ac:cxnSpMk id="16" creationId="{62713E66-598D-4B8A-9D2A-67C7AF46EF11}"/>
+          </ac:cxnSpMkLst>
+        </pc:cxnChg>
+      </pc:sldChg>
+      <pc:sldChg chg="addSp modSp add del mod setBg">
+        <pc:chgData name="Niels Mejia" userId="6a908e1cffa05844" providerId="LiveId" clId="{A028575E-41B0-48FB-B193-1DAFE6E3AD29}" dt="2024-07-06T01:52:45.094" v="441" actId="47"/>
+        <pc:sldMkLst>
+          <pc:docMk/>
+          <pc:sldMk cId="3163457104" sldId="264"/>
+        </pc:sldMkLst>
+        <pc:spChg chg="mod ord">
+          <ac:chgData name="Niels Mejia" userId="6a908e1cffa05844" providerId="LiveId" clId="{A028575E-41B0-48FB-B193-1DAFE6E3AD29}" dt="2024-07-06T01:50:28.103" v="437" actId="34807"/>
+          <ac:spMkLst>
+            <pc:docMk/>
+            <pc:sldMk cId="3163457104" sldId="264"/>
+            <ac:spMk id="2" creationId="{BC83A4FF-E460-017F-E36C-D5FB64DC8314}"/>
+          </ac:spMkLst>
+        </pc:spChg>
+        <pc:spChg chg="mod">
+          <ac:chgData name="Niels Mejia" userId="6a908e1cffa05844" providerId="LiveId" clId="{A028575E-41B0-48FB-B193-1DAFE6E3AD29}" dt="2024-07-06T01:50:28.103" v="437" actId="34807"/>
+          <ac:spMkLst>
+            <pc:docMk/>
+            <pc:sldMk cId="3163457104" sldId="264"/>
+            <ac:spMk id="4" creationId="{C892B152-6A71-1D57-4028-7E8131A4F5BC}"/>
+          </ac:spMkLst>
+        </pc:spChg>
+        <pc:spChg chg="add">
+          <ac:chgData name="Niels Mejia" userId="6a908e1cffa05844" providerId="LiveId" clId="{A028575E-41B0-48FB-B193-1DAFE6E3AD29}" dt="2024-07-06T01:50:28.103" v="437" actId="34807"/>
+          <ac:spMkLst>
+            <pc:docMk/>
+            <pc:sldMk cId="3163457104" sldId="264"/>
+            <ac:spMk id="12" creationId="{406BD704-01C2-4341-B99A-116CC7EC56EF}"/>
+          </ac:spMkLst>
+        </pc:spChg>
+        <pc:spChg chg="add">
+          <ac:chgData name="Niels Mejia" userId="6a908e1cffa05844" providerId="LiveId" clId="{A028575E-41B0-48FB-B193-1DAFE6E3AD29}" dt="2024-07-06T01:50:28.103" v="437" actId="34807"/>
+          <ac:spMkLst>
+            <pc:docMk/>
+            <pc:sldMk cId="3163457104" sldId="264"/>
+            <ac:spMk id="14" creationId="{0225C01B-A296-4FAA-AA46-794F27DF6934}"/>
+          </ac:spMkLst>
+        </pc:spChg>
+        <pc:picChg chg="mod">
+          <ac:chgData name="Niels Mejia" userId="6a908e1cffa05844" providerId="LiveId" clId="{A028575E-41B0-48FB-B193-1DAFE6E3AD29}" dt="2024-07-06T01:50:28.103" v="437" actId="34807"/>
+          <ac:picMkLst>
+            <pc:docMk/>
+            <pc:sldMk cId="3163457104" sldId="264"/>
+            <ac:picMk id="5" creationId="{8ED529E0-F4BE-4848-B58B-FFF53C6924EE}"/>
+          </ac:picMkLst>
+        </pc:picChg>
+        <pc:cxnChg chg="add">
+          <ac:chgData name="Niels Mejia" userId="6a908e1cffa05844" providerId="LiveId" clId="{A028575E-41B0-48FB-B193-1DAFE6E3AD29}" dt="2024-07-06T01:50:28.103" v="437" actId="34807"/>
+          <ac:cxnSpMkLst>
+            <pc:docMk/>
+            <pc:sldMk cId="3163457104" sldId="264"/>
+            <ac:cxnSpMk id="10" creationId="{118E06E4-607B-144B-382B-AD3D06B1EE8C}"/>
+          </ac:cxnSpMkLst>
+        </pc:cxnChg>
+        <pc:cxnChg chg="add">
+          <ac:chgData name="Niels Mejia" userId="6a908e1cffa05844" providerId="LiveId" clId="{A028575E-41B0-48FB-B193-1DAFE6E3AD29}" dt="2024-07-06T01:50:28.103" v="437" actId="34807"/>
+          <ac:cxnSpMkLst>
+            <pc:docMk/>
+            <pc:sldMk cId="3163457104" sldId="264"/>
+            <ac:cxnSpMk id="16" creationId="{62713E66-598D-4B8A-9D2A-67C7AF46EF11}"/>
+          </ac:cxnSpMkLst>
+        </pc:cxnChg>
+      </pc:sldChg>
+      <pc:sldChg chg="addSp modSp add del mod setBg">
+        <pc:chgData name="Niels Mejia" userId="6a908e1cffa05844" providerId="LiveId" clId="{A028575E-41B0-48FB-B193-1DAFE6E3AD29}" dt="2024-07-06T01:52:58.451" v="442" actId="47"/>
+        <pc:sldMkLst>
+          <pc:docMk/>
+          <pc:sldMk cId="3487412481" sldId="265"/>
+        </pc:sldMkLst>
+        <pc:spChg chg="mod ord">
+          <ac:chgData name="Niels Mejia" userId="6a908e1cffa05844" providerId="LiveId" clId="{A028575E-41B0-48FB-B193-1DAFE6E3AD29}" dt="2024-07-06T01:50:28.103" v="437" actId="34807"/>
+          <ac:spMkLst>
+            <pc:docMk/>
+            <pc:sldMk cId="3487412481" sldId="265"/>
+            <ac:spMk id="2" creationId="{E6881083-63A2-A986-B70B-67B16A441435}"/>
+          </ac:spMkLst>
+        </pc:spChg>
+        <pc:spChg chg="mod">
+          <ac:chgData name="Niels Mejia" userId="6a908e1cffa05844" providerId="LiveId" clId="{A028575E-41B0-48FB-B193-1DAFE6E3AD29}" dt="2024-07-06T01:50:28.103" v="437" actId="34807"/>
+          <ac:spMkLst>
+            <pc:docMk/>
+            <pc:sldMk cId="3487412481" sldId="265"/>
+            <ac:spMk id="4" creationId="{18A84618-7A5A-D35C-AEC1-A7E8D4C841CA}"/>
+          </ac:spMkLst>
+        </pc:spChg>
+        <pc:spChg chg="add">
+          <ac:chgData name="Niels Mejia" userId="6a908e1cffa05844" providerId="LiveId" clId="{A028575E-41B0-48FB-B193-1DAFE6E3AD29}" dt="2024-07-06T01:50:28.103" v="437" actId="34807"/>
+          <ac:spMkLst>
+            <pc:docMk/>
+            <pc:sldMk cId="3487412481" sldId="265"/>
+            <ac:spMk id="12" creationId="{744CAA32-F237-419C-A2DD-43C28D920D3C}"/>
+          </ac:spMkLst>
+        </pc:spChg>
+        <pc:picChg chg="mod">
+          <ac:chgData name="Niels Mejia" userId="6a908e1cffa05844" providerId="LiveId" clId="{A028575E-41B0-48FB-B193-1DAFE6E3AD29}" dt="2024-07-06T01:50:28.103" v="437" actId="34807"/>
+          <ac:picMkLst>
+            <pc:docMk/>
+            <pc:sldMk cId="3487412481" sldId="265"/>
+            <ac:picMk id="5" creationId="{AC697AD8-761E-433D-9407-2C3AC29A041A}"/>
+          </ac:picMkLst>
+        </pc:picChg>
+        <pc:cxnChg chg="add">
+          <ac:chgData name="Niels Mejia" userId="6a908e1cffa05844" providerId="LiveId" clId="{A028575E-41B0-48FB-B193-1DAFE6E3AD29}" dt="2024-07-06T01:50:28.103" v="437" actId="34807"/>
+          <ac:cxnSpMkLst>
+            <pc:docMk/>
+            <pc:sldMk cId="3487412481" sldId="265"/>
+            <ac:cxnSpMk id="10" creationId="{118E06E4-607B-144B-382B-AD3D06B1EE8C}"/>
+          </ac:cxnSpMkLst>
+        </pc:cxnChg>
+        <pc:cxnChg chg="add">
+          <ac:chgData name="Niels Mejia" userId="6a908e1cffa05844" providerId="LiveId" clId="{A028575E-41B0-48FB-B193-1DAFE6E3AD29}" dt="2024-07-06T01:50:28.103" v="437" actId="34807"/>
+          <ac:cxnSpMkLst>
+            <pc:docMk/>
+            <pc:sldMk cId="3487412481" sldId="265"/>
+            <ac:cxnSpMk id="14" creationId="{691422F5-4221-4812-AFD9-5479C6D60AD9}"/>
+          </ac:cxnSpMkLst>
+        </pc:cxnChg>
+      </pc:sldChg>
+      <pc:sldChg chg="addSp modSp add del mod setBg">
+        <pc:chgData name="Niels Mejia" userId="6a908e1cffa05844" providerId="LiveId" clId="{A028575E-41B0-48FB-B193-1DAFE6E3AD29}" dt="2024-07-06T01:53:01.070" v="443" actId="47"/>
+        <pc:sldMkLst>
+          <pc:docMk/>
+          <pc:sldMk cId="1082398311" sldId="266"/>
+        </pc:sldMkLst>
+        <pc:spChg chg="mod ord">
+          <ac:chgData name="Niels Mejia" userId="6a908e1cffa05844" providerId="LiveId" clId="{A028575E-41B0-48FB-B193-1DAFE6E3AD29}" dt="2024-07-06T01:50:28.103" v="437" actId="34807"/>
+          <ac:spMkLst>
+            <pc:docMk/>
+            <pc:sldMk cId="1082398311" sldId="266"/>
+            <ac:spMk id="2" creationId="{3B77BEBA-B030-DB8A-3D92-424F2124015F}"/>
+          </ac:spMkLst>
+        </pc:spChg>
+        <pc:spChg chg="mod">
+          <ac:chgData name="Niels Mejia" userId="6a908e1cffa05844" providerId="LiveId" clId="{A028575E-41B0-48FB-B193-1DAFE6E3AD29}" dt="2024-07-06T01:50:28.103" v="437" actId="34807"/>
+          <ac:spMkLst>
+            <pc:docMk/>
+            <pc:sldMk cId="1082398311" sldId="266"/>
+            <ac:spMk id="4" creationId="{85735A0B-BEC1-6E24-B7C0-F40E725DAB34}"/>
+          </ac:spMkLst>
+        </pc:spChg>
+        <pc:spChg chg="add">
+          <ac:chgData name="Niels Mejia" userId="6a908e1cffa05844" providerId="LiveId" clId="{A028575E-41B0-48FB-B193-1DAFE6E3AD29}" dt="2024-07-06T01:50:28.103" v="437" actId="34807"/>
+          <ac:spMkLst>
+            <pc:docMk/>
+            <pc:sldMk cId="1082398311" sldId="266"/>
+            <ac:spMk id="12" creationId="{406BD704-01C2-4341-B99A-116CC7EC56EF}"/>
+          </ac:spMkLst>
+        </pc:spChg>
+        <pc:spChg chg="add">
+          <ac:chgData name="Niels Mejia" userId="6a908e1cffa05844" providerId="LiveId" clId="{A028575E-41B0-48FB-B193-1DAFE6E3AD29}" dt="2024-07-06T01:50:28.103" v="437" actId="34807"/>
+          <ac:spMkLst>
+            <pc:docMk/>
+            <pc:sldMk cId="1082398311" sldId="266"/>
+            <ac:spMk id="14" creationId="{0225C01B-A296-4FAA-AA46-794F27DF6934}"/>
+          </ac:spMkLst>
+        </pc:spChg>
+        <pc:picChg chg="mod">
+          <ac:chgData name="Niels Mejia" userId="6a908e1cffa05844" providerId="LiveId" clId="{A028575E-41B0-48FB-B193-1DAFE6E3AD29}" dt="2024-07-06T01:50:28.103" v="437" actId="34807"/>
+          <ac:picMkLst>
+            <pc:docMk/>
+            <pc:sldMk cId="1082398311" sldId="266"/>
+            <ac:picMk id="5" creationId="{8988319F-A445-40F0-992E-147C4AC0DA70}"/>
+          </ac:picMkLst>
+        </pc:picChg>
+        <pc:cxnChg chg="add">
+          <ac:chgData name="Niels Mejia" userId="6a908e1cffa05844" providerId="LiveId" clId="{A028575E-41B0-48FB-B193-1DAFE6E3AD29}" dt="2024-07-06T01:50:28.103" v="437" actId="34807"/>
+          <ac:cxnSpMkLst>
+            <pc:docMk/>
+            <pc:sldMk cId="1082398311" sldId="266"/>
+            <ac:cxnSpMk id="10" creationId="{118E06E4-607B-144B-382B-AD3D06B1EE8C}"/>
+          </ac:cxnSpMkLst>
+        </pc:cxnChg>
+        <pc:cxnChg chg="add">
+          <ac:chgData name="Niels Mejia" userId="6a908e1cffa05844" providerId="LiveId" clId="{A028575E-41B0-48FB-B193-1DAFE6E3AD29}" dt="2024-07-06T01:50:28.103" v="437" actId="34807"/>
+          <ac:cxnSpMkLst>
+            <pc:docMk/>
+            <pc:sldMk cId="1082398311" sldId="266"/>
+            <ac:cxnSpMk id="16" creationId="{62713E66-598D-4B8A-9D2A-67C7AF46EF11}"/>
+          </ac:cxnSpMkLst>
+        </pc:cxnChg>
+      </pc:sldChg>
+      <pc:sldChg chg="addSp modSp add del mod setBg">
+        <pc:chgData name="Niels Mejia" userId="6a908e1cffa05844" providerId="LiveId" clId="{A028575E-41B0-48FB-B193-1DAFE6E3AD29}" dt="2024-07-06T01:53:02.911" v="444" actId="47"/>
+        <pc:sldMkLst>
+          <pc:docMk/>
+          <pc:sldMk cId="1096776091" sldId="267"/>
+        </pc:sldMkLst>
+        <pc:spChg chg="mod ord">
+          <ac:chgData name="Niels Mejia" userId="6a908e1cffa05844" providerId="LiveId" clId="{A028575E-41B0-48FB-B193-1DAFE6E3AD29}" dt="2024-07-06T01:50:28.103" v="437" actId="34807"/>
+          <ac:spMkLst>
+            <pc:docMk/>
+            <pc:sldMk cId="1096776091" sldId="267"/>
+            <ac:spMk id="2" creationId="{2725A682-25C2-5BCF-ACAE-9FAE1EA624AF}"/>
+          </ac:spMkLst>
+        </pc:spChg>
+        <pc:spChg chg="mod">
+          <ac:chgData name="Niels Mejia" userId="6a908e1cffa05844" providerId="LiveId" clId="{A028575E-41B0-48FB-B193-1DAFE6E3AD29}" dt="2024-07-06T01:50:28.103" v="437" actId="34807"/>
+          <ac:spMkLst>
+            <pc:docMk/>
+            <pc:sldMk cId="1096776091" sldId="267"/>
+            <ac:spMk id="4" creationId="{5265F56F-55C0-076B-FCD2-CDC02496D041}"/>
+          </ac:spMkLst>
+        </pc:spChg>
+        <pc:spChg chg="add">
+          <ac:chgData name="Niels Mejia" userId="6a908e1cffa05844" providerId="LiveId" clId="{A028575E-41B0-48FB-B193-1DAFE6E3AD29}" dt="2024-07-06T01:50:28.103" v="437" actId="34807"/>
+          <ac:spMkLst>
+            <pc:docMk/>
+            <pc:sldMk cId="1096776091" sldId="267"/>
+            <ac:spMk id="12" creationId="{406BD704-01C2-4341-B99A-116CC7EC56EF}"/>
+          </ac:spMkLst>
+        </pc:spChg>
+        <pc:spChg chg="add">
+          <ac:chgData name="Niels Mejia" userId="6a908e1cffa05844" providerId="LiveId" clId="{A028575E-41B0-48FB-B193-1DAFE6E3AD29}" dt="2024-07-06T01:50:28.103" v="437" actId="34807"/>
+          <ac:spMkLst>
+            <pc:docMk/>
+            <pc:sldMk cId="1096776091" sldId="267"/>
+            <ac:spMk id="14" creationId="{0225C01B-A296-4FAA-AA46-794F27DF6934}"/>
+          </ac:spMkLst>
+        </pc:spChg>
+        <pc:picChg chg="mod">
+          <ac:chgData name="Niels Mejia" userId="6a908e1cffa05844" providerId="LiveId" clId="{A028575E-41B0-48FB-B193-1DAFE6E3AD29}" dt="2024-07-06T01:50:28.103" v="437" actId="34807"/>
+          <ac:picMkLst>
+            <pc:docMk/>
+            <pc:sldMk cId="1096776091" sldId="267"/>
+            <ac:picMk id="5" creationId="{6481257C-4B42-40FE-B2C0-69E3FBF4E80A}"/>
+          </ac:picMkLst>
+        </pc:picChg>
+        <pc:cxnChg chg="add">
+          <ac:chgData name="Niels Mejia" userId="6a908e1cffa05844" providerId="LiveId" clId="{A028575E-41B0-48FB-B193-1DAFE6E3AD29}" dt="2024-07-06T01:50:28.103" v="437" actId="34807"/>
+          <ac:cxnSpMkLst>
+            <pc:docMk/>
+            <pc:sldMk cId="1096776091" sldId="267"/>
+            <ac:cxnSpMk id="10" creationId="{118E06E4-607B-144B-382B-AD3D06B1EE8C}"/>
+          </ac:cxnSpMkLst>
+        </pc:cxnChg>
+        <pc:cxnChg chg="add">
+          <ac:chgData name="Niels Mejia" userId="6a908e1cffa05844" providerId="LiveId" clId="{A028575E-41B0-48FB-B193-1DAFE6E3AD29}" dt="2024-07-06T01:50:28.103" v="437" actId="34807"/>
+          <ac:cxnSpMkLst>
+            <pc:docMk/>
+            <pc:sldMk cId="1096776091" sldId="267"/>
+            <ac:cxnSpMk id="16" creationId="{62713E66-598D-4B8A-9D2A-67C7AF46EF11}"/>
+          </ac:cxnSpMkLst>
+        </pc:cxnChg>
+      </pc:sldChg>
+      <pc:sldChg chg="addSp modSp add del mod setBg">
+        <pc:chgData name="Niels Mejia" userId="6a908e1cffa05844" providerId="LiveId" clId="{A028575E-41B0-48FB-B193-1DAFE6E3AD29}" dt="2024-07-06T01:53:05.207" v="445" actId="47"/>
+        <pc:sldMkLst>
+          <pc:docMk/>
+          <pc:sldMk cId="649936974" sldId="268"/>
+        </pc:sldMkLst>
+        <pc:spChg chg="mod ord">
+          <ac:chgData name="Niels Mejia" userId="6a908e1cffa05844" providerId="LiveId" clId="{A028575E-41B0-48FB-B193-1DAFE6E3AD29}" dt="2024-07-06T01:50:28.103" v="437" actId="34807"/>
+          <ac:spMkLst>
+            <pc:docMk/>
+            <pc:sldMk cId="649936974" sldId="268"/>
+            <ac:spMk id="2" creationId="{E2CC7B06-1890-4824-24E9-581CC66A6A2C}"/>
+          </ac:spMkLst>
+        </pc:spChg>
+        <pc:spChg chg="mod">
+          <ac:chgData name="Niels Mejia" userId="6a908e1cffa05844" providerId="LiveId" clId="{A028575E-41B0-48FB-B193-1DAFE6E3AD29}" dt="2024-07-06T01:50:28.103" v="437" actId="34807"/>
+          <ac:spMkLst>
+            <pc:docMk/>
+            <pc:sldMk cId="649936974" sldId="268"/>
+            <ac:spMk id="4" creationId="{572B5A11-6B96-4617-7FDC-845864AD6303}"/>
+          </ac:spMkLst>
+        </pc:spChg>
+        <pc:spChg chg="add">
+          <ac:chgData name="Niels Mejia" userId="6a908e1cffa05844" providerId="LiveId" clId="{A028575E-41B0-48FB-B193-1DAFE6E3AD29}" dt="2024-07-06T01:50:28.103" v="437" actId="34807"/>
+          <ac:spMkLst>
+            <pc:docMk/>
+            <pc:sldMk cId="649936974" sldId="268"/>
+            <ac:spMk id="12" creationId="{744CAA32-F237-419C-A2DD-43C28D920D3C}"/>
+          </ac:spMkLst>
+        </pc:spChg>
+        <pc:picChg chg="mod">
+          <ac:chgData name="Niels Mejia" userId="6a908e1cffa05844" providerId="LiveId" clId="{A028575E-41B0-48FB-B193-1DAFE6E3AD29}" dt="2024-07-06T01:50:28.103" v="437" actId="34807"/>
+          <ac:picMkLst>
+            <pc:docMk/>
+            <pc:sldMk cId="649936974" sldId="268"/>
+            <ac:picMk id="5" creationId="{0ABFCD27-D56D-4B18-8847-B6CE8F9923F8}"/>
+          </ac:picMkLst>
+        </pc:picChg>
+        <pc:cxnChg chg="add">
+          <ac:chgData name="Niels Mejia" userId="6a908e1cffa05844" providerId="LiveId" clId="{A028575E-41B0-48FB-B193-1DAFE6E3AD29}" dt="2024-07-06T01:50:28.103" v="437" actId="34807"/>
+          <ac:cxnSpMkLst>
+            <pc:docMk/>
+            <pc:sldMk cId="649936974" sldId="268"/>
+            <ac:cxnSpMk id="10" creationId="{118E06E4-607B-144B-382B-AD3D06B1EE8C}"/>
+          </ac:cxnSpMkLst>
+        </pc:cxnChg>
+        <pc:cxnChg chg="add">
+          <ac:chgData name="Niels Mejia" userId="6a908e1cffa05844" providerId="LiveId" clId="{A028575E-41B0-48FB-B193-1DAFE6E3AD29}" dt="2024-07-06T01:50:28.103" v="437" actId="34807"/>
+          <ac:cxnSpMkLst>
+            <pc:docMk/>
+            <pc:sldMk cId="649936974" sldId="268"/>
+            <ac:cxnSpMk id="14" creationId="{92025DBA-8780-9CA0-2826-FF6E3BD1A0C9}"/>
+          </ac:cxnSpMkLst>
+        </pc:cxnChg>
+      </pc:sldChg>
+      <pc:sldChg chg="addSp modSp add del mod setBg">
+        <pc:chgData name="Niels Mejia" userId="6a908e1cffa05844" providerId="LiveId" clId="{A028575E-41B0-48FB-B193-1DAFE6E3AD29}" dt="2024-07-06T01:53:14.439" v="446" actId="47"/>
+        <pc:sldMkLst>
+          <pc:docMk/>
+          <pc:sldMk cId="1035034292" sldId="269"/>
+        </pc:sldMkLst>
+        <pc:spChg chg="mod ord">
+          <ac:chgData name="Niels Mejia" userId="6a908e1cffa05844" providerId="LiveId" clId="{A028575E-41B0-48FB-B193-1DAFE6E3AD29}" dt="2024-07-06T01:50:28.103" v="437" actId="34807"/>
+          <ac:spMkLst>
+            <pc:docMk/>
+            <pc:sldMk cId="1035034292" sldId="269"/>
+            <ac:spMk id="2" creationId="{DDACF6F0-0F2A-7939-3F4E-50DD97F1784D}"/>
+          </ac:spMkLst>
+        </pc:spChg>
+        <pc:spChg chg="mod">
+          <ac:chgData name="Niels Mejia" userId="6a908e1cffa05844" providerId="LiveId" clId="{A028575E-41B0-48FB-B193-1DAFE6E3AD29}" dt="2024-07-06T01:50:28.103" v="437" actId="34807"/>
+          <ac:spMkLst>
+            <pc:docMk/>
+            <pc:sldMk cId="1035034292" sldId="269"/>
+            <ac:spMk id="4" creationId="{979830E6-C78F-4FAE-6BB0-2D9AC2D10E63}"/>
+          </ac:spMkLst>
+        </pc:spChg>
+        <pc:spChg chg="add">
+          <ac:chgData name="Niels Mejia" userId="6a908e1cffa05844" providerId="LiveId" clId="{A028575E-41B0-48FB-B193-1DAFE6E3AD29}" dt="2024-07-06T01:50:28.103" v="437" actId="34807"/>
+          <ac:spMkLst>
+            <pc:docMk/>
+            <pc:sldMk cId="1035034292" sldId="269"/>
+            <ac:spMk id="12" creationId="{406BD704-01C2-4341-B99A-116CC7EC56EF}"/>
+          </ac:spMkLst>
+        </pc:spChg>
+        <pc:spChg chg="add">
+          <ac:chgData name="Niels Mejia" userId="6a908e1cffa05844" providerId="LiveId" clId="{A028575E-41B0-48FB-B193-1DAFE6E3AD29}" dt="2024-07-06T01:50:28.103" v="437" actId="34807"/>
+          <ac:spMkLst>
+            <pc:docMk/>
+            <pc:sldMk cId="1035034292" sldId="269"/>
+            <ac:spMk id="14" creationId="{0225C01B-A296-4FAA-AA46-794F27DF6934}"/>
+          </ac:spMkLst>
+        </pc:spChg>
+        <pc:picChg chg="mod">
+          <ac:chgData name="Niels Mejia" userId="6a908e1cffa05844" providerId="LiveId" clId="{A028575E-41B0-48FB-B193-1DAFE6E3AD29}" dt="2024-07-06T01:50:28.103" v="437" actId="34807"/>
+          <ac:picMkLst>
+            <pc:docMk/>
+            <pc:sldMk cId="1035034292" sldId="269"/>
+            <ac:picMk id="5" creationId="{87E544E3-3263-42A0-A7C8-D2BC9F30A365}"/>
+          </ac:picMkLst>
+        </pc:picChg>
+        <pc:cxnChg chg="add">
+          <ac:chgData name="Niels Mejia" userId="6a908e1cffa05844" providerId="LiveId" clId="{A028575E-41B0-48FB-B193-1DAFE6E3AD29}" dt="2024-07-06T01:50:28.103" v="437" actId="34807"/>
+          <ac:cxnSpMkLst>
+            <pc:docMk/>
+            <pc:sldMk cId="1035034292" sldId="269"/>
+            <ac:cxnSpMk id="10" creationId="{118E06E4-607B-144B-382B-AD3D06B1EE8C}"/>
+          </ac:cxnSpMkLst>
+        </pc:cxnChg>
+        <pc:cxnChg chg="add">
+          <ac:chgData name="Niels Mejia" userId="6a908e1cffa05844" providerId="LiveId" clId="{A028575E-41B0-48FB-B193-1DAFE6E3AD29}" dt="2024-07-06T01:50:28.103" v="437" actId="34807"/>
+          <ac:cxnSpMkLst>
+            <pc:docMk/>
+            <pc:sldMk cId="1035034292" sldId="269"/>
+            <ac:cxnSpMk id="16" creationId="{62713E66-598D-4B8A-9D2A-67C7AF46EF11}"/>
+          </ac:cxnSpMkLst>
+        </pc:cxnChg>
+      </pc:sldChg>
+    </pc:docChg>
+  </pc:docChgLst>
 </pc:chgInfo>
+</file>
+
+<file path=ppt/notesMasters/notesMaster1.xml><?xml version="1.0" encoding="utf-8"?>
+<p:notesMaster xmlns:a="http://schemas.openxmlformats.org/drawingml/2006/main" xmlns:r="http://schemas.openxmlformats.org/officeDocument/2006/relationships" xmlns:p="http://schemas.openxmlformats.org/presentationml/2006/main">
+  <p:cSld>
+    <p:bg>
+      <p:bgRef idx="1001">
+        <a:schemeClr val="bg1"/>
+      </p:bgRef>
+    </p:bg>
+    <p:spTree>
+      <p:nvGrpSpPr>
+        <p:cNvPr id="1" name=""/>
+        <p:cNvGrpSpPr/>
+        <p:nvPr/>
+      </p:nvGrpSpPr>
+      <p:grpSpPr>
+        <a:xfrm>
+          <a:off x="0" y="0"/>
+          <a:ext cx="0" cy="0"/>
+          <a:chOff x="0" y="0"/>
+          <a:chExt cx="0" cy="0"/>
+        </a:xfrm>
+      </p:grpSpPr>
+      <p:sp>
+        <p:nvSpPr>
+          <p:cNvPr id="2" name="Header Placeholder 1"/>
+          <p:cNvSpPr>
+            <a:spLocks noGrp="1"/>
+          </p:cNvSpPr>
+          <p:nvPr>
+            <p:ph type="hdr" sz="quarter"/>
+          </p:nvPr>
+        </p:nvSpPr>
+        <p:spPr>
+          <a:xfrm>
+            <a:off x="0" y="0"/>
+            <a:ext cx="2971800" cy="458788"/>
+          </a:xfrm>
+          <a:prstGeom prst="rect">
+            <a:avLst/>
+          </a:prstGeom>
+        </p:spPr>
+        <p:txBody>
+          <a:bodyPr vert="horz" lIns="91440" tIns="45720" rIns="91440" bIns="45720" rtlCol="0"/>
+          <a:lstStyle>
+            <a:lvl1pPr algn="l">
+              <a:defRPr sz="1200"/>
+            </a:lvl1pPr>
+          </a:lstStyle>
+          <a:p>
+            <a:endParaRPr lang="es-PE"/>
+          </a:p>
+        </p:txBody>
+      </p:sp>
+      <p:sp>
+        <p:nvSpPr>
+          <p:cNvPr id="3" name="Date Placeholder 2"/>
+          <p:cNvSpPr>
+            <a:spLocks noGrp="1"/>
+          </p:cNvSpPr>
+          <p:nvPr>
+            <p:ph type="dt" idx="1"/>
+          </p:nvPr>
+        </p:nvSpPr>
+        <p:spPr>
+          <a:xfrm>
+            <a:off x="3884613" y="0"/>
+            <a:ext cx="2971800" cy="458788"/>
+          </a:xfrm>
+          <a:prstGeom prst="rect">
+            <a:avLst/>
+          </a:prstGeom>
+        </p:spPr>
+        <p:txBody>
+          <a:bodyPr vert="horz" lIns="91440" tIns="45720" rIns="91440" bIns="45720" rtlCol="0"/>
+          <a:lstStyle>
+            <a:lvl1pPr algn="r">
+              <a:defRPr sz="1200"/>
+            </a:lvl1pPr>
+          </a:lstStyle>
+          <a:p>
+            <a:fld id="{C96B5941-45AE-4DF3-BA20-9C9BCAB59F8C}" type="datetimeFigureOut">
+              <a:rPr lang="es-PE" smtClean="0"/>
+              <a:t>5/07/2024</a:t>
+            </a:fld>
+            <a:endParaRPr lang="es-PE"/>
+          </a:p>
+        </p:txBody>
+      </p:sp>
+      <p:sp>
+        <p:nvSpPr>
+          <p:cNvPr id="4" name="Slide Image Placeholder 3"/>
+          <p:cNvSpPr>
+            <a:spLocks noGrp="1" noRot="1" noChangeAspect="1"/>
+          </p:cNvSpPr>
+          <p:nvPr>
+            <p:ph type="sldImg" idx="2"/>
+          </p:nvPr>
+        </p:nvSpPr>
+        <p:spPr>
+          <a:xfrm>
+            <a:off x="685800" y="1143000"/>
+            <a:ext cx="5486400" cy="3086100"/>
+          </a:xfrm>
+          <a:prstGeom prst="rect">
+            <a:avLst/>
+          </a:prstGeom>
+          <a:noFill/>
+          <a:ln w="12700">
+            <a:solidFill>
+              <a:prstClr val="black"/>
+            </a:solidFill>
+          </a:ln>
+        </p:spPr>
+        <p:txBody>
+          <a:bodyPr vert="horz" lIns="91440" tIns="45720" rIns="91440" bIns="45720" rtlCol="0" anchor="ctr"/>
+          <a:lstStyle/>
+          <a:p>
+            <a:endParaRPr lang="es-PE"/>
+          </a:p>
+        </p:txBody>
+      </p:sp>
+      <p:sp>
+        <p:nvSpPr>
+          <p:cNvPr id="5" name="Notes Placeholder 4"/>
+          <p:cNvSpPr>
+            <a:spLocks noGrp="1"/>
+          </p:cNvSpPr>
+          <p:nvPr>
+            <p:ph type="body" sz="quarter" idx="3"/>
+          </p:nvPr>
+        </p:nvSpPr>
+        <p:spPr>
+          <a:xfrm>
+            <a:off x="685800" y="4400550"/>
+            <a:ext cx="5486400" cy="3600450"/>
+          </a:xfrm>
+          <a:prstGeom prst="rect">
+            <a:avLst/>
+          </a:prstGeom>
+        </p:spPr>
+        <p:txBody>
+          <a:bodyPr vert="horz" lIns="91440" tIns="45720" rIns="91440" bIns="45720" rtlCol="0"/>
+          <a:lstStyle/>
+          <a:p>
+            <a:pPr lvl="0"/>
+            <a:r>
+              <a:rPr lang="en-US"/>
+              <a:t>Click to edit Master text styles</a:t>
+            </a:r>
+          </a:p>
+          <a:p>
+            <a:pPr lvl="1"/>
+            <a:r>
+              <a:rPr lang="en-US"/>
+              <a:t>Second level</a:t>
+            </a:r>
+          </a:p>
+          <a:p>
+            <a:pPr lvl="2"/>
+            <a:r>
+              <a:rPr lang="en-US"/>
+              <a:t>Third level</a:t>
+            </a:r>
+          </a:p>
+          <a:p>
+            <a:pPr lvl="3"/>
+            <a:r>
+              <a:rPr lang="en-US"/>
+              <a:t>Fourth level</a:t>
+            </a:r>
+          </a:p>
+          <a:p>
+            <a:pPr lvl="4"/>
+            <a:r>
+              <a:rPr lang="en-US"/>
+              <a:t>Fifth level</a:t>
+            </a:r>
+            <a:endParaRPr lang="es-PE"/>
+          </a:p>
+        </p:txBody>
+      </p:sp>
+      <p:sp>
+        <p:nvSpPr>
+          <p:cNvPr id="6" name="Footer Placeholder 5"/>
+          <p:cNvSpPr>
+            <a:spLocks noGrp="1"/>
+          </p:cNvSpPr>
+          <p:nvPr>
+            <p:ph type="ftr" sz="quarter" idx="4"/>
+          </p:nvPr>
+        </p:nvSpPr>
+        <p:spPr>
+          <a:xfrm>
+            <a:off x="0" y="8685213"/>
+            <a:ext cx="2971800" cy="458787"/>
+          </a:xfrm>
+          <a:prstGeom prst="rect">
+            <a:avLst/>
+          </a:prstGeom>
+        </p:spPr>
+        <p:txBody>
+          <a:bodyPr vert="horz" lIns="91440" tIns="45720" rIns="91440" bIns="45720" rtlCol="0" anchor="b"/>
+          <a:lstStyle>
+            <a:lvl1pPr algn="l">
+              <a:defRPr sz="1200"/>
+            </a:lvl1pPr>
+          </a:lstStyle>
+          <a:p>
+            <a:endParaRPr lang="es-PE"/>
+          </a:p>
+        </p:txBody>
+      </p:sp>
+      <p:sp>
+        <p:nvSpPr>
+          <p:cNvPr id="7" name="Slide Number Placeholder 6"/>
+          <p:cNvSpPr>
+            <a:spLocks noGrp="1"/>
+          </p:cNvSpPr>
+          <p:nvPr>
+            <p:ph type="sldNum" sz="quarter" idx="5"/>
+          </p:nvPr>
+        </p:nvSpPr>
+        <p:spPr>
+          <a:xfrm>
+            <a:off x="3884613" y="8685213"/>
+            <a:ext cx="2971800" cy="458787"/>
+          </a:xfrm>
+          <a:prstGeom prst="rect">
+            <a:avLst/>
+          </a:prstGeom>
+        </p:spPr>
+        <p:txBody>
+          <a:bodyPr vert="horz" lIns="91440" tIns="45720" rIns="91440" bIns="45720" rtlCol="0" anchor="b"/>
+          <a:lstStyle>
+            <a:lvl1pPr algn="r">
+              <a:defRPr sz="1200"/>
+            </a:lvl1pPr>
+          </a:lstStyle>
+          <a:p>
+            <a:fld id="{080AB1AD-06F1-4B35-8871-EDD146DFBC3E}" type="slidenum">
+              <a:rPr lang="es-PE" smtClean="0"/>
+              <a:t>‹#›</a:t>
+            </a:fld>
+            <a:endParaRPr lang="es-PE"/>
+          </a:p>
+        </p:txBody>
+      </p:sp>
+    </p:spTree>
+    <p:extLst>
+      <p:ext uri="{BB962C8B-B14F-4D97-AF65-F5344CB8AC3E}">
+        <p14:creationId xmlns:p14="http://schemas.microsoft.com/office/powerpoint/2010/main" val="1040440630"/>
+      </p:ext>
+    </p:extLst>
+  </p:cSld>
+  <p:clrMap bg1="lt1" tx1="dk1" bg2="lt2" tx2="dk2" accent1="accent1" accent2="accent2" accent3="accent3" accent4="accent4" accent5="accent5" accent6="accent6" hlink="hlink" folHlink="folHlink"/>
+  <p:notesStyle>
+    <a:lvl1pPr marL="0" algn="l" defTabSz="914400" rtl="0" eaLnBrk="1" latinLnBrk="0" hangingPunct="1">
+      <a:defRPr sz="1200" kern="1200">
+        <a:solidFill>
+          <a:schemeClr val="tx1"/>
+        </a:solidFill>
+        <a:latin typeface="+mn-lt"/>
+        <a:ea typeface="+mn-ea"/>
+        <a:cs typeface="+mn-cs"/>
+      </a:defRPr>
+    </a:lvl1pPr>
+    <a:lvl2pPr marL="457200" algn="l" defTabSz="914400" rtl="0" eaLnBrk="1" latinLnBrk="0" hangingPunct="1">
+      <a:defRPr sz="1200" kern="1200">
+        <a:solidFill>
+          <a:schemeClr val="tx1"/>
+        </a:solidFill>
+        <a:latin typeface="+mn-lt"/>
+        <a:ea typeface="+mn-ea"/>
+        <a:cs typeface="+mn-cs"/>
+      </a:defRPr>
+    </a:lvl2pPr>
+    <a:lvl3pPr marL="914400" algn="l" defTabSz="914400" rtl="0" eaLnBrk="1" latinLnBrk="0" hangingPunct="1">
+      <a:defRPr sz="1200" kern="1200">
+        <a:solidFill>
+          <a:schemeClr val="tx1"/>
+        </a:solidFill>
+        <a:latin typeface="+mn-lt"/>
+        <a:ea typeface="+mn-ea"/>
+        <a:cs typeface="+mn-cs"/>
+      </a:defRPr>
+    </a:lvl3pPr>
+    <a:lvl4pPr marL="1371600" algn="l" defTabSz="914400" rtl="0" eaLnBrk="1" latinLnBrk="0" hangingPunct="1">
+      <a:defRPr sz="1200" kern="1200">
+        <a:solidFill>
+          <a:schemeClr val="tx1"/>
+        </a:solidFill>
+        <a:latin typeface="+mn-lt"/>
+        <a:ea typeface="+mn-ea"/>
+        <a:cs typeface="+mn-cs"/>
+      </a:defRPr>
+    </a:lvl4pPr>
+    <a:lvl5pPr marL="1828800" algn="l" defTabSz="914400" rtl="0" eaLnBrk="1" latinLnBrk="0" hangingPunct="1">
+      <a:defRPr sz="1200" kern="1200">
+        <a:solidFill>
+          <a:schemeClr val="tx1"/>
+        </a:solidFill>
+        <a:latin typeface="+mn-lt"/>
+        <a:ea typeface="+mn-ea"/>
+        <a:cs typeface="+mn-cs"/>
+      </a:defRPr>
+    </a:lvl5pPr>
+    <a:lvl6pPr marL="2286000" algn="l" defTabSz="914400" rtl="0" eaLnBrk="1" latinLnBrk="0" hangingPunct="1">
+      <a:defRPr sz="1200" kern="1200">
+        <a:solidFill>
+          <a:schemeClr val="tx1"/>
+        </a:solidFill>
+        <a:latin typeface="+mn-lt"/>
+        <a:ea typeface="+mn-ea"/>
+        <a:cs typeface="+mn-cs"/>
+      </a:defRPr>
+    </a:lvl6pPr>
+    <a:lvl7pPr marL="2743200" algn="l" defTabSz="914400" rtl="0" eaLnBrk="1" latinLnBrk="0" hangingPunct="1">
+      <a:defRPr sz="1200" kern="1200">
+        <a:solidFill>
+          <a:schemeClr val="tx1"/>
+        </a:solidFill>
+        <a:latin typeface="+mn-lt"/>
+        <a:ea typeface="+mn-ea"/>
+        <a:cs typeface="+mn-cs"/>
+      </a:defRPr>
+    </a:lvl7pPr>
+    <a:lvl8pPr marL="3200400" algn="l" defTabSz="914400" rtl="0" eaLnBrk="1" latinLnBrk="0" hangingPunct="1">
+      <a:defRPr sz="1200" kern="1200">
+        <a:solidFill>
+          <a:schemeClr val="tx1"/>
+        </a:solidFill>
+        <a:latin typeface="+mn-lt"/>
+        <a:ea typeface="+mn-ea"/>
+        <a:cs typeface="+mn-cs"/>
+      </a:defRPr>
+    </a:lvl8pPr>
+    <a:lvl9pPr marL="3657600" algn="l" defTabSz="914400" rtl="0" eaLnBrk="1" latinLnBrk="0" hangingPunct="1">
+      <a:defRPr sz="1200" kern="1200">
+        <a:solidFill>
+          <a:schemeClr val="tx1"/>
+        </a:solidFill>
+        <a:latin typeface="+mn-lt"/>
+        <a:ea typeface="+mn-ea"/>
+        <a:cs typeface="+mn-cs"/>
+      </a:defRPr>
+    </a:lvl9pPr>
+  </p:notesStyle>
+</p:notesMaster>
 </file>
 
 <file path=ppt/slideLayouts/slideLayout1.xml><?xml version="1.0" encoding="utf-8"?>
@@ -482,7 +2324,7 @@
           <a:p>
             <a:fld id="{0F45E69D-45D3-437D-9848-B55994C2C75F}" type="datetimeFigureOut">
               <a:rPr lang="es-PE" smtClean="0"/>
-              <a:t>20/06/2024</a:t>
+              <a:t>5/07/2024</a:t>
             </a:fld>
             <a:endParaRPr lang="es-PE"/>
           </a:p>
@@ -536,7 +2378,7 @@
           <a:p>
             <a:fld id="{BF4F4355-9F07-47A8-9340-7C37039AA8DB}" type="slidenum">
               <a:rPr lang="es-PE" smtClean="0"/>
-              <a:t>‹Nº›</a:t>
+              <a:t>‹#›</a:t>
             </a:fld>
             <a:endParaRPr lang="es-PE"/>
           </a:p>
@@ -682,7 +2524,7 @@
           <a:p>
             <a:fld id="{0F45E69D-45D3-437D-9848-B55994C2C75F}" type="datetimeFigureOut">
               <a:rPr lang="es-PE" smtClean="0"/>
-              <a:t>20/06/2024</a:t>
+              <a:t>5/07/2024</a:t>
             </a:fld>
             <a:endParaRPr lang="es-PE"/>
           </a:p>
@@ -736,7 +2578,7 @@
           <a:p>
             <a:fld id="{BF4F4355-9F07-47A8-9340-7C37039AA8DB}" type="slidenum">
               <a:rPr lang="es-PE" smtClean="0"/>
-              <a:t>‹Nº›</a:t>
+              <a:t>‹#›</a:t>
             </a:fld>
             <a:endParaRPr lang="es-PE"/>
           </a:p>
@@ -892,7 +2734,7 @@
           <a:p>
             <a:fld id="{0F45E69D-45D3-437D-9848-B55994C2C75F}" type="datetimeFigureOut">
               <a:rPr lang="es-PE" smtClean="0"/>
-              <a:t>20/06/2024</a:t>
+              <a:t>5/07/2024</a:t>
             </a:fld>
             <a:endParaRPr lang="es-PE"/>
           </a:p>
@@ -946,7 +2788,7 @@
           <a:p>
             <a:fld id="{BF4F4355-9F07-47A8-9340-7C37039AA8DB}" type="slidenum">
               <a:rPr lang="es-PE" smtClean="0"/>
-              <a:t>‹Nº›</a:t>
+              <a:t>‹#›</a:t>
             </a:fld>
             <a:endParaRPr lang="es-PE"/>
           </a:p>
@@ -1092,7 +2934,7 @@
           <a:p>
             <a:fld id="{0F45E69D-45D3-437D-9848-B55994C2C75F}" type="datetimeFigureOut">
               <a:rPr lang="es-PE" smtClean="0"/>
-              <a:t>20/06/2024</a:t>
+              <a:t>5/07/2024</a:t>
             </a:fld>
             <a:endParaRPr lang="es-PE"/>
           </a:p>
@@ -1146,7 +2988,7 @@
           <a:p>
             <a:fld id="{BF4F4355-9F07-47A8-9340-7C37039AA8DB}" type="slidenum">
               <a:rPr lang="es-PE" smtClean="0"/>
-              <a:t>‹Nº›</a:t>
+              <a:t>‹#›</a:t>
             </a:fld>
             <a:endParaRPr lang="es-PE"/>
           </a:p>
@@ -1368,7 +3210,7 @@
           <a:p>
             <a:fld id="{0F45E69D-45D3-437D-9848-B55994C2C75F}" type="datetimeFigureOut">
               <a:rPr lang="es-PE" smtClean="0"/>
-              <a:t>20/06/2024</a:t>
+              <a:t>5/07/2024</a:t>
             </a:fld>
             <a:endParaRPr lang="es-PE"/>
           </a:p>
@@ -1422,7 +3264,7 @@
           <a:p>
             <a:fld id="{BF4F4355-9F07-47A8-9340-7C37039AA8DB}" type="slidenum">
               <a:rPr lang="es-PE" smtClean="0"/>
-              <a:t>‹Nº›</a:t>
+              <a:t>‹#›</a:t>
             </a:fld>
             <a:endParaRPr lang="es-PE"/>
           </a:p>
@@ -1636,7 +3478,7 @@
           <a:p>
             <a:fld id="{0F45E69D-45D3-437D-9848-B55994C2C75F}" type="datetimeFigureOut">
               <a:rPr lang="es-PE" smtClean="0"/>
-              <a:t>20/06/2024</a:t>
+              <a:t>5/07/2024</a:t>
             </a:fld>
             <a:endParaRPr lang="es-PE"/>
           </a:p>
@@ -1690,7 +3532,7 @@
           <a:p>
             <a:fld id="{BF4F4355-9F07-47A8-9340-7C37039AA8DB}" type="slidenum">
               <a:rPr lang="es-PE" smtClean="0"/>
-              <a:t>‹Nº›</a:t>
+              <a:t>‹#›</a:t>
             </a:fld>
             <a:endParaRPr lang="es-PE"/>
           </a:p>
@@ -2051,7 +3893,7 @@
           <a:p>
             <a:fld id="{0F45E69D-45D3-437D-9848-B55994C2C75F}" type="datetimeFigureOut">
               <a:rPr lang="es-PE" smtClean="0"/>
-              <a:t>20/06/2024</a:t>
+              <a:t>5/07/2024</a:t>
             </a:fld>
             <a:endParaRPr lang="es-PE"/>
           </a:p>
@@ -2105,7 +3947,7 @@
           <a:p>
             <a:fld id="{BF4F4355-9F07-47A8-9340-7C37039AA8DB}" type="slidenum">
               <a:rPr lang="es-PE" smtClean="0"/>
-              <a:t>‹Nº›</a:t>
+              <a:t>‹#›</a:t>
             </a:fld>
             <a:endParaRPr lang="es-PE"/>
           </a:p>
@@ -2193,7 +4035,7 @@
           <a:p>
             <a:fld id="{0F45E69D-45D3-437D-9848-B55994C2C75F}" type="datetimeFigureOut">
               <a:rPr lang="es-PE" smtClean="0"/>
-              <a:t>20/06/2024</a:t>
+              <a:t>5/07/2024</a:t>
             </a:fld>
             <a:endParaRPr lang="es-PE"/>
           </a:p>
@@ -2247,7 +4089,7 @@
           <a:p>
             <a:fld id="{BF4F4355-9F07-47A8-9340-7C37039AA8DB}" type="slidenum">
               <a:rPr lang="es-PE" smtClean="0"/>
-              <a:t>‹Nº›</a:t>
+              <a:t>‹#›</a:t>
             </a:fld>
             <a:endParaRPr lang="es-PE"/>
           </a:p>
@@ -2306,7 +4148,7 @@
           <a:p>
             <a:fld id="{0F45E69D-45D3-437D-9848-B55994C2C75F}" type="datetimeFigureOut">
               <a:rPr lang="es-PE" smtClean="0"/>
-              <a:t>20/06/2024</a:t>
+              <a:t>5/07/2024</a:t>
             </a:fld>
             <a:endParaRPr lang="es-PE"/>
           </a:p>
@@ -2360,7 +4202,7 @@
           <a:p>
             <a:fld id="{BF4F4355-9F07-47A8-9340-7C37039AA8DB}" type="slidenum">
               <a:rPr lang="es-PE" smtClean="0"/>
-              <a:t>‹Nº›</a:t>
+              <a:t>‹#›</a:t>
             </a:fld>
             <a:endParaRPr lang="es-PE"/>
           </a:p>
@@ -2619,7 +4461,7 @@
           <a:p>
             <a:fld id="{0F45E69D-45D3-437D-9848-B55994C2C75F}" type="datetimeFigureOut">
               <a:rPr lang="es-PE" smtClean="0"/>
-              <a:t>20/06/2024</a:t>
+              <a:t>5/07/2024</a:t>
             </a:fld>
             <a:endParaRPr lang="es-PE"/>
           </a:p>
@@ -2673,7 +4515,7 @@
           <a:p>
             <a:fld id="{BF4F4355-9F07-47A8-9340-7C37039AA8DB}" type="slidenum">
               <a:rPr lang="es-PE" smtClean="0"/>
-              <a:t>‹Nº›</a:t>
+              <a:t>‹#›</a:t>
             </a:fld>
             <a:endParaRPr lang="es-PE"/>
           </a:p>
@@ -2908,7 +4750,7 @@
           <a:p>
             <a:fld id="{0F45E69D-45D3-437D-9848-B55994C2C75F}" type="datetimeFigureOut">
               <a:rPr lang="es-PE" smtClean="0"/>
-              <a:t>20/06/2024</a:t>
+              <a:t>5/07/2024</a:t>
             </a:fld>
             <a:endParaRPr lang="es-PE"/>
           </a:p>
@@ -2962,7 +4804,7 @@
           <a:p>
             <a:fld id="{BF4F4355-9F07-47A8-9340-7C37039AA8DB}" type="slidenum">
               <a:rPr lang="es-PE" smtClean="0"/>
-              <a:t>‹Nº›</a:t>
+              <a:t>‹#›</a:t>
             </a:fld>
             <a:endParaRPr lang="es-PE"/>
           </a:p>
@@ -3151,7 +4993,7 @@
           <a:p>
             <a:fld id="{0F45E69D-45D3-437D-9848-B55994C2C75F}" type="datetimeFigureOut">
               <a:rPr lang="es-PE" smtClean="0"/>
-              <a:t>20/06/2024</a:t>
+              <a:t>5/07/2024</a:t>
             </a:fld>
             <a:endParaRPr lang="es-PE"/>
           </a:p>
@@ -3241,7 +5083,7 @@
           <a:p>
             <a:fld id="{BF4F4355-9F07-47A8-9340-7C37039AA8DB}" type="slidenum">
               <a:rPr lang="es-PE" smtClean="0"/>
-              <a:t>‹Nº›</a:t>
+              <a:t>‹#›</a:t>
             </a:fld>
             <a:endParaRPr lang="es-PE"/>
           </a:p>
@@ -3554,6 +5396,1097 @@
 <file path=ppt/slides/slide1.xml><?xml version="1.0" encoding="utf-8"?>
 <p:sld xmlns:a="http://schemas.openxmlformats.org/drawingml/2006/main" xmlns:r="http://schemas.openxmlformats.org/officeDocument/2006/relationships" xmlns:p="http://schemas.openxmlformats.org/presentationml/2006/main">
   <p:cSld>
+    <p:bg>
+      <p:bgPr>
+        <a:solidFill>
+          <a:schemeClr val="bg1"/>
+        </a:solidFill>
+        <a:effectLst/>
+      </p:bgPr>
+    </p:bg>
+    <p:spTree>
+      <p:nvGrpSpPr>
+        <p:cNvPr id="1" name=""/>
+        <p:cNvGrpSpPr/>
+        <p:nvPr/>
+      </p:nvGrpSpPr>
+      <p:grpSpPr>
+        <a:xfrm>
+          <a:off x="0" y="0"/>
+          <a:ext cx="0" cy="0"/>
+          <a:chOff x="0" y="0"/>
+          <a:chExt cx="0" cy="0"/>
+        </a:xfrm>
+      </p:grpSpPr>
+      <p:cxnSp>
+        <p:nvCxnSpPr>
+          <p:cNvPr id="9" name="Straight Connector 8">
+            <a:extLst>
+              <a:ext uri="{FF2B5EF4-FFF2-40B4-BE49-F238E27FC236}">
+                <a16:creationId xmlns:a16="http://schemas.microsoft.com/office/drawing/2014/main" id="{118E06E4-607B-144B-382B-AD3D06B1EE8C}"/>
+              </a:ext>
+              <a:ext uri="{C183D7F6-B498-43B3-948B-1728B52AA6E4}">
+                <adec:decorative xmlns:adec="http://schemas.microsoft.com/office/drawing/2017/decorative" val="1"/>
+              </a:ext>
+            </a:extLst>
+          </p:cNvPr>
+          <p:cNvCxnSpPr>
+            <a:cxnSpLocks noGrp="1" noRot="1" noChangeAspect="1" noMove="1" noResize="1" noEditPoints="1" noAdjustHandles="1" noChangeArrowheads="1" noChangeShapeType="1"/>
+          </p:cNvCxnSpPr>
+          <p:nvPr>
+            <p:extLst>
+              <p:ext uri="{386F3935-93C4-4BCD-93E2-E3B085C9AB24}">
+                <p16:designElem xmlns:p16="http://schemas.microsoft.com/office/powerpoint/2015/main" val="1"/>
+              </p:ext>
+            </p:extLst>
+          </p:nvPr>
+        </p:nvCxnSpPr>
+        <p:spPr>
+          <a:xfrm>
+            <a:off x="713232" y="1031001"/>
+            <a:ext cx="978862" cy="0"/>
+          </a:xfrm>
+          <a:prstGeom prst="line">
+            <a:avLst/>
+          </a:prstGeom>
+          <a:ln w="76200"/>
+        </p:spPr>
+        <p:style>
+          <a:lnRef idx="1">
+            <a:schemeClr val="accent1"/>
+          </a:lnRef>
+          <a:fillRef idx="0">
+            <a:schemeClr val="accent1"/>
+          </a:fillRef>
+          <a:effectRef idx="0">
+            <a:schemeClr val="accent1"/>
+          </a:effectRef>
+          <a:fontRef idx="minor">
+            <a:schemeClr val="tx1"/>
+          </a:fontRef>
+        </p:style>
+      </p:cxnSp>
+      <p:sp useBgFill="1">
+        <p:nvSpPr>
+          <p:cNvPr id="11" name="Rectangle 10">
+            <a:extLst>
+              <a:ext uri="{FF2B5EF4-FFF2-40B4-BE49-F238E27FC236}">
+                <a16:creationId xmlns:a16="http://schemas.microsoft.com/office/drawing/2014/main" id="{19F9BF86-FE94-4517-B97D-026C7515E589}"/>
+              </a:ext>
+              <a:ext uri="{C183D7F6-B498-43B3-948B-1728B52AA6E4}">
+                <adec:decorative xmlns:adec="http://schemas.microsoft.com/office/drawing/2017/decorative" val="1"/>
+              </a:ext>
+            </a:extLst>
+          </p:cNvPr>
+          <p:cNvSpPr>
+            <a:spLocks noGrp="1" noRot="1" noChangeAspect="1" noMove="1" noResize="1" noEditPoints="1" noAdjustHandles="1" noChangeArrowheads="1" noChangeShapeType="1" noTextEdit="1"/>
+          </p:cNvSpPr>
+          <p:nvPr>
+            <p:extLst>
+              <p:ext uri="{386F3935-93C4-4BCD-93E2-E3B085C9AB24}">
+                <p16:designElem xmlns:p16="http://schemas.microsoft.com/office/powerpoint/2015/main" val="1"/>
+              </p:ext>
+            </p:extLst>
+          </p:nvPr>
+        </p:nvSpPr>
+        <p:spPr>
+          <a:xfrm>
+            <a:off x="0" y="0"/>
+            <a:ext cx="12192000" cy="6858000"/>
+          </a:xfrm>
+          <a:prstGeom prst="rect">
+            <a:avLst/>
+          </a:prstGeom>
+          <a:ln w="12700" cap="flat" cmpd="sng" algn="ctr">
+            <a:noFill/>
+            <a:prstDash val="solid"/>
+            <a:miter lim="800000"/>
+          </a:ln>
+          <a:effectLst/>
+          <a:extLst>
+            <a:ext uri="{91240B29-F687-4F45-9708-019B960494DF}">
+              <a14:hiddenLine xmlns:a14="http://schemas.microsoft.com/office/drawing/2010/main" w="12700" cap="flat" cmpd="sng" algn="ctr">
+                <a:solidFill>
+                  <a:schemeClr val="accent1">
+                    <a:shade val="50000"/>
+                  </a:schemeClr>
+                </a:solidFill>
+                <a:prstDash val="solid"/>
+                <a:miter lim="800000"/>
+              </a14:hiddenLine>
+            </a:ext>
+          </a:extLst>
+        </p:spPr>
+        <p:style>
+          <a:lnRef idx="2">
+            <a:schemeClr val="accent1">
+              <a:shade val="50000"/>
+            </a:schemeClr>
+          </a:lnRef>
+          <a:fillRef idx="1">
+            <a:schemeClr val="accent1"/>
+          </a:fillRef>
+          <a:effectRef idx="0">
+            <a:schemeClr val="accent1"/>
+          </a:effectRef>
+          <a:fontRef idx="minor">
+            <a:schemeClr val="lt1"/>
+          </a:fontRef>
+        </p:style>
+        <p:txBody>
+          <a:bodyPr rtlCol="0" anchor="ctr"/>
+          <a:lstStyle/>
+          <a:p>
+            <a:pPr marL="0" marR="0" lvl="0" indent="0" algn="ctr" defTabSz="914400" rtl="0" eaLnBrk="1" fontAlgn="auto" latinLnBrk="0" hangingPunct="1">
+              <a:lnSpc>
+                <a:spcPct val="100000"/>
+              </a:lnSpc>
+              <a:spcBef>
+                <a:spcPts val="0"/>
+              </a:spcBef>
+              <a:spcAft>
+                <a:spcPts val="0"/>
+              </a:spcAft>
+              <a:buClrTx/>
+              <a:buSzTx/>
+              <a:buFontTx/>
+              <a:buNone/>
+              <a:tabLst/>
+              <a:defRPr/>
+            </a:pPr>
+            <a:endParaRPr kumimoji="0" lang="en-US" sz="1800" b="0" i="0" u="none" strike="noStrike" kern="1200" cap="none" spc="0" normalizeH="0" baseline="0" noProof="0">
+              <a:ln>
+                <a:noFill/>
+              </a:ln>
+              <a:solidFill>
+                <a:prstClr val="white"/>
+              </a:solidFill>
+              <a:effectLst/>
+              <a:uLnTx/>
+              <a:uFillTx/>
+              <a:latin typeface="Grandview Display"/>
+              <a:ea typeface="+mn-ea"/>
+              <a:cs typeface="+mn-cs"/>
+            </a:endParaRPr>
+          </a:p>
+        </p:txBody>
+      </p:sp>
+      <p:pic>
+        <p:nvPicPr>
+          <p:cNvPr id="4" name="Content Placeholder 3" descr="Oil refinery against blue sky">
+            <a:extLst>
+              <a:ext uri="{FF2B5EF4-FFF2-40B4-BE49-F238E27FC236}">
+                <a16:creationId xmlns:a16="http://schemas.microsoft.com/office/drawing/2014/main" id="{DBA30B50-2FC5-4DF2-B401-15618F154021}"/>
+              </a:ext>
+            </a:extLst>
+          </p:cNvPr>
+          <p:cNvPicPr>
+            <a:picLocks noGrp="1" noChangeAspect="1"/>
+          </p:cNvPicPr>
+          <p:nvPr>
+            <p:ph idx="1"/>
+          </p:nvPr>
+        </p:nvPicPr>
+        <p:blipFill rotWithShape="1">
+          <a:blip r:embed="rId2"/>
+          <a:srcRect/>
+          <a:stretch/>
+        </p:blipFill>
+        <p:spPr>
+          <a:xfrm>
+            <a:off x="1" y="10"/>
+            <a:ext cx="12192000" cy="6857990"/>
+          </a:xfrm>
+          <a:prstGeom prst="rect">
+            <a:avLst/>
+          </a:prstGeom>
+        </p:spPr>
+      </p:pic>
+      <p:sp>
+        <p:nvSpPr>
+          <p:cNvPr id="13" name="Rectangle 12">
+            <a:extLst>
+              <a:ext uri="{FF2B5EF4-FFF2-40B4-BE49-F238E27FC236}">
+                <a16:creationId xmlns:a16="http://schemas.microsoft.com/office/drawing/2014/main" id="{36136311-C81B-47C5-AE0A-5641A5A59520}"/>
+              </a:ext>
+              <a:ext uri="{C183D7F6-B498-43B3-948B-1728B52AA6E4}">
+                <adec:decorative xmlns:adec="http://schemas.microsoft.com/office/drawing/2017/decorative" val="1"/>
+              </a:ext>
+            </a:extLst>
+          </p:cNvPr>
+          <p:cNvSpPr>
+            <a:spLocks noGrp="1" noRot="1" noChangeAspect="1" noMove="1" noResize="1" noEditPoints="1" noAdjustHandles="1" noChangeArrowheads="1" noChangeShapeType="1" noTextEdit="1"/>
+          </p:cNvSpPr>
+          <p:nvPr>
+            <p:extLst>
+              <p:ext uri="{386F3935-93C4-4BCD-93E2-E3B085C9AB24}">
+                <p16:designElem xmlns:p16="http://schemas.microsoft.com/office/powerpoint/2015/main" val="1"/>
+              </p:ext>
+            </p:extLst>
+          </p:nvPr>
+        </p:nvSpPr>
+        <p:spPr>
+          <a:xfrm>
+            <a:off x="294444" y="1066800"/>
+            <a:ext cx="4682990" cy="4724400"/>
+          </a:xfrm>
+          <a:prstGeom prst="rect">
+            <a:avLst/>
+          </a:prstGeom>
+          <a:solidFill>
+            <a:schemeClr val="bg1">
+              <a:alpha val="40000"/>
+            </a:schemeClr>
+          </a:solidFill>
+          <a:ln w="12700" cap="flat" cmpd="sng" algn="ctr">
+            <a:noFill/>
+            <a:prstDash val="solid"/>
+            <a:miter lim="800000"/>
+          </a:ln>
+          <a:effectLst/>
+        </p:spPr>
+        <p:style>
+          <a:lnRef idx="2">
+            <a:schemeClr val="accent1">
+              <a:shade val="50000"/>
+            </a:schemeClr>
+          </a:lnRef>
+          <a:fillRef idx="1">
+            <a:schemeClr val="accent1"/>
+          </a:fillRef>
+          <a:effectRef idx="0">
+            <a:schemeClr val="accent1"/>
+          </a:effectRef>
+          <a:fontRef idx="minor">
+            <a:schemeClr val="lt1"/>
+          </a:fontRef>
+        </p:style>
+        <p:txBody>
+          <a:bodyPr rtlCol="0" anchor="ctr"/>
+          <a:lstStyle/>
+          <a:p>
+            <a:pPr marL="0" marR="0" lvl="0" indent="0" algn="ctr" defTabSz="914400" rtl="0" eaLnBrk="1" fontAlgn="auto" latinLnBrk="0" hangingPunct="1">
+              <a:lnSpc>
+                <a:spcPct val="100000"/>
+              </a:lnSpc>
+              <a:spcBef>
+                <a:spcPts val="0"/>
+              </a:spcBef>
+              <a:spcAft>
+                <a:spcPts val="0"/>
+              </a:spcAft>
+              <a:buClrTx/>
+              <a:buSzTx/>
+              <a:buFontTx/>
+              <a:buNone/>
+              <a:tabLst/>
+              <a:defRPr/>
+            </a:pPr>
+            <a:endParaRPr kumimoji="0" lang="en-US" sz="1800" b="0" i="0" u="none" strike="noStrike" kern="1200" cap="none" spc="0" normalizeH="0" baseline="0" noProof="0">
+              <a:ln>
+                <a:noFill/>
+              </a:ln>
+              <a:solidFill>
+                <a:prstClr val="white"/>
+              </a:solidFill>
+              <a:effectLst/>
+              <a:uLnTx/>
+              <a:uFillTx/>
+              <a:latin typeface="Grandview Display"/>
+              <a:ea typeface="+mn-ea"/>
+              <a:cs typeface="+mn-cs"/>
+            </a:endParaRPr>
+          </a:p>
+        </p:txBody>
+      </p:sp>
+      <p:sp>
+        <p:nvSpPr>
+          <p:cNvPr id="2" name="Title 1">
+            <a:extLst>
+              <a:ext uri="{FF2B5EF4-FFF2-40B4-BE49-F238E27FC236}">
+                <a16:creationId xmlns:a16="http://schemas.microsoft.com/office/drawing/2014/main" id="{C73D25E4-A3B0-535F-AC68-F9735F2DD7D7}"/>
+              </a:ext>
+            </a:extLst>
+          </p:cNvPr>
+          <p:cNvSpPr>
+            <a:spLocks noGrp="1"/>
+          </p:cNvSpPr>
+          <p:nvPr>
+            <p:ph type="title"/>
+          </p:nvPr>
+        </p:nvSpPr>
+        <p:spPr>
+          <a:xfrm>
+            <a:off x="804818" y="1562101"/>
+            <a:ext cx="3905203" cy="2738530"/>
+          </a:xfrm>
+        </p:spPr>
+        <p:txBody>
+          <a:bodyPr vert="horz" lIns="91440" tIns="45720" rIns="91440" bIns="45720" rtlCol="0" anchor="t">
+            <a:normAutofit/>
+          </a:bodyPr>
+          <a:lstStyle/>
+          <a:p>
+            <a:pPr>
+              <a:lnSpc>
+                <a:spcPct val="100000"/>
+              </a:lnSpc>
+            </a:pPr>
+            <a:r>
+              <a:rPr lang="en-US" sz="4600" b="1" kern="1200" dirty="0">
+                <a:solidFill>
+                  <a:schemeClr val="tx1"/>
+                </a:solidFill>
+                <a:latin typeface="+mn-lt"/>
+                <a:ea typeface="+mj-ea"/>
+                <a:cs typeface="+mj-cs"/>
+              </a:rPr>
+              <a:t>NATURAL GAS</a:t>
+            </a:r>
+            <a:br>
+              <a:rPr lang="en-US" sz="4600" b="1" kern="1200" dirty="0">
+                <a:solidFill>
+                  <a:schemeClr val="tx1"/>
+                </a:solidFill>
+                <a:latin typeface="+mn-lt"/>
+                <a:ea typeface="+mj-ea"/>
+                <a:cs typeface="+mj-cs"/>
+              </a:rPr>
+            </a:br>
+            <a:r>
+              <a:rPr lang="en-US" sz="2000" b="1" kern="1200" dirty="0">
+                <a:solidFill>
+                  <a:schemeClr val="tx1"/>
+                </a:solidFill>
+                <a:latin typeface="+mn-lt"/>
+                <a:ea typeface="+mj-ea"/>
+                <a:cs typeface="+mj-cs"/>
+              </a:rPr>
+              <a:t>Niels Mejía Ibarra</a:t>
+            </a:r>
+            <a:endParaRPr lang="en-US" sz="4600" b="1" kern="1200" dirty="0">
+              <a:solidFill>
+                <a:schemeClr val="tx1"/>
+              </a:solidFill>
+              <a:latin typeface="+mn-lt"/>
+              <a:ea typeface="+mj-ea"/>
+              <a:cs typeface="+mj-cs"/>
+            </a:endParaRPr>
+          </a:p>
+        </p:txBody>
+      </p:sp>
+      <p:cxnSp>
+        <p:nvCxnSpPr>
+          <p:cNvPr id="15" name="Straight Connector 14">
+            <a:extLst>
+              <a:ext uri="{FF2B5EF4-FFF2-40B4-BE49-F238E27FC236}">
+                <a16:creationId xmlns:a16="http://schemas.microsoft.com/office/drawing/2014/main" id="{7CC73A33-65FF-41A9-A3B0-006753CD1028}"/>
+              </a:ext>
+              <a:ext uri="{C183D7F6-B498-43B3-948B-1728B52AA6E4}">
+                <adec:decorative xmlns:adec="http://schemas.microsoft.com/office/drawing/2017/decorative" val="1"/>
+              </a:ext>
+            </a:extLst>
+          </p:cNvPr>
+          <p:cNvCxnSpPr>
+            <a:cxnSpLocks noGrp="1" noRot="1" noChangeAspect="1" noMove="1" noResize="1" noEditPoints="1" noAdjustHandles="1" noChangeArrowheads="1" noChangeShapeType="1"/>
+          </p:cNvCxnSpPr>
+          <p:nvPr>
+            <p:extLst>
+              <p:ext uri="{386F3935-93C4-4BCD-93E2-E3B085C9AB24}">
+                <p16:designElem xmlns:p16="http://schemas.microsoft.com/office/powerpoint/2015/main" val="1"/>
+              </p:ext>
+            </p:extLst>
+          </p:nvPr>
+        </p:nvCxnSpPr>
+        <p:spPr>
+          <a:xfrm rot="10800000" flipV="1">
+            <a:off x="305077" y="1063752"/>
+            <a:ext cx="0" cy="4727448"/>
+          </a:xfrm>
+          <a:prstGeom prst="line">
+            <a:avLst/>
+          </a:prstGeom>
+          <a:ln w="76200"/>
+        </p:spPr>
+        <p:style>
+          <a:lnRef idx="1">
+            <a:schemeClr val="accent1"/>
+          </a:lnRef>
+          <a:fillRef idx="0">
+            <a:schemeClr val="accent1"/>
+          </a:fillRef>
+          <a:effectRef idx="0">
+            <a:schemeClr val="accent1"/>
+          </a:effectRef>
+          <a:fontRef idx="minor">
+            <a:schemeClr val="tx1"/>
+          </a:fontRef>
+        </p:style>
+      </p:cxnSp>
+      <p:sp>
+        <p:nvSpPr>
+          <p:cNvPr id="8" name="TextBox 7">
+            <a:extLst>
+              <a:ext uri="{FF2B5EF4-FFF2-40B4-BE49-F238E27FC236}">
+                <a16:creationId xmlns:a16="http://schemas.microsoft.com/office/drawing/2014/main" id="{640A037F-26E2-2526-1A63-B3078DE9815F}"/>
+              </a:ext>
+            </a:extLst>
+          </p:cNvPr>
+          <p:cNvSpPr txBox="1"/>
+          <p:nvPr/>
+        </p:nvSpPr>
+        <p:spPr>
+          <a:xfrm>
+            <a:off x="2314772" y="125397"/>
+            <a:ext cx="7562456" cy="830997"/>
+          </a:xfrm>
+          <a:prstGeom prst="rect">
+            <a:avLst/>
+          </a:prstGeom>
+          <a:noFill/>
+        </p:spPr>
+        <p:txBody>
+          <a:bodyPr wrap="none" rtlCol="0">
+            <a:spAutoFit/>
+          </a:bodyPr>
+          <a:lstStyle/>
+          <a:p>
+            <a:pPr algn="ctr"/>
+            <a:r>
+              <a:rPr lang="es-PE" sz="2400" b="1" dirty="0"/>
+              <a:t>UNIVERSIDAD NACIONAL DE INGENIERÍA</a:t>
+            </a:r>
+          </a:p>
+          <a:p>
+            <a:pPr algn="ctr"/>
+            <a:r>
+              <a:rPr lang="es-PE" sz="2400" b="1" dirty="0"/>
+              <a:t>FACULTAD DE PETRÓLEO, GAS NATURAL Y PETROQUÍMICA</a:t>
+            </a:r>
+          </a:p>
+        </p:txBody>
+      </p:sp>
+    </p:spTree>
+    <p:extLst>
+      <p:ext uri="{BB962C8B-B14F-4D97-AF65-F5344CB8AC3E}">
+        <p14:creationId xmlns:p14="http://schemas.microsoft.com/office/powerpoint/2010/main" val="2905368640"/>
+      </p:ext>
+    </p:extLst>
+  </p:cSld>
+  <p:clrMapOvr>
+    <a:overrideClrMapping bg1="dk1" tx1="lt1" bg2="dk2" tx2="lt2" accent1="accent1" accent2="accent2" accent3="accent3" accent4="accent4" accent5="accent5" accent6="accent6" hlink="hlink" folHlink="folHlink"/>
+  </p:clrMapOvr>
+</p:sld>
+</file>
+
+<file path=ppt/slides/slide2.xml><?xml version="1.0" encoding="utf-8"?>
+<p:sld xmlns:a="http://schemas.openxmlformats.org/drawingml/2006/main" xmlns:r="http://schemas.openxmlformats.org/officeDocument/2006/relationships" xmlns:p="http://schemas.openxmlformats.org/presentationml/2006/main">
+  <p:cSld>
+    <p:bg>
+      <p:bgPr>
+        <a:solidFill>
+          <a:schemeClr val="bg1"/>
+        </a:solidFill>
+        <a:effectLst/>
+      </p:bgPr>
+    </p:bg>
+    <p:spTree>
+      <p:nvGrpSpPr>
+        <p:cNvPr id="1" name=""/>
+        <p:cNvGrpSpPr/>
+        <p:nvPr/>
+      </p:nvGrpSpPr>
+      <p:grpSpPr>
+        <a:xfrm>
+          <a:off x="0" y="0"/>
+          <a:ext cx="0" cy="0"/>
+          <a:chOff x="0" y="0"/>
+          <a:chExt cx="0" cy="0"/>
+        </a:xfrm>
+      </p:grpSpPr>
+      <p:sp useBgFill="1">
+        <p:nvSpPr>
+          <p:cNvPr id="81" name="Rectangle 80">
+            <a:extLst>
+              <a:ext uri="{FF2B5EF4-FFF2-40B4-BE49-F238E27FC236}">
+                <a16:creationId xmlns:a16="http://schemas.microsoft.com/office/drawing/2014/main" id="{F13C74B1-5B17-4795-BED0-7140497B445A}"/>
+              </a:ext>
+              <a:ext uri="{C183D7F6-B498-43B3-948B-1728B52AA6E4}">
+                <adec:decorative xmlns:adec="http://schemas.microsoft.com/office/drawing/2017/decorative" val="1"/>
+              </a:ext>
+            </a:extLst>
+          </p:cNvPr>
+          <p:cNvSpPr>
+            <a:spLocks noGrp="1" noRot="1" noChangeAspect="1" noMove="1" noResize="1" noEditPoints="1" noAdjustHandles="1" noChangeArrowheads="1" noChangeShapeType="1" noTextEdit="1"/>
+          </p:cNvSpPr>
+          <p:nvPr>
+            <p:extLst>
+              <p:ext uri="{386F3935-93C4-4BCD-93E2-E3B085C9AB24}">
+                <p16:designElem xmlns:p16="http://schemas.microsoft.com/office/powerpoint/2015/main" val="1"/>
+              </p:ext>
+            </p:extLst>
+          </p:nvPr>
+        </p:nvSpPr>
+        <p:spPr>
+          <a:xfrm>
+            <a:off x="0" y="0"/>
+            <a:ext cx="12188952" cy="6858000"/>
+          </a:xfrm>
+          <a:prstGeom prst="rect">
+            <a:avLst/>
+          </a:prstGeom>
+          <a:ln>
+            <a:noFill/>
+          </a:ln>
+        </p:spPr>
+        <p:style>
+          <a:lnRef idx="2">
+            <a:schemeClr val="accent1">
+              <a:shade val="50000"/>
+            </a:schemeClr>
+          </a:lnRef>
+          <a:fillRef idx="1">
+            <a:schemeClr val="accent1"/>
+          </a:fillRef>
+          <a:effectRef idx="0">
+            <a:schemeClr val="accent1"/>
+          </a:effectRef>
+          <a:fontRef idx="minor">
+            <a:schemeClr val="lt1"/>
+          </a:fontRef>
+        </p:style>
+        <p:txBody>
+          <a:bodyPr rtlCol="0" anchor="ctr"/>
+          <a:lstStyle/>
+          <a:p>
+            <a:pPr algn="ctr"/>
+            <a:endParaRPr lang="en-US"/>
+          </a:p>
+        </p:txBody>
+      </p:sp>
+      <p:sp>
+        <p:nvSpPr>
+          <p:cNvPr id="2" name="Title 1">
+            <a:extLst>
+              <a:ext uri="{FF2B5EF4-FFF2-40B4-BE49-F238E27FC236}">
+                <a16:creationId xmlns:a16="http://schemas.microsoft.com/office/drawing/2014/main" id="{80B80E48-8C56-5D2C-F842-E94BDB679228}"/>
+              </a:ext>
+            </a:extLst>
+          </p:cNvPr>
+          <p:cNvSpPr>
+            <a:spLocks noGrp="1"/>
+          </p:cNvSpPr>
+          <p:nvPr>
+            <p:ph type="title"/>
+          </p:nvPr>
+        </p:nvSpPr>
+        <p:spPr>
+          <a:xfrm>
+            <a:off x="640080" y="325369"/>
+            <a:ext cx="4368602" cy="1956841"/>
+          </a:xfrm>
+        </p:spPr>
+        <p:txBody>
+          <a:bodyPr anchor="b">
+            <a:normAutofit/>
+          </a:bodyPr>
+          <a:lstStyle/>
+          <a:p>
+            <a:r>
+              <a:rPr lang="es-PE" sz="5000" b="1"/>
+              <a:t>COGENERATION UNIT</a:t>
+            </a:r>
+          </a:p>
+        </p:txBody>
+      </p:sp>
+      <p:sp>
+        <p:nvSpPr>
+          <p:cNvPr id="82" name="sketchy line">
+            <a:extLst>
+              <a:ext uri="{FF2B5EF4-FFF2-40B4-BE49-F238E27FC236}">
+                <a16:creationId xmlns:a16="http://schemas.microsoft.com/office/drawing/2014/main" id="{D4974D33-8DC5-464E-8C6D-BE58F0669C17}"/>
+              </a:ext>
+              <a:ext uri="{C183D7F6-B498-43B3-948B-1728B52AA6E4}">
+                <adec:decorative xmlns:adec="http://schemas.microsoft.com/office/drawing/2017/decorative" val="1"/>
+              </a:ext>
+            </a:extLst>
+          </p:cNvPr>
+          <p:cNvSpPr>
+            <a:spLocks noGrp="1" noRot="1" noChangeAspect="1" noMove="1" noResize="1" noEditPoints="1" noAdjustHandles="1" noChangeArrowheads="1" noChangeShapeType="1" noTextEdit="1"/>
+          </p:cNvSpPr>
+          <p:nvPr>
+            <p:extLst>
+              <p:ext uri="{386F3935-93C4-4BCD-93E2-E3B085C9AB24}">
+                <p16:designElem xmlns:p16="http://schemas.microsoft.com/office/powerpoint/2015/main" val="1"/>
+              </p:ext>
+            </p:extLst>
+          </p:nvPr>
+        </p:nvSpPr>
+        <p:spPr>
+          <a:xfrm>
+            <a:off x="640080" y="2586994"/>
+            <a:ext cx="3474720" cy="18288"/>
+          </a:xfrm>
+          <a:custGeom>
+            <a:avLst/>
+            <a:gdLst>
+              <a:gd name="connsiteX0" fmla="*/ 0 w 3474720"/>
+              <a:gd name="connsiteY0" fmla="*/ 0 h 18288"/>
+              <a:gd name="connsiteX1" fmla="*/ 694944 w 3474720"/>
+              <a:gd name="connsiteY1" fmla="*/ 0 h 18288"/>
+              <a:gd name="connsiteX2" fmla="*/ 1355141 w 3474720"/>
+              <a:gd name="connsiteY2" fmla="*/ 0 h 18288"/>
+              <a:gd name="connsiteX3" fmla="*/ 2015338 w 3474720"/>
+              <a:gd name="connsiteY3" fmla="*/ 0 h 18288"/>
+              <a:gd name="connsiteX4" fmla="*/ 2779776 w 3474720"/>
+              <a:gd name="connsiteY4" fmla="*/ 0 h 18288"/>
+              <a:gd name="connsiteX5" fmla="*/ 3474720 w 3474720"/>
+              <a:gd name="connsiteY5" fmla="*/ 0 h 18288"/>
+              <a:gd name="connsiteX6" fmla="*/ 3474720 w 3474720"/>
+              <a:gd name="connsiteY6" fmla="*/ 18288 h 18288"/>
+              <a:gd name="connsiteX7" fmla="*/ 2779776 w 3474720"/>
+              <a:gd name="connsiteY7" fmla="*/ 18288 h 18288"/>
+              <a:gd name="connsiteX8" fmla="*/ 2189074 w 3474720"/>
+              <a:gd name="connsiteY8" fmla="*/ 18288 h 18288"/>
+              <a:gd name="connsiteX9" fmla="*/ 1528877 w 3474720"/>
+              <a:gd name="connsiteY9" fmla="*/ 18288 h 18288"/>
+              <a:gd name="connsiteX10" fmla="*/ 868680 w 3474720"/>
+              <a:gd name="connsiteY10" fmla="*/ 18288 h 18288"/>
+              <a:gd name="connsiteX11" fmla="*/ 0 w 3474720"/>
+              <a:gd name="connsiteY11" fmla="*/ 18288 h 18288"/>
+              <a:gd name="connsiteX12" fmla="*/ 0 w 3474720"/>
+              <a:gd name="connsiteY12" fmla="*/ 0 h 18288"/>
+            </a:gdLst>
+            <a:ahLst/>
+            <a:cxnLst>
+              <a:cxn ang="0">
+                <a:pos x="connsiteX0" y="connsiteY0"/>
+              </a:cxn>
+              <a:cxn ang="0">
+                <a:pos x="connsiteX1" y="connsiteY1"/>
+              </a:cxn>
+              <a:cxn ang="0">
+                <a:pos x="connsiteX2" y="connsiteY2"/>
+              </a:cxn>
+              <a:cxn ang="0">
+                <a:pos x="connsiteX3" y="connsiteY3"/>
+              </a:cxn>
+              <a:cxn ang="0">
+                <a:pos x="connsiteX4" y="connsiteY4"/>
+              </a:cxn>
+              <a:cxn ang="0">
+                <a:pos x="connsiteX5" y="connsiteY5"/>
+              </a:cxn>
+              <a:cxn ang="0">
+                <a:pos x="connsiteX6" y="connsiteY6"/>
+              </a:cxn>
+              <a:cxn ang="0">
+                <a:pos x="connsiteX7" y="connsiteY7"/>
+              </a:cxn>
+              <a:cxn ang="0">
+                <a:pos x="connsiteX8" y="connsiteY8"/>
+              </a:cxn>
+              <a:cxn ang="0">
+                <a:pos x="connsiteX9" y="connsiteY9"/>
+              </a:cxn>
+              <a:cxn ang="0">
+                <a:pos x="connsiteX10" y="connsiteY10"/>
+              </a:cxn>
+              <a:cxn ang="0">
+                <a:pos x="connsiteX11" y="connsiteY11"/>
+              </a:cxn>
+              <a:cxn ang="0">
+                <a:pos x="connsiteX12" y="connsiteY12"/>
+              </a:cxn>
+            </a:cxnLst>
+            <a:rect l="l" t="t" r="r" b="b"/>
+            <a:pathLst>
+              <a:path w="3474720" h="18288" fill="none" extrusionOk="0">
+                <a:moveTo>
+                  <a:pt x="0" y="0"/>
+                </a:moveTo>
+                <a:cubicBezTo>
+                  <a:pt x="224454" y="-14544"/>
+                  <a:pt x="495407" y="26540"/>
+                  <a:pt x="694944" y="0"/>
+                </a:cubicBezTo>
+                <a:cubicBezTo>
+                  <a:pt x="894481" y="-26540"/>
+                  <a:pt x="1130063" y="24713"/>
+                  <a:pt x="1355141" y="0"/>
+                </a:cubicBezTo>
+                <a:cubicBezTo>
+                  <a:pt x="1580219" y="-24713"/>
+                  <a:pt x="1820099" y="26695"/>
+                  <a:pt x="2015338" y="0"/>
+                </a:cubicBezTo>
+                <a:cubicBezTo>
+                  <a:pt x="2210577" y="-26695"/>
+                  <a:pt x="2402045" y="165"/>
+                  <a:pt x="2779776" y="0"/>
+                </a:cubicBezTo>
+                <a:cubicBezTo>
+                  <a:pt x="3157507" y="-165"/>
+                  <a:pt x="3286859" y="-15571"/>
+                  <a:pt x="3474720" y="0"/>
+                </a:cubicBezTo>
+                <a:cubicBezTo>
+                  <a:pt x="3474286" y="7551"/>
+                  <a:pt x="3474253" y="9822"/>
+                  <a:pt x="3474720" y="18288"/>
+                </a:cubicBezTo>
+                <a:cubicBezTo>
+                  <a:pt x="3233904" y="29845"/>
+                  <a:pt x="2945134" y="-5256"/>
+                  <a:pt x="2779776" y="18288"/>
+                </a:cubicBezTo>
+                <a:cubicBezTo>
+                  <a:pt x="2614418" y="41832"/>
+                  <a:pt x="2339768" y="22709"/>
+                  <a:pt x="2189074" y="18288"/>
+                </a:cubicBezTo>
+                <a:cubicBezTo>
+                  <a:pt x="2038380" y="13867"/>
+                  <a:pt x="1817434" y="-4947"/>
+                  <a:pt x="1528877" y="18288"/>
+                </a:cubicBezTo>
+                <a:cubicBezTo>
+                  <a:pt x="1240320" y="41523"/>
+                  <a:pt x="1042447" y="37198"/>
+                  <a:pt x="868680" y="18288"/>
+                </a:cubicBezTo>
+                <a:cubicBezTo>
+                  <a:pt x="694913" y="-622"/>
+                  <a:pt x="233232" y="44909"/>
+                  <a:pt x="0" y="18288"/>
+                </a:cubicBezTo>
+                <a:cubicBezTo>
+                  <a:pt x="60" y="11696"/>
+                  <a:pt x="66" y="3758"/>
+                  <a:pt x="0" y="0"/>
+                </a:cubicBezTo>
+                <a:close/>
+              </a:path>
+              <a:path w="3474720" h="18288" stroke="0" extrusionOk="0">
+                <a:moveTo>
+                  <a:pt x="0" y="0"/>
+                </a:moveTo>
+                <a:cubicBezTo>
+                  <a:pt x="202328" y="-14716"/>
+                  <a:pt x="332722" y="-11499"/>
+                  <a:pt x="625450" y="0"/>
+                </a:cubicBezTo>
+                <a:cubicBezTo>
+                  <a:pt x="918178" y="11499"/>
+                  <a:pt x="1096688" y="5123"/>
+                  <a:pt x="1389888" y="0"/>
+                </a:cubicBezTo>
+                <a:cubicBezTo>
+                  <a:pt x="1683088" y="-5123"/>
+                  <a:pt x="1835981" y="-14038"/>
+                  <a:pt x="1980590" y="0"/>
+                </a:cubicBezTo>
+                <a:cubicBezTo>
+                  <a:pt x="2125199" y="14038"/>
+                  <a:pt x="2396099" y="-7203"/>
+                  <a:pt x="2571293" y="0"/>
+                </a:cubicBezTo>
+                <a:cubicBezTo>
+                  <a:pt x="2746487" y="7203"/>
+                  <a:pt x="3041609" y="-12036"/>
+                  <a:pt x="3474720" y="0"/>
+                </a:cubicBezTo>
+                <a:cubicBezTo>
+                  <a:pt x="3474638" y="4406"/>
+                  <a:pt x="3474631" y="9982"/>
+                  <a:pt x="3474720" y="18288"/>
+                </a:cubicBezTo>
+                <a:cubicBezTo>
+                  <a:pt x="3324873" y="21876"/>
+                  <a:pt x="3136771" y="12587"/>
+                  <a:pt x="2814523" y="18288"/>
+                </a:cubicBezTo>
+                <a:cubicBezTo>
+                  <a:pt x="2492275" y="23989"/>
+                  <a:pt x="2294402" y="47111"/>
+                  <a:pt x="2154326" y="18288"/>
+                </a:cubicBezTo>
+                <a:cubicBezTo>
+                  <a:pt x="2014250" y="-10535"/>
+                  <a:pt x="1820317" y="33903"/>
+                  <a:pt x="1494130" y="18288"/>
+                </a:cubicBezTo>
+                <a:cubicBezTo>
+                  <a:pt x="1167943" y="2673"/>
+                  <a:pt x="948432" y="14868"/>
+                  <a:pt x="729691" y="18288"/>
+                </a:cubicBezTo>
+                <a:cubicBezTo>
+                  <a:pt x="510950" y="21708"/>
+                  <a:pt x="264032" y="24354"/>
+                  <a:pt x="0" y="18288"/>
+                </a:cubicBezTo>
+                <a:cubicBezTo>
+                  <a:pt x="189" y="14288"/>
+                  <a:pt x="-703" y="3747"/>
+                  <a:pt x="0" y="0"/>
+                </a:cubicBezTo>
+                <a:close/>
+              </a:path>
+            </a:pathLst>
+          </a:custGeom>
+          <a:solidFill>
+            <a:schemeClr val="accent2"/>
+          </a:solidFill>
+          <a:ln w="44450" cap="rnd">
+            <a:solidFill>
+              <a:schemeClr val="accent2"/>
+            </a:solidFill>
+            <a:round/>
+            <a:extLst>
+              <a:ext uri="{C807C97D-BFC1-408E-A445-0C87EB9F89A2}">
+                <ask:lineSketchStyleProps xmlns:ask="http://schemas.microsoft.com/office/drawing/2018/sketchyshapes" sd="2863741219">
+                  <a:prstGeom prst="rect">
+                    <a:avLst/>
+                  </a:prstGeom>
+                  <ask:type>
+                    <ask:lineSketchFreehand/>
+                  </ask:type>
+                </ask:lineSketchStyleProps>
+              </a:ext>
+            </a:extLst>
+          </a:ln>
+        </p:spPr>
+        <p:style>
+          <a:lnRef idx="2">
+            <a:schemeClr val="accent1">
+              <a:shade val="50000"/>
+            </a:schemeClr>
+          </a:lnRef>
+          <a:fillRef idx="1">
+            <a:schemeClr val="accent1"/>
+          </a:fillRef>
+          <a:effectRef idx="0">
+            <a:schemeClr val="accent1"/>
+          </a:effectRef>
+          <a:fontRef idx="minor">
+            <a:schemeClr val="lt1"/>
+          </a:fontRef>
+        </p:style>
+        <p:txBody>
+          <a:bodyPr rtlCol="0" anchor="ctr"/>
+          <a:lstStyle/>
+          <a:p>
+            <a:pPr algn="ctr"/>
+            <a:endParaRPr lang="en-US"/>
+          </a:p>
+        </p:txBody>
+      </p:sp>
+      <p:sp>
+        <p:nvSpPr>
+          <p:cNvPr id="3" name="Content Placeholder 2">
+            <a:extLst>
+              <a:ext uri="{FF2B5EF4-FFF2-40B4-BE49-F238E27FC236}">
+                <a16:creationId xmlns:a16="http://schemas.microsoft.com/office/drawing/2014/main" id="{4B47D418-474F-C17C-420B-164FA3EEC64D}"/>
+              </a:ext>
+            </a:extLst>
+          </p:cNvPr>
+          <p:cNvSpPr>
+            <a:spLocks noGrp="1"/>
+          </p:cNvSpPr>
+          <p:nvPr>
+            <p:ph idx="1"/>
+          </p:nvPr>
+        </p:nvSpPr>
+        <p:spPr>
+          <a:xfrm>
+            <a:off x="640080" y="2872899"/>
+            <a:ext cx="4243589" cy="3320668"/>
+          </a:xfrm>
+        </p:spPr>
+        <p:txBody>
+          <a:bodyPr>
+            <a:normAutofit/>
+          </a:bodyPr>
+          <a:lstStyle/>
+          <a:p>
+            <a:pPr marL="0" indent="0" algn="just">
+              <a:buNone/>
+            </a:pPr>
+            <a:r>
+              <a:rPr lang="en-US" sz="2000" dirty="0"/>
+              <a:t>A cogeneration unit, also known as a combined heat and power (CHP) system, is an energy-efficient system that simultaneously generates electricity and useful thermal energy from a single fuel source. This dual-generation process makes cogeneration units highly efficient compared to traditional methods of electricity and heat production, which are typically separate and less efficient.</a:t>
+            </a:r>
+            <a:endParaRPr lang="es-PE" sz="2000" dirty="0"/>
+          </a:p>
+        </p:txBody>
+      </p:sp>
+      <p:pic>
+        <p:nvPicPr>
+          <p:cNvPr id="5" name="Picture 4" descr="A large machine in a factory">
+            <a:extLst>
+              <a:ext uri="{FF2B5EF4-FFF2-40B4-BE49-F238E27FC236}">
+                <a16:creationId xmlns:a16="http://schemas.microsoft.com/office/drawing/2014/main" id="{CE73DAB9-6F2C-B51D-368B-9F0493CE8E54}"/>
+              </a:ext>
+            </a:extLst>
+          </p:cNvPr>
+          <p:cNvPicPr>
+            <a:picLocks noChangeAspect="1"/>
+          </p:cNvPicPr>
+          <p:nvPr/>
+        </p:nvPicPr>
+        <p:blipFill rotWithShape="1">
+          <a:blip r:embed="rId2">
+            <a:extLst>
+              <a:ext uri="{28A0092B-C50C-407E-A947-70E740481C1C}">
+                <a14:useLocalDpi xmlns:a14="http://schemas.microsoft.com/office/drawing/2010/main" val="0"/>
+              </a:ext>
+              <a:ext uri="{837473B0-CC2E-450A-ABE3-18F120FF3D39}">
+                <a1611:picAttrSrcUrl xmlns:a1611="http://schemas.microsoft.com/office/drawing/2016/11/main" r:id="rId3"/>
+              </a:ext>
+            </a:extLst>
+          </a:blip>
+          <a:srcRect l="17212" r="7561"/>
+          <a:stretch/>
+        </p:blipFill>
+        <p:spPr>
+          <a:xfrm>
+            <a:off x="5311702" y="10"/>
+            <a:ext cx="6878775" cy="6857990"/>
+          </a:xfrm>
+          <a:custGeom>
+            <a:avLst/>
+            <a:gdLst/>
+            <a:ahLst/>
+            <a:cxnLst/>
+            <a:rect l="l" t="t" r="r" b="b"/>
+            <a:pathLst>
+              <a:path w="6878775" h="6858000">
+                <a:moveTo>
+                  <a:pt x="1102973" y="0"/>
+                </a:moveTo>
+                <a:lnTo>
+                  <a:pt x="1160688" y="0"/>
+                </a:lnTo>
+                <a:lnTo>
+                  <a:pt x="983189" y="331786"/>
+                </a:lnTo>
+                <a:cubicBezTo>
+                  <a:pt x="914866" y="469145"/>
+                  <a:pt x="850355" y="608712"/>
+                  <a:pt x="789261" y="750263"/>
+                </a:cubicBezTo>
+                <a:cubicBezTo>
+                  <a:pt x="774307" y="784928"/>
+                  <a:pt x="759992" y="819849"/>
+                  <a:pt x="745295" y="854514"/>
+                </a:cubicBezTo>
+                <a:cubicBezTo>
+                  <a:pt x="756682" y="845393"/>
+                  <a:pt x="765489" y="833492"/>
+                  <a:pt x="770857" y="819975"/>
+                </a:cubicBezTo>
+                <a:cubicBezTo>
+                  <a:pt x="879943" y="589569"/>
+                  <a:pt x="999605" y="365513"/>
+                  <a:pt x="1131329" y="148742"/>
+                </a:cubicBezTo>
+                <a:lnTo>
+                  <a:pt x="1227589" y="0"/>
+                </a:lnTo>
+                <a:lnTo>
+                  <a:pt x="6878775" y="0"/>
+                </a:lnTo>
+                <a:lnTo>
+                  <a:pt x="6878775" y="6858000"/>
+                </a:lnTo>
+                <a:lnTo>
+                  <a:pt x="713521" y="6858000"/>
+                </a:lnTo>
+                <a:lnTo>
+                  <a:pt x="625642" y="6670527"/>
+                </a:lnTo>
+                <a:cubicBezTo>
+                  <a:pt x="507232" y="6398531"/>
+                  <a:pt x="403083" y="6118381"/>
+                  <a:pt x="312785" y="5830359"/>
+                </a:cubicBezTo>
+                <a:cubicBezTo>
+                  <a:pt x="278149" y="5719759"/>
+                  <a:pt x="248879" y="5607635"/>
+                  <a:pt x="212198" y="5480401"/>
+                </a:cubicBezTo>
+                <a:cubicBezTo>
+                  <a:pt x="212208" y="5491601"/>
+                  <a:pt x="212803" y="5502788"/>
+                  <a:pt x="213988" y="5513923"/>
+                </a:cubicBezTo>
+                <a:cubicBezTo>
+                  <a:pt x="264089" y="5723695"/>
+                  <a:pt x="307290" y="5935370"/>
+                  <a:pt x="365826" y="6142729"/>
+                </a:cubicBezTo>
+                <a:cubicBezTo>
+                  <a:pt x="433152" y="6380817"/>
+                  <a:pt x="510068" y="6614016"/>
+                  <a:pt x="597975" y="6841549"/>
+                </a:cubicBezTo>
+                <a:lnTo>
+                  <a:pt x="604824" y="6858000"/>
+                </a:lnTo>
+                <a:lnTo>
+                  <a:pt x="552056" y="6858000"/>
+                </a:lnTo>
+                <a:lnTo>
+                  <a:pt x="539576" y="6828295"/>
+                </a:lnTo>
+                <a:cubicBezTo>
+                  <a:pt x="380597" y="6414594"/>
+                  <a:pt x="260223" y="5988893"/>
+                  <a:pt x="171555" y="5552906"/>
+                </a:cubicBezTo>
+                <a:cubicBezTo>
+                  <a:pt x="91163" y="5157998"/>
+                  <a:pt x="43746" y="4758899"/>
+                  <a:pt x="12305" y="4357388"/>
+                </a:cubicBezTo>
+                <a:cubicBezTo>
+                  <a:pt x="-14281" y="4013908"/>
+                  <a:pt x="4507" y="3672965"/>
+                  <a:pt x="46684" y="3331516"/>
+                </a:cubicBezTo>
+                <a:cubicBezTo>
+                  <a:pt x="127203" y="2664286"/>
+                  <a:pt x="277819" y="2007265"/>
+                  <a:pt x="496065" y="1371196"/>
+                </a:cubicBezTo>
+                <a:cubicBezTo>
+                  <a:pt x="636273" y="966066"/>
+                  <a:pt x="800445" y="573253"/>
+                  <a:pt x="995723" y="196614"/>
+                </a:cubicBezTo>
+                <a:close/>
+              </a:path>
+            </a:pathLst>
+          </a:custGeom>
+        </p:spPr>
+      </p:pic>
+    </p:spTree>
+    <p:extLst>
+      <p:ext uri="{BB962C8B-B14F-4D97-AF65-F5344CB8AC3E}">
+        <p14:creationId xmlns:p14="http://schemas.microsoft.com/office/powerpoint/2010/main" val="1941438059"/>
+      </p:ext>
+    </p:extLst>
+  </p:cSld>
+  <p:clrMapOvr>
+    <a:masterClrMapping/>
+  </p:clrMapOvr>
+</p:sld>
+</file>
+
+<file path=ppt/slides/slide3.xml><?xml version="1.0" encoding="utf-8"?>
+<p:sld xmlns:a="http://schemas.openxmlformats.org/drawingml/2006/main" xmlns:r="http://schemas.openxmlformats.org/officeDocument/2006/relationships" xmlns:p="http://schemas.openxmlformats.org/presentationml/2006/main">
+  <p:cSld>
     <p:spTree>
       <p:nvGrpSpPr>
         <p:cNvPr id="1" name=""/>
@@ -4145,8 +7078,8 @@
         </p:nvSpPr>
         <p:spPr>
           <a:xfrm>
-            <a:off x="4189206" y="1537111"/>
-            <a:ext cx="1906794" cy="646331"/>
+            <a:off x="4352721" y="1537111"/>
+            <a:ext cx="1683006" cy="584775"/>
           </a:xfrm>
           <a:prstGeom prst="rect">
             <a:avLst/>
@@ -4160,7 +7093,7 @@
           <a:lstStyle/>
           <a:p>
             <a:r>
-              <a:rPr lang="es-PE" dirty="0"/>
+              <a:rPr lang="es-PE" sz="1600" dirty="0"/>
               <a:t>VERY HIGH PRESSURE STEAM</a:t>
             </a:r>
           </a:p>
@@ -4663,7 +7596,7 @@
         </p:nvSpPr>
         <p:spPr>
           <a:xfrm>
-            <a:off x="10086950" y="153931"/>
+            <a:off x="10086950" y="465022"/>
             <a:ext cx="1731884" cy="692552"/>
           </a:xfrm>
           <a:prstGeom prst="homePlate">
@@ -4713,18 +7646,20 @@
             </a:extLst>
           </p:cNvPr>
           <p:cNvCxnSpPr>
-            <a:stCxn id="5" idx="0"/>
+            <a:cxnSpLocks/>
             <a:endCxn id="60" idx="1"/>
           </p:cNvCxnSpPr>
           <p:nvPr/>
         </p:nvCxnSpPr>
         <p:spPr>
-          <a:xfrm rot="5400000" flipH="1" flipV="1">
-            <a:off x="8014706" y="-465643"/>
-            <a:ext cx="1106394" cy="3038094"/>
+          <a:xfrm flipV="1">
+            <a:off x="4127619" y="811298"/>
+            <a:ext cx="5959331" cy="1683234"/>
           </a:xfrm>
-          <a:prstGeom prst="bentConnector2">
-            <a:avLst/>
+          <a:prstGeom prst="bentConnector3">
+            <a:avLst>
+              <a:gd name="adj1" fmla="val 1912"/>
+            </a:avLst>
           </a:prstGeom>
           <a:ln w="19050">
             <a:tailEnd type="triangle"/>
@@ -4759,7 +7694,7 @@
         </p:nvSpPr>
         <p:spPr>
           <a:xfrm>
-            <a:off x="7165171" y="153931"/>
+            <a:off x="7165171" y="465022"/>
             <a:ext cx="2115561" cy="369332"/>
           </a:xfrm>
           <a:prstGeom prst="rect">
@@ -4896,8 +7831,8 @@
         </p:nvSpPr>
         <p:spPr>
           <a:xfrm>
-            <a:off x="4188667" y="2252932"/>
-            <a:ext cx="1906794" cy="369332"/>
+            <a:off x="4352721" y="2252932"/>
+            <a:ext cx="1683005" cy="369332"/>
           </a:xfrm>
           <a:prstGeom prst="rect">
             <a:avLst/>
@@ -5157,6 +8092,84 @@
           </a:p>
         </p:txBody>
       </p:sp>
+      <p:sp>
+        <p:nvSpPr>
+          <p:cNvPr id="11" name="CuadroTexto 10">
+            <a:extLst>
+              <a:ext uri="{FF2B5EF4-FFF2-40B4-BE49-F238E27FC236}">
+                <a16:creationId xmlns:a16="http://schemas.microsoft.com/office/drawing/2014/main" id="{A1595CF7-B0F6-9F3C-CDEF-755CDE9022D9}"/>
+              </a:ext>
+            </a:extLst>
+          </p:cNvPr>
+          <p:cNvSpPr txBox="1"/>
+          <p:nvPr/>
+        </p:nvSpPr>
+        <p:spPr>
+          <a:xfrm>
+            <a:off x="7165171" y="924518"/>
+            <a:ext cx="2115561" cy="369332"/>
+          </a:xfrm>
+          <a:prstGeom prst="rect">
+            <a:avLst/>
+          </a:prstGeom>
+          <a:noFill/>
+        </p:spPr>
+        <p:txBody>
+          <a:bodyPr wrap="square" rtlCol="0">
+            <a:spAutoFit/>
+          </a:bodyPr>
+          <a:lstStyle/>
+          <a:p>
+            <a:r>
+              <a:rPr lang="es-PE" dirty="0"/>
+              <a:t>2,646 Ton CO</a:t>
+            </a:r>
+            <a:r>
+              <a:rPr lang="es-PE" baseline="-25000" dirty="0"/>
+              <a:t>2</a:t>
+            </a:r>
+            <a:r>
+              <a:rPr lang="es-PE" dirty="0"/>
+              <a:t>/d</a:t>
+            </a:r>
+          </a:p>
+        </p:txBody>
+      </p:sp>
+      <p:sp>
+        <p:nvSpPr>
+          <p:cNvPr id="17" name="CuadroTexto 24">
+            <a:extLst>
+              <a:ext uri="{FF2B5EF4-FFF2-40B4-BE49-F238E27FC236}">
+                <a16:creationId xmlns:a16="http://schemas.microsoft.com/office/drawing/2014/main" id="{C05BBD12-0707-C877-F19D-E898E20ADFF4}"/>
+              </a:ext>
+            </a:extLst>
+          </p:cNvPr>
+          <p:cNvSpPr txBox="1"/>
+          <p:nvPr/>
+        </p:nvSpPr>
+        <p:spPr>
+          <a:xfrm>
+            <a:off x="3278102" y="34927"/>
+            <a:ext cx="4789773" cy="400110"/>
+          </a:xfrm>
+          <a:prstGeom prst="rect">
+            <a:avLst/>
+          </a:prstGeom>
+          <a:noFill/>
+        </p:spPr>
+        <p:txBody>
+          <a:bodyPr wrap="none" rtlCol="0">
+            <a:spAutoFit/>
+          </a:bodyPr>
+          <a:lstStyle/>
+          <a:p>
+            <a:r>
+              <a:rPr lang="es-PE" sz="2000" b="1" dirty="0"/>
+              <a:t>COGENERATION UNIT OF TALARA REFINERY</a:t>
+            </a:r>
+          </a:p>
+        </p:txBody>
+      </p:sp>
     </p:spTree>
     <p:extLst>
       <p:ext uri="{BB962C8B-B14F-4D97-AF65-F5344CB8AC3E}">
@@ -5170,7 +8183,7 @@
 </p:sld>
 </file>
 
-<file path=ppt/slides/slide2.xml><?xml version="1.0" encoding="utf-8"?>
+<file path=ppt/slides/slide4.xml><?xml version="1.0" encoding="utf-8"?>
 <p:sld xmlns:a="http://schemas.openxmlformats.org/drawingml/2006/main" xmlns:r="http://schemas.openxmlformats.org/officeDocument/2006/relationships" xmlns:p="http://schemas.openxmlformats.org/presentationml/2006/main">
   <p:cSld>
     <p:spTree>
@@ -5202,40 +8215,68 @@
           <p:nvPr>
             <p:extLst>
               <p:ext uri="{D42A27DB-BD31-4B8C-83A1-F6EECF244321}">
-                <p14:modId xmlns:p14="http://schemas.microsoft.com/office/powerpoint/2010/main" val="3890493039"/>
+                <p14:modId xmlns:p14="http://schemas.microsoft.com/office/powerpoint/2010/main" val="2122590429"/>
               </p:ext>
             </p:extLst>
           </p:nvPr>
         </p:nvGraphicFramePr>
         <p:xfrm>
-          <a:off x="606752" y="341836"/>
-          <a:ext cx="10978497" cy="2985885"/>
+          <a:off x="606753" y="1501717"/>
+          <a:ext cx="10978492" cy="3897468"/>
         </p:xfrm>
         <a:graphic>
           <a:graphicData uri="http://schemas.openxmlformats.org/drawingml/2006/table">
             <a:tbl>
-              <a:tblPr firstRow="1" bandRow="1">
+              <a:tblPr firstRow="1" lastRow="1" bandRow="1">
                 <a:tableStyleId>{5C22544A-7EE6-4342-B048-85BDC9FD1C3A}</a:tableStyleId>
               </a:tblPr>
               <a:tblGrid>
-                <a:gridCol w="3659499">
+                <a:gridCol w="1568356">
                   <a:extLst>
                     <a:ext uri="{9D8B030D-6E8A-4147-A177-3AD203B41FA5}">
                       <a16:colId xmlns:a16="http://schemas.microsoft.com/office/drawing/2014/main" val="1903079773"/>
                     </a:ext>
                   </a:extLst>
                 </a:gridCol>
-                <a:gridCol w="3659499">
+                <a:gridCol w="1568356">
+                  <a:extLst>
+                    <a:ext uri="{9D8B030D-6E8A-4147-A177-3AD203B41FA5}">
+                      <a16:colId xmlns:a16="http://schemas.microsoft.com/office/drawing/2014/main" val="2395397242"/>
+                    </a:ext>
+                  </a:extLst>
+                </a:gridCol>
+                <a:gridCol w="1568356">
+                  <a:extLst>
+                    <a:ext uri="{9D8B030D-6E8A-4147-A177-3AD203B41FA5}">
+                      <a16:colId xmlns:a16="http://schemas.microsoft.com/office/drawing/2014/main" val="594982054"/>
+                    </a:ext>
+                  </a:extLst>
+                </a:gridCol>
+                <a:gridCol w="1568356">
                   <a:extLst>
                     <a:ext uri="{9D8B030D-6E8A-4147-A177-3AD203B41FA5}">
                       <a16:colId xmlns:a16="http://schemas.microsoft.com/office/drawing/2014/main" val="417352765"/>
                     </a:ext>
                   </a:extLst>
                 </a:gridCol>
-                <a:gridCol w="3659499">
+                <a:gridCol w="1568356">
                   <a:extLst>
                     <a:ext uri="{9D8B030D-6E8A-4147-A177-3AD203B41FA5}">
                       <a16:colId xmlns:a16="http://schemas.microsoft.com/office/drawing/2014/main" val="1083579648"/>
+                    </a:ext>
+                  </a:extLst>
+                </a:gridCol>
+                <a:gridCol w="1568356">
+                  <a:extLst>
+                    <a:ext uri="{9D8B030D-6E8A-4147-A177-3AD203B41FA5}">
+                      <a16:colId xmlns:a16="http://schemas.microsoft.com/office/drawing/2014/main" val="897730248"/>
+                    </a:ext>
+                  </a:extLst>
+                </a:gridCol>
+                <a:gridCol w="1568356">
+                  <a:extLst>
+                    <a:ext uri="{9D8B030D-6E8A-4147-A177-3AD203B41FA5}">
+                      <a16:colId xmlns:a16="http://schemas.microsoft.com/office/drawing/2014/main" val="3071274083"/>
                     </a:ext>
                   </a:extLst>
                 </a:gridCol>
@@ -5250,6 +8291,34 @@
                       <a:r>
                         <a:rPr lang="es-PE" dirty="0"/>
                         <a:t>PRODUCT</a:t>
+                      </a:r>
+                    </a:p>
+                  </a:txBody>
+                  <a:tcPr anchor="ctr"/>
+                </a:tc>
+                <a:tc>
+                  <a:txBody>
+                    <a:bodyPr/>
+                    <a:lstStyle/>
+                    <a:p>
+                      <a:pPr algn="ctr"/>
+                      <a:r>
+                        <a:rPr lang="es-PE" dirty="0"/>
+                        <a:t>VOLUME</a:t>
+                      </a:r>
+                    </a:p>
+                  </a:txBody>
+                  <a:tcPr anchor="ctr"/>
+                </a:tc>
+                <a:tc>
+                  <a:txBody>
+                    <a:bodyPr/>
+                    <a:lstStyle/>
+                    <a:p>
+                      <a:pPr algn="ctr"/>
+                      <a:r>
+                        <a:rPr lang="es-PE" dirty="0"/>
+                        <a:t>UNIT OF MEASURE</a:t>
                       </a:r>
                     </a:p>
                   </a:txBody>
@@ -5278,6 +8347,42 @@
                       <a:r>
                         <a:rPr lang="es-PE" dirty="0"/>
                         <a:t>UNIT OF MEASURE</a:t>
+                      </a:r>
+                    </a:p>
+                  </a:txBody>
+                  <a:tcPr anchor="ctr"/>
+                </a:tc>
+                <a:tc>
+                  <a:txBody>
+                    <a:bodyPr/>
+                    <a:lstStyle/>
+                    <a:p>
+                      <a:pPr algn="ctr"/>
+                      <a:r>
+                        <a:rPr lang="es-PE" sz="1700" dirty="0"/>
+                        <a:t>PRODUCCIÓN DE CO2 (kg/1,000 ft</a:t>
+                      </a:r>
+                      <a:r>
+                        <a:rPr lang="es-PE" sz="1700" baseline="30000" dirty="0"/>
+                        <a:t>3</a:t>
+                      </a:r>
+                      <a:r>
+                        <a:rPr lang="es-PE" sz="1700" dirty="0"/>
+                        <a:t>)</a:t>
+                      </a:r>
+                    </a:p>
+                  </a:txBody>
+                  <a:tcPr anchor="ctr"/>
+                </a:tc>
+                <a:tc>
+                  <a:txBody>
+                    <a:bodyPr/>
+                    <a:lstStyle/>
+                    <a:p>
+                      <a:pPr algn="ctr"/>
+                      <a:r>
+                        <a:rPr lang="es-PE" sz="1700" dirty="0"/>
+                        <a:t>ENERGY PRODUCED (MMBTU)</a:t>
                       </a:r>
                     </a:p>
                   </a:txBody>
@@ -5312,6 +8417,34 @@
                       <a:pPr algn="ctr"/>
                       <a:r>
                         <a:rPr lang="es-PE" dirty="0"/>
+                        <a:t>136,456</a:t>
+                      </a:r>
+                    </a:p>
+                  </a:txBody>
+                  <a:tcPr anchor="ctr"/>
+                </a:tc>
+                <a:tc>
+                  <a:txBody>
+                    <a:bodyPr/>
+                    <a:lstStyle/>
+                    <a:p>
+                      <a:pPr algn="ctr"/>
+                      <a:r>
+                        <a:rPr lang="es-PE" dirty="0"/>
+                        <a:t>CUBIC FEET</a:t>
+                      </a:r>
+                    </a:p>
+                  </a:txBody>
+                  <a:tcPr anchor="ctr"/>
+                </a:tc>
+                <a:tc>
+                  <a:txBody>
+                    <a:bodyPr/>
+                    <a:lstStyle/>
+                    <a:p>
+                      <a:pPr algn="ctr"/>
+                      <a:r>
+                        <a:rPr lang="es-PE" dirty="0"/>
                         <a:t>954.963</a:t>
                       </a:r>
                     </a:p>
@@ -5327,6 +8460,34 @@
                       <a:r>
                         <a:rPr lang="es-PE" dirty="0"/>
                         <a:t>BTU/SCF</a:t>
+                      </a:r>
+                    </a:p>
+                  </a:txBody>
+                  <a:tcPr anchor="ctr"/>
+                </a:tc>
+                <a:tc>
+                  <a:txBody>
+                    <a:bodyPr/>
+                    <a:lstStyle/>
+                    <a:p>
+                      <a:pPr algn="ctr"/>
+                      <a:r>
+                        <a:rPr lang="es-PE" dirty="0"/>
+                        <a:t>59.32</a:t>
+                      </a:r>
+                    </a:p>
+                  </a:txBody>
+                  <a:tcPr anchor="ctr"/>
+                </a:tc>
+                <a:tc>
+                  <a:txBody>
+                    <a:bodyPr/>
+                    <a:lstStyle/>
+                    <a:p>
+                      <a:pPr algn="ctr"/>
+                      <a:r>
+                        <a:rPr lang="es-PE" dirty="0"/>
+                        <a:t>130</a:t>
                       </a:r>
                     </a:p>
                   </a:txBody>
@@ -5361,6 +8522,34 @@
                       <a:pPr algn="ctr"/>
                       <a:r>
                         <a:rPr lang="es-PE" dirty="0"/>
+                        <a:t>3’844,330</a:t>
+                      </a:r>
+                    </a:p>
+                  </a:txBody>
+                  <a:tcPr anchor="ctr"/>
+                </a:tc>
+                <a:tc>
+                  <a:txBody>
+                    <a:bodyPr/>
+                    <a:lstStyle/>
+                    <a:p>
+                      <a:pPr algn="ctr"/>
+                      <a:r>
+                        <a:rPr lang="es-PE" dirty="0"/>
+                        <a:t>CUBIC FEET</a:t>
+                      </a:r>
+                    </a:p>
+                  </a:txBody>
+                  <a:tcPr anchor="ctr"/>
+                </a:tc>
+                <a:tc>
+                  <a:txBody>
+                    <a:bodyPr/>
+                    <a:lstStyle/>
+                    <a:p>
+                      <a:pPr algn="ctr"/>
+                      <a:r>
+                        <a:rPr lang="es-PE" dirty="0"/>
                         <a:t>793.634</a:t>
                       </a:r>
                     </a:p>
@@ -5376,6 +8565,34 @@
                       <a:r>
                         <a:rPr lang="es-PE" dirty="0"/>
                         <a:t>BTU/SCF</a:t>
+                      </a:r>
+                    </a:p>
+                  </a:txBody>
+                  <a:tcPr anchor="ctr"/>
+                </a:tc>
+                <a:tc>
+                  <a:txBody>
+                    <a:bodyPr/>
+                    <a:lstStyle/>
+                    <a:p>
+                      <a:pPr algn="ctr"/>
+                      <a:r>
+                        <a:rPr lang="es-PE" dirty="0"/>
+                        <a:t>48.24</a:t>
+                      </a:r>
+                    </a:p>
+                  </a:txBody>
+                  <a:tcPr anchor="ctr"/>
+                </a:tc>
+                <a:tc>
+                  <a:txBody>
+                    <a:bodyPr/>
+                    <a:lstStyle/>
+                    <a:p>
+                      <a:pPr algn="ctr"/>
+                      <a:r>
+                        <a:rPr lang="es-PE" dirty="0"/>
+                        <a:t>3,051</a:t>
                       </a:r>
                     </a:p>
                   </a:txBody>
@@ -5410,6 +8627,34 @@
                       <a:pPr algn="ctr"/>
                       <a:r>
                         <a:rPr lang="es-PE" dirty="0"/>
+                        <a:t>145’423,703</a:t>
+                      </a:r>
+                    </a:p>
+                  </a:txBody>
+                  <a:tcPr anchor="ctr"/>
+                </a:tc>
+                <a:tc>
+                  <a:txBody>
+                    <a:bodyPr/>
+                    <a:lstStyle/>
+                    <a:p>
+                      <a:pPr algn="ctr"/>
+                      <a:r>
+                        <a:rPr lang="es-PE" dirty="0"/>
+                        <a:t>CUBIC FEET</a:t>
+                      </a:r>
+                    </a:p>
+                  </a:txBody>
+                  <a:tcPr anchor="ctr"/>
+                </a:tc>
+                <a:tc>
+                  <a:txBody>
+                    <a:bodyPr/>
+                    <a:lstStyle/>
+                    <a:p>
+                      <a:pPr algn="ctr"/>
+                      <a:r>
+                        <a:rPr lang="es-PE" dirty="0"/>
                         <a:t>130.376</a:t>
                       </a:r>
                     </a:p>
@@ -5425,6 +8670,34 @@
                       <a:r>
                         <a:rPr lang="es-PE" dirty="0"/>
                         <a:t>BTU/SCF</a:t>
+                      </a:r>
+                    </a:p>
+                  </a:txBody>
+                  <a:tcPr anchor="ctr"/>
+                </a:tc>
+                <a:tc>
+                  <a:txBody>
+                    <a:bodyPr/>
+                    <a:lstStyle/>
+                    <a:p>
+                      <a:pPr algn="ctr"/>
+                      <a:r>
+                        <a:rPr lang="es-PE" dirty="0"/>
+                        <a:t>14.13</a:t>
+                      </a:r>
+                    </a:p>
+                  </a:txBody>
+                  <a:tcPr anchor="ctr"/>
+                </a:tc>
+                <a:tc>
+                  <a:txBody>
+                    <a:bodyPr/>
+                    <a:lstStyle/>
+                    <a:p>
+                      <a:pPr algn="ctr"/>
+                      <a:r>
+                        <a:rPr lang="es-PE" dirty="0"/>
+                        <a:t>18,960</a:t>
                       </a:r>
                     </a:p>
                   </a:txBody>
@@ -5459,6 +8732,34 @@
                       <a:pPr algn="ctr"/>
                       <a:r>
                         <a:rPr lang="es-PE" dirty="0"/>
+                        <a:t>0</a:t>
+                      </a:r>
+                    </a:p>
+                  </a:txBody>
+                  <a:tcPr anchor="ctr"/>
+                </a:tc>
+                <a:tc>
+                  <a:txBody>
+                    <a:bodyPr/>
+                    <a:lstStyle/>
+                    <a:p>
+                      <a:pPr algn="ctr"/>
+                      <a:r>
+                        <a:rPr lang="es-PE" dirty="0"/>
+                        <a:t>BARRELS</a:t>
+                      </a:r>
+                    </a:p>
+                  </a:txBody>
+                  <a:tcPr anchor="ctr"/>
+                </a:tc>
+                <a:tc>
+                  <a:txBody>
+                    <a:bodyPr/>
+                    <a:lstStyle/>
+                    <a:p>
+                      <a:pPr algn="ctr"/>
+                      <a:r>
+                        <a:rPr lang="es-PE" dirty="0"/>
                         <a:t>4’440,264</a:t>
                       </a:r>
                     </a:p>
@@ -5479,9 +8780,143 @@
                   </a:txBody>
                   <a:tcPr anchor="ctr"/>
                 </a:tc>
+                <a:tc>
+                  <a:txBody>
+                    <a:bodyPr/>
+                    <a:lstStyle/>
+                    <a:p>
+                      <a:pPr algn="ctr"/>
+                      <a:r>
+                        <a:rPr lang="es-PE" dirty="0"/>
+                        <a:t>66,287</a:t>
+                      </a:r>
+                    </a:p>
+                  </a:txBody>
+                  <a:tcPr anchor="ctr"/>
+                </a:tc>
+                <a:tc>
+                  <a:txBody>
+                    <a:bodyPr/>
+                    <a:lstStyle/>
+                    <a:p>
+                      <a:pPr algn="ctr"/>
+                      <a:r>
+                        <a:rPr lang="es-PE" dirty="0"/>
+                        <a:t>0</a:t>
+                      </a:r>
+                    </a:p>
+                  </a:txBody>
+                  <a:tcPr anchor="ctr"/>
+                </a:tc>
                 <a:extLst>
                   <a:ext uri="{0D108BD9-81ED-4DB2-BD59-A6C34878D82A}">
                     <a16:rowId xmlns:a16="http://schemas.microsoft.com/office/drawing/2014/main" val="3232595484"/>
+                  </a:ext>
+                </a:extLst>
+              </a:tr>
+              <a:tr h="597177">
+                <a:tc>
+                  <a:txBody>
+                    <a:bodyPr/>
+                    <a:lstStyle/>
+                    <a:p>
+                      <a:pPr algn="ctr"/>
+                      <a:r>
+                        <a:rPr lang="es-PE" dirty="0"/>
+                        <a:t>TOTAL</a:t>
+                      </a:r>
+                    </a:p>
+                  </a:txBody>
+                  <a:tcPr anchor="ctr"/>
+                </a:tc>
+                <a:tc>
+                  <a:txBody>
+                    <a:bodyPr/>
+                    <a:lstStyle/>
+                    <a:p>
+                      <a:pPr algn="ctr"/>
+                      <a:r>
+                        <a:rPr lang="es-PE" dirty="0"/>
+                        <a:t>149’404,489</a:t>
+                      </a:r>
+                    </a:p>
+                  </a:txBody>
+                  <a:tcPr anchor="ctr"/>
+                </a:tc>
+                <a:tc>
+                  <a:txBody>
+                    <a:bodyPr/>
+                    <a:lstStyle/>
+                    <a:p>
+                      <a:pPr algn="ctr"/>
+                      <a:r>
+                        <a:rPr lang="es-PE" dirty="0"/>
+                        <a:t>CUBIC FEET</a:t>
+                      </a:r>
+                    </a:p>
+                  </a:txBody>
+                  <a:tcPr anchor="ctr"/>
+                </a:tc>
+                <a:tc>
+                  <a:txBody>
+                    <a:bodyPr/>
+                    <a:lstStyle/>
+                    <a:p>
+                      <a:pPr algn="ctr"/>
+                      <a:r>
+                        <a:rPr lang="es-PE" dirty="0"/>
+                        <a:t>-</a:t>
+                      </a:r>
+                    </a:p>
+                  </a:txBody>
+                  <a:tcPr anchor="ctr"/>
+                </a:tc>
+                <a:tc>
+                  <a:txBody>
+                    <a:bodyPr/>
+                    <a:lstStyle/>
+                    <a:p>
+                      <a:pPr algn="ctr"/>
+                      <a:r>
+                        <a:rPr lang="es-PE" dirty="0"/>
+                        <a:t>-</a:t>
+                      </a:r>
+                    </a:p>
+                  </a:txBody>
+                  <a:tcPr anchor="ctr"/>
+                </a:tc>
+                <a:tc>
+                  <a:txBody>
+                    <a:bodyPr/>
+                    <a:lstStyle/>
+                    <a:p>
+                      <a:pPr algn="ctr"/>
+                      <a:r>
+                        <a:rPr lang="es-PE"/>
+                        <a:t>-</a:t>
+                      </a:r>
+                      <a:endParaRPr lang="es-PE" dirty="0"/>
+                    </a:p>
+                  </a:txBody>
+                  <a:tcPr anchor="ctr"/>
+                </a:tc>
+                <a:tc>
+                  <a:txBody>
+                    <a:bodyPr/>
+                    <a:lstStyle/>
+                    <a:p>
+                      <a:pPr algn="ctr"/>
+                      <a:r>
+                        <a:rPr lang="es-PE" dirty="0"/>
+                        <a:t>22,141</a:t>
+                      </a:r>
+                    </a:p>
+                  </a:txBody>
+                  <a:tcPr anchor="ctr"/>
+                </a:tc>
+                <a:extLst>
+                  <a:ext uri="{0D108BD9-81ED-4DB2-BD59-A6C34878D82A}">
+                    <a16:rowId xmlns:a16="http://schemas.microsoft.com/office/drawing/2014/main" val="371311652"/>
                   </a:ext>
                 </a:extLst>
               </a:tr>
@@ -5489,10 +8924,2250 @@
           </a:graphicData>
         </a:graphic>
       </p:graphicFrame>
+      <p:sp>
+        <p:nvSpPr>
+          <p:cNvPr id="2" name="CuadroTexto 1">
+            <a:extLst>
+              <a:ext uri="{FF2B5EF4-FFF2-40B4-BE49-F238E27FC236}">
+                <a16:creationId xmlns:a16="http://schemas.microsoft.com/office/drawing/2014/main" id="{5136A9CB-32E1-2F90-BD91-AE46B97229E3}"/>
+              </a:ext>
+            </a:extLst>
+          </p:cNvPr>
+          <p:cNvSpPr txBox="1"/>
+          <p:nvPr/>
+        </p:nvSpPr>
+        <p:spPr>
+          <a:xfrm>
+            <a:off x="2077143" y="427290"/>
+            <a:ext cx="8037713" cy="707886"/>
+          </a:xfrm>
+          <a:prstGeom prst="rect">
+            <a:avLst/>
+          </a:prstGeom>
+          <a:noFill/>
+        </p:spPr>
+        <p:txBody>
+          <a:bodyPr wrap="none" rtlCol="0">
+            <a:spAutoFit/>
+          </a:bodyPr>
+          <a:lstStyle/>
+          <a:p>
+            <a:pPr algn="ctr"/>
+            <a:r>
+              <a:rPr lang="es-PE" sz="2000" b="1" dirty="0"/>
+              <a:t>CARGAS DE ALIMENTACIÓN DE LA UNIDAD DE COGENERACIÓN ELÉCTRICA</a:t>
+            </a:r>
+          </a:p>
+          <a:p>
+            <a:pPr algn="ctr"/>
+            <a:r>
+              <a:rPr lang="es-PE" sz="2000" b="1" dirty="0"/>
+              <a:t>OPERACIÓN NORMAL (BASE DIARIA)</a:t>
+            </a:r>
+          </a:p>
+        </p:txBody>
+      </p:sp>
     </p:spTree>
     <p:extLst>
       <p:ext uri="{BB962C8B-B14F-4D97-AF65-F5344CB8AC3E}">
         <p14:creationId xmlns:p14="http://schemas.microsoft.com/office/powerpoint/2010/main" val="3874538875"/>
+      </p:ext>
+    </p:extLst>
+  </p:cSld>
+  <p:clrMapOvr>
+    <a:masterClrMapping/>
+  </p:clrMapOvr>
+</p:sld>
+</file>
+
+<file path=ppt/slides/slide5.xml><?xml version="1.0" encoding="utf-8"?>
+<p:sld xmlns:a="http://schemas.openxmlformats.org/drawingml/2006/main" xmlns:r="http://schemas.openxmlformats.org/officeDocument/2006/relationships" xmlns:p="http://schemas.openxmlformats.org/presentationml/2006/main">
+  <p:cSld>
+    <p:spTree>
+      <p:nvGrpSpPr>
+        <p:cNvPr id="1" name=""/>
+        <p:cNvGrpSpPr/>
+        <p:nvPr/>
+      </p:nvGrpSpPr>
+      <p:grpSpPr>
+        <a:xfrm>
+          <a:off x="0" y="0"/>
+          <a:ext cx="0" cy="0"/>
+          <a:chOff x="0" y="0"/>
+          <a:chExt cx="0" cy="0"/>
+        </a:xfrm>
+      </p:grpSpPr>
+      <p:graphicFrame>
+        <p:nvGraphicFramePr>
+          <p:cNvPr id="4" name="Tabla 4">
+            <a:extLst>
+              <a:ext uri="{FF2B5EF4-FFF2-40B4-BE49-F238E27FC236}">
+                <a16:creationId xmlns:a16="http://schemas.microsoft.com/office/drawing/2014/main" id="{48FE8E35-412F-2F78-C4EA-623F16456121}"/>
+              </a:ext>
+            </a:extLst>
+          </p:cNvPr>
+          <p:cNvGraphicFramePr>
+            <a:graphicFrameLocks noGrp="1"/>
+          </p:cNvGraphicFramePr>
+          <p:nvPr>
+            <p:extLst>
+              <p:ext uri="{D42A27DB-BD31-4B8C-83A1-F6EECF244321}">
+                <p14:modId xmlns:p14="http://schemas.microsoft.com/office/powerpoint/2010/main" val="3924981828"/>
+              </p:ext>
+            </p:extLst>
+          </p:nvPr>
+        </p:nvGraphicFramePr>
+        <p:xfrm>
+          <a:off x="239284" y="1119498"/>
+          <a:ext cx="3659498" cy="5647040"/>
+        </p:xfrm>
+        <a:graphic>
+          <a:graphicData uri="http://schemas.openxmlformats.org/drawingml/2006/table">
+            <a:tbl>
+              <a:tblPr firstRow="1" lastRow="1" bandRow="1">
+                <a:tableStyleId>{21E4AEA4-8DFA-4A89-87EB-49C32662AFE0}</a:tableStyleId>
+              </a:tblPr>
+              <a:tblGrid>
+                <a:gridCol w="2221905">
+                  <a:extLst>
+                    <a:ext uri="{9D8B030D-6E8A-4147-A177-3AD203B41FA5}">
+                      <a16:colId xmlns:a16="http://schemas.microsoft.com/office/drawing/2014/main" val="1903079773"/>
+                    </a:ext>
+                  </a:extLst>
+                </a:gridCol>
+                <a:gridCol w="1437593">
+                  <a:extLst>
+                    <a:ext uri="{9D8B030D-6E8A-4147-A177-3AD203B41FA5}">
+                      <a16:colId xmlns:a16="http://schemas.microsoft.com/office/drawing/2014/main" val="2395397242"/>
+                    </a:ext>
+                  </a:extLst>
+                </a:gridCol>
+              </a:tblGrid>
+              <a:tr h="564704">
+                <a:tc>
+                  <a:txBody>
+                    <a:bodyPr/>
+                    <a:lstStyle/>
+                    <a:p>
+                      <a:pPr algn="ctr"/>
+                      <a:r>
+                        <a:rPr lang="es-PE" dirty="0"/>
+                        <a:t>PRODUCT</a:t>
+                      </a:r>
+                    </a:p>
+                  </a:txBody>
+                  <a:tcPr anchor="ctr"/>
+                </a:tc>
+                <a:tc>
+                  <a:txBody>
+                    <a:bodyPr/>
+                    <a:lstStyle/>
+                    <a:p>
+                      <a:pPr algn="ctr"/>
+                      <a:r>
+                        <a:rPr lang="es-PE" dirty="0"/>
+                        <a:t>PORCENTAJE</a:t>
+                      </a:r>
+                    </a:p>
+                  </a:txBody>
+                  <a:tcPr anchor="ctr"/>
+                </a:tc>
+                <a:extLst>
+                  <a:ext uri="{0D108BD9-81ED-4DB2-BD59-A6C34878D82A}">
+                    <a16:rowId xmlns:a16="http://schemas.microsoft.com/office/drawing/2014/main" val="3862585333"/>
+                  </a:ext>
+                </a:extLst>
+              </a:tr>
+              <a:tr h="564704">
+                <a:tc>
+                  <a:txBody>
+                    <a:bodyPr/>
+                    <a:lstStyle/>
+                    <a:p>
+                      <a:pPr algn="ctr"/>
+                      <a:r>
+                        <a:rPr lang="es-PE" dirty="0"/>
+                        <a:t>Nitrógeno</a:t>
+                      </a:r>
+                    </a:p>
+                  </a:txBody>
+                  <a:tcPr anchor="ctr"/>
+                </a:tc>
+                <a:tc>
+                  <a:txBody>
+                    <a:bodyPr/>
+                    <a:lstStyle/>
+                    <a:p>
+                      <a:pPr algn="ctr"/>
+                      <a:r>
+                        <a:rPr lang="es-PE" dirty="0"/>
+                        <a:t>0.08</a:t>
+                      </a:r>
+                    </a:p>
+                  </a:txBody>
+                  <a:tcPr anchor="ctr"/>
+                </a:tc>
+                <a:extLst>
+                  <a:ext uri="{0D108BD9-81ED-4DB2-BD59-A6C34878D82A}">
+                    <a16:rowId xmlns:a16="http://schemas.microsoft.com/office/drawing/2014/main" val="1847573576"/>
+                  </a:ext>
+                </a:extLst>
+              </a:tr>
+              <a:tr h="564704">
+                <a:tc>
+                  <a:txBody>
+                    <a:bodyPr/>
+                    <a:lstStyle/>
+                    <a:p>
+                      <a:pPr algn="ctr"/>
+                      <a:r>
+                        <a:rPr lang="es-PE" dirty="0"/>
+                        <a:t>Dióxido de Carbono</a:t>
+                      </a:r>
+                    </a:p>
+                  </a:txBody>
+                  <a:tcPr anchor="ctr"/>
+                </a:tc>
+                <a:tc>
+                  <a:txBody>
+                    <a:bodyPr/>
+                    <a:lstStyle/>
+                    <a:p>
+                      <a:pPr algn="ctr"/>
+                      <a:r>
+                        <a:rPr lang="es-PE" dirty="0"/>
+                        <a:t>0.49</a:t>
+                      </a:r>
+                    </a:p>
+                  </a:txBody>
+                  <a:tcPr anchor="ctr"/>
+                </a:tc>
+                <a:extLst>
+                  <a:ext uri="{0D108BD9-81ED-4DB2-BD59-A6C34878D82A}">
+                    <a16:rowId xmlns:a16="http://schemas.microsoft.com/office/drawing/2014/main" val="2692952600"/>
+                  </a:ext>
+                </a:extLst>
+              </a:tr>
+              <a:tr h="564704">
+                <a:tc>
+                  <a:txBody>
+                    <a:bodyPr/>
+                    <a:lstStyle/>
+                    <a:p>
+                      <a:pPr algn="ctr"/>
+                      <a:r>
+                        <a:rPr lang="es-PE" dirty="0"/>
+                        <a:t>Metano</a:t>
+                      </a:r>
+                    </a:p>
+                  </a:txBody>
+                  <a:tcPr anchor="ctr"/>
+                </a:tc>
+                <a:tc>
+                  <a:txBody>
+                    <a:bodyPr/>
+                    <a:lstStyle/>
+                    <a:p>
+                      <a:pPr algn="ctr"/>
+                      <a:r>
+                        <a:rPr lang="es-PE" dirty="0"/>
+                        <a:t>93.08</a:t>
+                      </a:r>
+                    </a:p>
+                  </a:txBody>
+                  <a:tcPr anchor="ctr"/>
+                </a:tc>
+                <a:extLst>
+                  <a:ext uri="{0D108BD9-81ED-4DB2-BD59-A6C34878D82A}">
+                    <a16:rowId xmlns:a16="http://schemas.microsoft.com/office/drawing/2014/main" val="1435675601"/>
+                  </a:ext>
+                </a:extLst>
+              </a:tr>
+              <a:tr h="564704">
+                <a:tc>
+                  <a:txBody>
+                    <a:bodyPr/>
+                    <a:lstStyle/>
+                    <a:p>
+                      <a:pPr algn="ctr"/>
+                      <a:r>
+                        <a:rPr lang="es-PE" dirty="0"/>
+                        <a:t>Etano</a:t>
+                      </a:r>
+                    </a:p>
+                  </a:txBody>
+                  <a:tcPr anchor="ctr"/>
+                </a:tc>
+                <a:tc>
+                  <a:txBody>
+                    <a:bodyPr/>
+                    <a:lstStyle/>
+                    <a:p>
+                      <a:pPr algn="ctr"/>
+                      <a:r>
+                        <a:rPr lang="es-PE" dirty="0"/>
+                        <a:t>5.95</a:t>
+                      </a:r>
+                    </a:p>
+                  </a:txBody>
+                  <a:tcPr anchor="ctr"/>
+                </a:tc>
+                <a:extLst>
+                  <a:ext uri="{0D108BD9-81ED-4DB2-BD59-A6C34878D82A}">
+                    <a16:rowId xmlns:a16="http://schemas.microsoft.com/office/drawing/2014/main" val="1790286102"/>
+                  </a:ext>
+                </a:extLst>
+              </a:tr>
+              <a:tr h="564704">
+                <a:tc>
+                  <a:txBody>
+                    <a:bodyPr/>
+                    <a:lstStyle/>
+                    <a:p>
+                      <a:pPr algn="ctr"/>
+                      <a:r>
+                        <a:rPr lang="es-PE" dirty="0"/>
+                        <a:t>Propano</a:t>
+                      </a:r>
+                    </a:p>
+                  </a:txBody>
+                  <a:tcPr anchor="ctr"/>
+                </a:tc>
+                <a:tc>
+                  <a:txBody>
+                    <a:bodyPr/>
+                    <a:lstStyle/>
+                    <a:p>
+                      <a:pPr algn="ctr"/>
+                      <a:r>
+                        <a:rPr lang="es-PE" dirty="0"/>
+                        <a:t>0.01</a:t>
+                      </a:r>
+                    </a:p>
+                  </a:txBody>
+                  <a:tcPr anchor="ctr"/>
+                </a:tc>
+                <a:extLst>
+                  <a:ext uri="{0D108BD9-81ED-4DB2-BD59-A6C34878D82A}">
+                    <a16:rowId xmlns:a16="http://schemas.microsoft.com/office/drawing/2014/main" val="769772266"/>
+                  </a:ext>
+                </a:extLst>
+              </a:tr>
+              <a:tr h="564704">
+                <a:tc>
+                  <a:txBody>
+                    <a:bodyPr/>
+                    <a:lstStyle/>
+                    <a:p>
+                      <a:pPr algn="ctr"/>
+                      <a:r>
+                        <a:rPr lang="es-PE" dirty="0"/>
+                        <a:t>N-Butano</a:t>
+                      </a:r>
+                    </a:p>
+                  </a:txBody>
+                  <a:tcPr anchor="ctr"/>
+                </a:tc>
+                <a:tc>
+                  <a:txBody>
+                    <a:bodyPr/>
+                    <a:lstStyle/>
+                    <a:p>
+                      <a:pPr algn="ctr"/>
+                      <a:r>
+                        <a:rPr lang="es-PE" dirty="0"/>
+                        <a:t>0.02</a:t>
+                      </a:r>
+                    </a:p>
+                  </a:txBody>
+                  <a:tcPr anchor="ctr"/>
+                </a:tc>
+                <a:extLst>
+                  <a:ext uri="{0D108BD9-81ED-4DB2-BD59-A6C34878D82A}">
+                    <a16:rowId xmlns:a16="http://schemas.microsoft.com/office/drawing/2014/main" val="3242870526"/>
+                  </a:ext>
+                </a:extLst>
+              </a:tr>
+              <a:tr h="564704">
+                <a:tc>
+                  <a:txBody>
+                    <a:bodyPr/>
+                    <a:lstStyle/>
+                    <a:p>
+                      <a:pPr algn="ctr"/>
+                      <a:r>
+                        <a:rPr lang="es-PE" dirty="0"/>
+                        <a:t>N-Pentano</a:t>
+                      </a:r>
+                    </a:p>
+                  </a:txBody>
+                  <a:tcPr anchor="ctr"/>
+                </a:tc>
+                <a:tc>
+                  <a:txBody>
+                    <a:bodyPr/>
+                    <a:lstStyle/>
+                    <a:p>
+                      <a:pPr algn="ctr"/>
+                      <a:r>
+                        <a:rPr lang="es-PE" dirty="0"/>
+                        <a:t>0.33</a:t>
+                      </a:r>
+                    </a:p>
+                  </a:txBody>
+                  <a:tcPr anchor="ctr"/>
+                </a:tc>
+                <a:extLst>
+                  <a:ext uri="{0D108BD9-81ED-4DB2-BD59-A6C34878D82A}">
+                    <a16:rowId xmlns:a16="http://schemas.microsoft.com/office/drawing/2014/main" val="2146303854"/>
+                  </a:ext>
+                </a:extLst>
+              </a:tr>
+              <a:tr h="564704">
+                <a:tc>
+                  <a:txBody>
+                    <a:bodyPr/>
+                    <a:lstStyle/>
+                    <a:p>
+                      <a:pPr algn="ctr"/>
+                      <a:r>
+                        <a:rPr lang="es-PE" dirty="0"/>
+                        <a:t>Oxígeno</a:t>
+                      </a:r>
+                    </a:p>
+                  </a:txBody>
+                  <a:tcPr anchor="ctr"/>
+                </a:tc>
+                <a:tc>
+                  <a:txBody>
+                    <a:bodyPr/>
+                    <a:lstStyle/>
+                    <a:p>
+                      <a:pPr algn="ctr"/>
+                      <a:r>
+                        <a:rPr lang="es-PE" dirty="0"/>
+                        <a:t>0.04</a:t>
+                      </a:r>
+                    </a:p>
+                  </a:txBody>
+                  <a:tcPr anchor="ctr"/>
+                </a:tc>
+                <a:extLst>
+                  <a:ext uri="{0D108BD9-81ED-4DB2-BD59-A6C34878D82A}">
+                    <a16:rowId xmlns:a16="http://schemas.microsoft.com/office/drawing/2014/main" val="3232595484"/>
+                  </a:ext>
+                </a:extLst>
+              </a:tr>
+              <a:tr h="564704">
+                <a:tc>
+                  <a:txBody>
+                    <a:bodyPr/>
+                    <a:lstStyle/>
+                    <a:p>
+                      <a:pPr algn="ctr"/>
+                      <a:r>
+                        <a:rPr lang="es-PE" dirty="0"/>
+                        <a:t>TOTAL</a:t>
+                      </a:r>
+                    </a:p>
+                  </a:txBody>
+                  <a:tcPr anchor="ctr"/>
+                </a:tc>
+                <a:tc>
+                  <a:txBody>
+                    <a:bodyPr/>
+                    <a:lstStyle/>
+                    <a:p>
+                      <a:pPr algn="ctr"/>
+                      <a:r>
+                        <a:rPr lang="es-PE" dirty="0"/>
+                        <a:t>100.00</a:t>
+                      </a:r>
+                    </a:p>
+                  </a:txBody>
+                  <a:tcPr anchor="ctr"/>
+                </a:tc>
+                <a:extLst>
+                  <a:ext uri="{0D108BD9-81ED-4DB2-BD59-A6C34878D82A}">
+                    <a16:rowId xmlns:a16="http://schemas.microsoft.com/office/drawing/2014/main" val="371311652"/>
+                  </a:ext>
+                </a:extLst>
+              </a:tr>
+            </a:tbl>
+          </a:graphicData>
+        </a:graphic>
+      </p:graphicFrame>
+      <p:sp>
+        <p:nvSpPr>
+          <p:cNvPr id="2" name="CuadroTexto 1">
+            <a:extLst>
+              <a:ext uri="{FF2B5EF4-FFF2-40B4-BE49-F238E27FC236}">
+                <a16:creationId xmlns:a16="http://schemas.microsoft.com/office/drawing/2014/main" id="{5A58A69F-E058-3EEC-572D-6D97B4B2A54B}"/>
+              </a:ext>
+            </a:extLst>
+          </p:cNvPr>
+          <p:cNvSpPr txBox="1"/>
+          <p:nvPr/>
+        </p:nvSpPr>
+        <p:spPr>
+          <a:xfrm>
+            <a:off x="150623" y="470019"/>
+            <a:ext cx="3836820" cy="400110"/>
+          </a:xfrm>
+          <a:prstGeom prst="rect">
+            <a:avLst/>
+          </a:prstGeom>
+          <a:noFill/>
+        </p:spPr>
+        <p:txBody>
+          <a:bodyPr wrap="none" rtlCol="0">
+            <a:spAutoFit/>
+          </a:bodyPr>
+          <a:lstStyle/>
+          <a:p>
+            <a:pPr algn="ctr"/>
+            <a:r>
+              <a:rPr lang="es-PE" sz="2000" b="1" dirty="0"/>
+              <a:t>COMPOSICIÓN DEL GAS NATURAL</a:t>
+            </a:r>
+          </a:p>
+        </p:txBody>
+      </p:sp>
+      <p:sp>
+        <p:nvSpPr>
+          <p:cNvPr id="3" name="CuadroTexto 2">
+            <a:extLst>
+              <a:ext uri="{FF2B5EF4-FFF2-40B4-BE49-F238E27FC236}">
+                <a16:creationId xmlns:a16="http://schemas.microsoft.com/office/drawing/2014/main" id="{0EDB27D4-E0E1-71BD-8E5F-0C176CFEEB66}"/>
+              </a:ext>
+            </a:extLst>
+          </p:cNvPr>
+          <p:cNvSpPr txBox="1"/>
+          <p:nvPr/>
+        </p:nvSpPr>
+        <p:spPr>
+          <a:xfrm>
+            <a:off x="5381878" y="241073"/>
+            <a:ext cx="5913349" cy="646331"/>
+          </a:xfrm>
+          <a:prstGeom prst="rect">
+            <a:avLst/>
+          </a:prstGeom>
+        </p:spPr>
+        <p:style>
+          <a:lnRef idx="2">
+            <a:schemeClr val="dk1"/>
+          </a:lnRef>
+          <a:fillRef idx="1">
+            <a:schemeClr val="lt1"/>
+          </a:fillRef>
+          <a:effectRef idx="0">
+            <a:schemeClr val="dk1"/>
+          </a:effectRef>
+          <a:fontRef idx="minor">
+            <a:schemeClr val="dk1"/>
+          </a:fontRef>
+        </p:style>
+        <p:txBody>
+          <a:bodyPr wrap="none" rtlCol="0">
+            <a:spAutoFit/>
+          </a:bodyPr>
+          <a:lstStyle/>
+          <a:p>
+            <a:pPr algn="ctr"/>
+            <a:r>
+              <a:rPr lang="es-PE" b="1" dirty="0"/>
+              <a:t>EL CO</a:t>
+            </a:r>
+            <a:r>
+              <a:rPr lang="es-PE" b="1" baseline="-25000" dirty="0"/>
+              <a:t>2</a:t>
+            </a:r>
+            <a:r>
+              <a:rPr lang="es-PE" b="1" dirty="0"/>
+              <a:t> TOTAL PRODUCIDO ES EL CO</a:t>
+            </a:r>
+            <a:r>
+              <a:rPr lang="es-PE" b="1" baseline="-25000" dirty="0"/>
+              <a:t>2</a:t>
+            </a:r>
+            <a:r>
+              <a:rPr lang="es-PE" b="1" dirty="0"/>
+              <a:t> ORIGINAL MÁS EL CO</a:t>
+            </a:r>
+            <a:r>
+              <a:rPr lang="es-PE" b="1" baseline="-25000" dirty="0"/>
+              <a:t>2</a:t>
+            </a:r>
+          </a:p>
+          <a:p>
+            <a:pPr algn="ctr"/>
+            <a:r>
+              <a:rPr lang="es-PE" b="1" dirty="0"/>
+              <a:t>PRODUCTO DE LA COMBUSTIÓN.</a:t>
+            </a:r>
+          </a:p>
+        </p:txBody>
+      </p:sp>
+      <p:sp>
+        <p:nvSpPr>
+          <p:cNvPr id="5" name="CuadroTexto 4">
+            <a:extLst>
+              <a:ext uri="{FF2B5EF4-FFF2-40B4-BE49-F238E27FC236}">
+                <a16:creationId xmlns:a16="http://schemas.microsoft.com/office/drawing/2014/main" id="{DF6AFA13-42C2-AEFF-CDD2-3B7A04BB509D}"/>
+              </a:ext>
+            </a:extLst>
+          </p:cNvPr>
+          <p:cNvSpPr txBox="1"/>
+          <p:nvPr/>
+        </p:nvSpPr>
+        <p:spPr>
+          <a:xfrm>
+            <a:off x="6308895" y="1210067"/>
+            <a:ext cx="4059316" cy="369332"/>
+          </a:xfrm>
+          <a:prstGeom prst="rect">
+            <a:avLst/>
+          </a:prstGeom>
+        </p:spPr>
+        <p:style>
+          <a:lnRef idx="2">
+            <a:schemeClr val="dk1"/>
+          </a:lnRef>
+          <a:fillRef idx="1">
+            <a:schemeClr val="lt1"/>
+          </a:fillRef>
+          <a:effectRef idx="0">
+            <a:schemeClr val="dk1"/>
+          </a:effectRef>
+          <a:fontRef idx="minor">
+            <a:schemeClr val="dk1"/>
+          </a:fontRef>
+        </p:style>
+        <p:txBody>
+          <a:bodyPr wrap="none" rtlCol="0">
+            <a:spAutoFit/>
+          </a:bodyPr>
+          <a:lstStyle/>
+          <a:p>
+            <a:r>
+              <a:rPr lang="es-PE" b="1" dirty="0">
+                <a:solidFill>
+                  <a:srgbClr val="0070C0"/>
+                </a:solidFill>
+              </a:rPr>
+              <a:t>8,132 kg de Dióxido de Carbono por día</a:t>
+            </a:r>
+          </a:p>
+        </p:txBody>
+      </p:sp>
+      <p:pic>
+        <p:nvPicPr>
+          <p:cNvPr id="9" name="Imagen 8" descr="Imagen digital de un barco en el mar&#10;&#10;Descripción generada automáticamente con confianza media">
+            <a:extLst>
+              <a:ext uri="{FF2B5EF4-FFF2-40B4-BE49-F238E27FC236}">
+                <a16:creationId xmlns:a16="http://schemas.microsoft.com/office/drawing/2014/main" id="{DC918BD8-8A4B-2A1B-B05C-627BA9459668}"/>
+              </a:ext>
+            </a:extLst>
+          </p:cNvPr>
+          <p:cNvPicPr>
+            <a:picLocks noChangeAspect="1"/>
+          </p:cNvPicPr>
+          <p:nvPr/>
+        </p:nvPicPr>
+        <p:blipFill>
+          <a:blip r:embed="rId2">
+            <a:extLst>
+              <a:ext uri="{28A0092B-C50C-407E-A947-70E740481C1C}">
+                <a14:useLocalDpi xmlns:a14="http://schemas.microsoft.com/office/drawing/2010/main" val="0"/>
+              </a:ext>
+            </a:extLst>
+          </a:blip>
+          <a:stretch>
+            <a:fillRect/>
+          </a:stretch>
+        </p:blipFill>
+        <p:spPr>
+          <a:xfrm>
+            <a:off x="4823384" y="1919337"/>
+            <a:ext cx="7030338" cy="4847201"/>
+          </a:xfrm>
+          <a:prstGeom prst="rect">
+            <a:avLst/>
+          </a:prstGeom>
+        </p:spPr>
+      </p:pic>
+    </p:spTree>
+    <p:extLst>
+      <p:ext uri="{BB962C8B-B14F-4D97-AF65-F5344CB8AC3E}">
+        <p14:creationId xmlns:p14="http://schemas.microsoft.com/office/powerpoint/2010/main" val="1310215637"/>
+      </p:ext>
+    </p:extLst>
+  </p:cSld>
+  <p:clrMapOvr>
+    <a:masterClrMapping/>
+  </p:clrMapOvr>
+</p:sld>
+</file>
+
+<file path=ppt/slides/slide6.xml><?xml version="1.0" encoding="utf-8"?>
+<p:sld xmlns:a="http://schemas.openxmlformats.org/drawingml/2006/main" xmlns:r="http://schemas.openxmlformats.org/officeDocument/2006/relationships" xmlns:p="http://schemas.openxmlformats.org/presentationml/2006/main">
+  <p:cSld>
+    <p:spTree>
+      <p:nvGrpSpPr>
+        <p:cNvPr id="1" name=""/>
+        <p:cNvGrpSpPr/>
+        <p:nvPr/>
+      </p:nvGrpSpPr>
+      <p:grpSpPr>
+        <a:xfrm>
+          <a:off x="0" y="0"/>
+          <a:ext cx="0" cy="0"/>
+          <a:chOff x="0" y="0"/>
+          <a:chExt cx="0" cy="0"/>
+        </a:xfrm>
+      </p:grpSpPr>
+      <p:graphicFrame>
+        <p:nvGraphicFramePr>
+          <p:cNvPr id="4" name="Tabla 4">
+            <a:extLst>
+              <a:ext uri="{FF2B5EF4-FFF2-40B4-BE49-F238E27FC236}">
+                <a16:creationId xmlns:a16="http://schemas.microsoft.com/office/drawing/2014/main" id="{48FE8E35-412F-2F78-C4EA-623F16456121}"/>
+              </a:ext>
+            </a:extLst>
+          </p:cNvPr>
+          <p:cNvGraphicFramePr>
+            <a:graphicFrameLocks noGrp="1"/>
+          </p:cNvGraphicFramePr>
+          <p:nvPr>
+            <p:extLst>
+              <p:ext uri="{D42A27DB-BD31-4B8C-83A1-F6EECF244321}">
+                <p14:modId xmlns:p14="http://schemas.microsoft.com/office/powerpoint/2010/main" val="2642176394"/>
+              </p:ext>
+            </p:extLst>
+          </p:nvPr>
+        </p:nvGraphicFramePr>
+        <p:xfrm>
+          <a:off x="102352" y="724847"/>
+          <a:ext cx="4659544" cy="6024802"/>
+        </p:xfrm>
+        <a:graphic>
+          <a:graphicData uri="http://schemas.openxmlformats.org/drawingml/2006/table">
+            <a:tbl>
+              <a:tblPr firstRow="1" lastRow="1" bandRow="1">
+                <a:tableStyleId>{93296810-A885-4BE3-A3E7-6D5BEEA58F35}</a:tableStyleId>
+              </a:tblPr>
+              <a:tblGrid>
+                <a:gridCol w="3155522">
+                  <a:extLst>
+                    <a:ext uri="{9D8B030D-6E8A-4147-A177-3AD203B41FA5}">
+                      <a16:colId xmlns:a16="http://schemas.microsoft.com/office/drawing/2014/main" val="1903079773"/>
+                    </a:ext>
+                  </a:extLst>
+                </a:gridCol>
+                <a:gridCol w="1504022">
+                  <a:extLst>
+                    <a:ext uri="{9D8B030D-6E8A-4147-A177-3AD203B41FA5}">
+                      <a16:colId xmlns:a16="http://schemas.microsoft.com/office/drawing/2014/main" val="2395397242"/>
+                    </a:ext>
+                  </a:extLst>
+                </a:gridCol>
+              </a:tblGrid>
+              <a:tr h="430343">
+                <a:tc>
+                  <a:txBody>
+                    <a:bodyPr/>
+                    <a:lstStyle/>
+                    <a:p>
+                      <a:pPr algn="ctr"/>
+                      <a:r>
+                        <a:rPr lang="es-PE" sz="1400" dirty="0"/>
+                        <a:t>PRODUCT</a:t>
+                      </a:r>
+                    </a:p>
+                  </a:txBody>
+                  <a:tcPr anchor="ctr"/>
+                </a:tc>
+                <a:tc>
+                  <a:txBody>
+                    <a:bodyPr/>
+                    <a:lstStyle/>
+                    <a:p>
+                      <a:pPr algn="ctr"/>
+                      <a:r>
+                        <a:rPr lang="es-PE" sz="1400" dirty="0"/>
+                        <a:t>PORCENTAJE</a:t>
+                      </a:r>
+                    </a:p>
+                  </a:txBody>
+                  <a:tcPr anchor="ctr"/>
+                </a:tc>
+                <a:extLst>
+                  <a:ext uri="{0D108BD9-81ED-4DB2-BD59-A6C34878D82A}">
+                    <a16:rowId xmlns:a16="http://schemas.microsoft.com/office/drawing/2014/main" val="3862585333"/>
+                  </a:ext>
+                </a:extLst>
+              </a:tr>
+              <a:tr h="430343">
+                <a:tc>
+                  <a:txBody>
+                    <a:bodyPr/>
+                    <a:lstStyle/>
+                    <a:p>
+                      <a:pPr algn="ctr"/>
+                      <a:r>
+                        <a:rPr lang="es-PE" sz="1400" dirty="0"/>
+                        <a:t>Hidrógeno</a:t>
+                      </a:r>
+                    </a:p>
+                  </a:txBody>
+                  <a:tcPr anchor="ctr"/>
+                </a:tc>
+                <a:tc>
+                  <a:txBody>
+                    <a:bodyPr/>
+                    <a:lstStyle/>
+                    <a:p>
+                      <a:pPr algn="ctr"/>
+                      <a:r>
+                        <a:rPr lang="es-PE" sz="1400" dirty="0"/>
+                        <a:t>26.81</a:t>
+                      </a:r>
+                    </a:p>
+                  </a:txBody>
+                  <a:tcPr anchor="ctr"/>
+                </a:tc>
+                <a:extLst>
+                  <a:ext uri="{0D108BD9-81ED-4DB2-BD59-A6C34878D82A}">
+                    <a16:rowId xmlns:a16="http://schemas.microsoft.com/office/drawing/2014/main" val="923267901"/>
+                  </a:ext>
+                </a:extLst>
+              </a:tr>
+              <a:tr h="430343">
+                <a:tc>
+                  <a:txBody>
+                    <a:bodyPr/>
+                    <a:lstStyle/>
+                    <a:p>
+                      <a:pPr algn="ctr"/>
+                      <a:r>
+                        <a:rPr lang="es-PE" sz="1400" dirty="0"/>
+                        <a:t>Nitrógeno</a:t>
+                      </a:r>
+                    </a:p>
+                  </a:txBody>
+                  <a:tcPr anchor="ctr"/>
+                </a:tc>
+                <a:tc>
+                  <a:txBody>
+                    <a:bodyPr/>
+                    <a:lstStyle/>
+                    <a:p>
+                      <a:pPr algn="ctr"/>
+                      <a:r>
+                        <a:rPr lang="es-PE" sz="1400" dirty="0"/>
+                        <a:t>2.75</a:t>
+                      </a:r>
+                    </a:p>
+                  </a:txBody>
+                  <a:tcPr anchor="ctr"/>
+                </a:tc>
+                <a:extLst>
+                  <a:ext uri="{0D108BD9-81ED-4DB2-BD59-A6C34878D82A}">
+                    <a16:rowId xmlns:a16="http://schemas.microsoft.com/office/drawing/2014/main" val="1847573576"/>
+                  </a:ext>
+                </a:extLst>
+              </a:tr>
+              <a:tr h="430343">
+                <a:tc>
+                  <a:txBody>
+                    <a:bodyPr/>
+                    <a:lstStyle/>
+                    <a:p>
+                      <a:pPr algn="ctr"/>
+                      <a:r>
+                        <a:rPr lang="es-PE" sz="1400" dirty="0"/>
+                        <a:t>Agua</a:t>
+                      </a:r>
+                    </a:p>
+                  </a:txBody>
+                  <a:tcPr anchor="ctr"/>
+                </a:tc>
+                <a:tc>
+                  <a:txBody>
+                    <a:bodyPr/>
+                    <a:lstStyle/>
+                    <a:p>
+                      <a:pPr algn="ctr"/>
+                      <a:r>
+                        <a:rPr lang="es-PE" sz="1400" dirty="0"/>
+                        <a:t>0.68</a:t>
+                      </a:r>
+                    </a:p>
+                  </a:txBody>
+                  <a:tcPr anchor="ctr"/>
+                </a:tc>
+                <a:extLst>
+                  <a:ext uri="{0D108BD9-81ED-4DB2-BD59-A6C34878D82A}">
+                    <a16:rowId xmlns:a16="http://schemas.microsoft.com/office/drawing/2014/main" val="1793871388"/>
+                  </a:ext>
+                </a:extLst>
+              </a:tr>
+              <a:tr h="430343">
+                <a:tc>
+                  <a:txBody>
+                    <a:bodyPr/>
+                    <a:lstStyle/>
+                    <a:p>
+                      <a:pPr algn="ctr"/>
+                      <a:r>
+                        <a:rPr lang="es-PE" sz="1400" dirty="0"/>
+                        <a:t>Monóxido de Carbono</a:t>
+                      </a:r>
+                    </a:p>
+                  </a:txBody>
+                  <a:tcPr anchor="ctr"/>
+                </a:tc>
+                <a:tc>
+                  <a:txBody>
+                    <a:bodyPr/>
+                    <a:lstStyle/>
+                    <a:p>
+                      <a:pPr algn="ctr"/>
+                      <a:r>
+                        <a:rPr lang="es-PE" sz="1400" dirty="0"/>
+                        <a:t>2.62</a:t>
+                      </a:r>
+                    </a:p>
+                  </a:txBody>
+                  <a:tcPr anchor="ctr"/>
+                </a:tc>
+                <a:extLst>
+                  <a:ext uri="{0D108BD9-81ED-4DB2-BD59-A6C34878D82A}">
+                    <a16:rowId xmlns:a16="http://schemas.microsoft.com/office/drawing/2014/main" val="2861255621"/>
+                  </a:ext>
+                </a:extLst>
+              </a:tr>
+              <a:tr h="430343">
+                <a:tc>
+                  <a:txBody>
+                    <a:bodyPr/>
+                    <a:lstStyle/>
+                    <a:p>
+                      <a:pPr algn="ctr"/>
+                      <a:r>
+                        <a:rPr lang="es-PE" sz="1400" dirty="0"/>
+                        <a:t>Dióxido de Carbono</a:t>
+                      </a:r>
+                    </a:p>
+                  </a:txBody>
+                  <a:tcPr anchor="ctr"/>
+                </a:tc>
+                <a:tc>
+                  <a:txBody>
+                    <a:bodyPr/>
+                    <a:lstStyle/>
+                    <a:p>
+                      <a:pPr algn="ctr"/>
+                      <a:r>
+                        <a:rPr lang="es-PE" sz="1400" dirty="0"/>
+                        <a:t>7.00</a:t>
+                      </a:r>
+                    </a:p>
+                  </a:txBody>
+                  <a:tcPr anchor="ctr"/>
+                </a:tc>
+                <a:extLst>
+                  <a:ext uri="{0D108BD9-81ED-4DB2-BD59-A6C34878D82A}">
+                    <a16:rowId xmlns:a16="http://schemas.microsoft.com/office/drawing/2014/main" val="2692952600"/>
+                  </a:ext>
+                </a:extLst>
+              </a:tr>
+              <a:tr h="430343">
+                <a:tc>
+                  <a:txBody>
+                    <a:bodyPr/>
+                    <a:lstStyle/>
+                    <a:p>
+                      <a:pPr algn="ctr"/>
+                      <a:r>
+                        <a:rPr lang="es-PE" sz="1400" dirty="0"/>
+                        <a:t>Metano</a:t>
+                      </a:r>
+                    </a:p>
+                  </a:txBody>
+                  <a:tcPr anchor="ctr"/>
+                </a:tc>
+                <a:tc>
+                  <a:txBody>
+                    <a:bodyPr/>
+                    <a:lstStyle/>
+                    <a:p>
+                      <a:pPr algn="ctr"/>
+                      <a:r>
+                        <a:rPr lang="es-PE" sz="1400" dirty="0"/>
+                        <a:t>42.05</a:t>
+                      </a:r>
+                    </a:p>
+                  </a:txBody>
+                  <a:tcPr anchor="ctr"/>
+                </a:tc>
+                <a:extLst>
+                  <a:ext uri="{0D108BD9-81ED-4DB2-BD59-A6C34878D82A}">
+                    <a16:rowId xmlns:a16="http://schemas.microsoft.com/office/drawing/2014/main" val="1435675601"/>
+                  </a:ext>
+                </a:extLst>
+              </a:tr>
+              <a:tr h="430343">
+                <a:tc>
+                  <a:txBody>
+                    <a:bodyPr/>
+                    <a:lstStyle/>
+                    <a:p>
+                      <a:pPr algn="ctr"/>
+                      <a:r>
+                        <a:rPr lang="es-PE" sz="1400" dirty="0"/>
+                        <a:t>Eteno</a:t>
+                      </a:r>
+                    </a:p>
+                  </a:txBody>
+                  <a:tcPr anchor="ctr"/>
+                </a:tc>
+                <a:tc>
+                  <a:txBody>
+                    <a:bodyPr/>
+                    <a:lstStyle/>
+                    <a:p>
+                      <a:pPr algn="ctr"/>
+                      <a:r>
+                        <a:rPr lang="es-PE" sz="1400" dirty="0"/>
+                        <a:t>3.43</a:t>
+                      </a:r>
+                    </a:p>
+                  </a:txBody>
+                  <a:tcPr anchor="ctr"/>
+                </a:tc>
+                <a:extLst>
+                  <a:ext uri="{0D108BD9-81ED-4DB2-BD59-A6C34878D82A}">
+                    <a16:rowId xmlns:a16="http://schemas.microsoft.com/office/drawing/2014/main" val="2938035456"/>
+                  </a:ext>
+                </a:extLst>
+              </a:tr>
+              <a:tr h="430343">
+                <a:tc>
+                  <a:txBody>
+                    <a:bodyPr/>
+                    <a:lstStyle/>
+                    <a:p>
+                      <a:pPr algn="ctr"/>
+                      <a:r>
+                        <a:rPr lang="es-PE" sz="1400" dirty="0"/>
+                        <a:t>Etano</a:t>
+                      </a:r>
+                    </a:p>
+                  </a:txBody>
+                  <a:tcPr anchor="ctr"/>
+                </a:tc>
+                <a:tc>
+                  <a:txBody>
+                    <a:bodyPr/>
+                    <a:lstStyle/>
+                    <a:p>
+                      <a:pPr algn="ctr"/>
+                      <a:r>
+                        <a:rPr lang="es-PE" sz="1400" dirty="0"/>
+                        <a:t>11.40</a:t>
+                      </a:r>
+                    </a:p>
+                  </a:txBody>
+                  <a:tcPr anchor="ctr"/>
+                </a:tc>
+                <a:extLst>
+                  <a:ext uri="{0D108BD9-81ED-4DB2-BD59-A6C34878D82A}">
+                    <a16:rowId xmlns:a16="http://schemas.microsoft.com/office/drawing/2014/main" val="1790286102"/>
+                  </a:ext>
+                </a:extLst>
+              </a:tr>
+              <a:tr h="430343">
+                <a:tc>
+                  <a:txBody>
+                    <a:bodyPr/>
+                    <a:lstStyle/>
+                    <a:p>
+                      <a:pPr algn="ctr"/>
+                      <a:r>
+                        <a:rPr lang="es-PE" sz="1400" dirty="0"/>
+                        <a:t>Propeno</a:t>
+                      </a:r>
+                    </a:p>
+                  </a:txBody>
+                  <a:tcPr anchor="ctr"/>
+                </a:tc>
+                <a:tc>
+                  <a:txBody>
+                    <a:bodyPr/>
+                    <a:lstStyle/>
+                    <a:p>
+                      <a:pPr algn="ctr"/>
+                      <a:r>
+                        <a:rPr lang="es-PE" sz="1400" dirty="0"/>
+                        <a:t>0.46</a:t>
+                      </a:r>
+                    </a:p>
+                  </a:txBody>
+                  <a:tcPr anchor="ctr"/>
+                </a:tc>
+                <a:extLst>
+                  <a:ext uri="{0D108BD9-81ED-4DB2-BD59-A6C34878D82A}">
+                    <a16:rowId xmlns:a16="http://schemas.microsoft.com/office/drawing/2014/main" val="769772266"/>
+                  </a:ext>
+                </a:extLst>
+              </a:tr>
+              <a:tr h="430343">
+                <a:tc>
+                  <a:txBody>
+                    <a:bodyPr/>
+                    <a:lstStyle/>
+                    <a:p>
+                      <a:pPr algn="ctr"/>
+                      <a:r>
+                        <a:rPr lang="es-PE" sz="1400" dirty="0"/>
+                        <a:t>Propano</a:t>
+                      </a:r>
+                    </a:p>
+                  </a:txBody>
+                  <a:tcPr anchor="ctr"/>
+                </a:tc>
+                <a:tc>
+                  <a:txBody>
+                    <a:bodyPr/>
+                    <a:lstStyle/>
+                    <a:p>
+                      <a:pPr algn="ctr"/>
+                      <a:r>
+                        <a:rPr lang="es-PE" sz="1400" dirty="0"/>
+                        <a:t>0.63</a:t>
+                      </a:r>
+                    </a:p>
+                  </a:txBody>
+                  <a:tcPr anchor="ctr"/>
+                </a:tc>
+                <a:extLst>
+                  <a:ext uri="{0D108BD9-81ED-4DB2-BD59-A6C34878D82A}">
+                    <a16:rowId xmlns:a16="http://schemas.microsoft.com/office/drawing/2014/main" val="3242870526"/>
+                  </a:ext>
+                </a:extLst>
+              </a:tr>
+              <a:tr h="430343">
+                <a:tc>
+                  <a:txBody>
+                    <a:bodyPr/>
+                    <a:lstStyle/>
+                    <a:p>
+                      <a:pPr algn="ctr"/>
+                      <a:r>
+                        <a:rPr lang="es-PE" sz="1400" dirty="0"/>
+                        <a:t>Iso-Buteno</a:t>
+                      </a:r>
+                    </a:p>
+                  </a:txBody>
+                  <a:tcPr anchor="ctr"/>
+                </a:tc>
+                <a:tc>
+                  <a:txBody>
+                    <a:bodyPr/>
+                    <a:lstStyle/>
+                    <a:p>
+                      <a:pPr algn="ctr"/>
+                      <a:r>
+                        <a:rPr lang="es-PE" sz="1400" dirty="0"/>
+                        <a:t>0.78</a:t>
+                      </a:r>
+                    </a:p>
+                  </a:txBody>
+                  <a:tcPr anchor="ctr"/>
+                </a:tc>
+                <a:extLst>
+                  <a:ext uri="{0D108BD9-81ED-4DB2-BD59-A6C34878D82A}">
+                    <a16:rowId xmlns:a16="http://schemas.microsoft.com/office/drawing/2014/main" val="2146303854"/>
+                  </a:ext>
+                </a:extLst>
+              </a:tr>
+              <a:tr h="430343">
+                <a:tc>
+                  <a:txBody>
+                    <a:bodyPr/>
+                    <a:lstStyle/>
+                    <a:p>
+                      <a:pPr algn="ctr"/>
+                      <a:r>
+                        <a:rPr lang="es-PE" sz="1400" dirty="0"/>
+                        <a:t>Otros</a:t>
+                      </a:r>
+                    </a:p>
+                  </a:txBody>
+                  <a:tcPr anchor="ctr"/>
+                </a:tc>
+                <a:tc>
+                  <a:txBody>
+                    <a:bodyPr/>
+                    <a:lstStyle/>
+                    <a:p>
+                      <a:pPr algn="ctr"/>
+                      <a:r>
+                        <a:rPr lang="es-PE" sz="1400" dirty="0"/>
+                        <a:t>1.39</a:t>
+                      </a:r>
+                    </a:p>
+                  </a:txBody>
+                  <a:tcPr anchor="ctr"/>
+                </a:tc>
+                <a:extLst>
+                  <a:ext uri="{0D108BD9-81ED-4DB2-BD59-A6C34878D82A}">
+                    <a16:rowId xmlns:a16="http://schemas.microsoft.com/office/drawing/2014/main" val="3232595484"/>
+                  </a:ext>
+                </a:extLst>
+              </a:tr>
+              <a:tr h="430343">
+                <a:tc>
+                  <a:txBody>
+                    <a:bodyPr/>
+                    <a:lstStyle/>
+                    <a:p>
+                      <a:pPr algn="ctr"/>
+                      <a:r>
+                        <a:rPr lang="es-PE" sz="1400" dirty="0"/>
+                        <a:t>TOTAL</a:t>
+                      </a:r>
+                    </a:p>
+                  </a:txBody>
+                  <a:tcPr anchor="ctr"/>
+                </a:tc>
+                <a:tc>
+                  <a:txBody>
+                    <a:bodyPr/>
+                    <a:lstStyle/>
+                    <a:p>
+                      <a:pPr algn="ctr"/>
+                      <a:r>
+                        <a:rPr lang="es-PE" sz="1400" dirty="0"/>
+                        <a:t>100.00</a:t>
+                      </a:r>
+                    </a:p>
+                  </a:txBody>
+                  <a:tcPr anchor="ctr"/>
+                </a:tc>
+                <a:extLst>
+                  <a:ext uri="{0D108BD9-81ED-4DB2-BD59-A6C34878D82A}">
+                    <a16:rowId xmlns:a16="http://schemas.microsoft.com/office/drawing/2014/main" val="371311652"/>
+                  </a:ext>
+                </a:extLst>
+              </a:tr>
+            </a:tbl>
+          </a:graphicData>
+        </a:graphic>
+      </p:graphicFrame>
+      <p:sp>
+        <p:nvSpPr>
+          <p:cNvPr id="2" name="CuadroTexto 1">
+            <a:extLst>
+              <a:ext uri="{FF2B5EF4-FFF2-40B4-BE49-F238E27FC236}">
+                <a16:creationId xmlns:a16="http://schemas.microsoft.com/office/drawing/2014/main" id="{5A58A69F-E058-3EEC-572D-6D97B4B2A54B}"/>
+              </a:ext>
+            </a:extLst>
+          </p:cNvPr>
+          <p:cNvSpPr txBox="1"/>
+          <p:nvPr/>
+        </p:nvSpPr>
+        <p:spPr>
+          <a:xfrm>
+            <a:off x="102352" y="230731"/>
+            <a:ext cx="4309385" cy="400110"/>
+          </a:xfrm>
+          <a:prstGeom prst="rect">
+            <a:avLst/>
+          </a:prstGeom>
+          <a:noFill/>
+        </p:spPr>
+        <p:txBody>
+          <a:bodyPr wrap="none" rtlCol="0">
+            <a:spAutoFit/>
+          </a:bodyPr>
+          <a:lstStyle/>
+          <a:p>
+            <a:pPr algn="ctr"/>
+            <a:r>
+              <a:rPr lang="es-PE" sz="2000" b="1" dirty="0"/>
+              <a:t>COMPOSICIÓN DEL GAS COMBUSTIBLE</a:t>
+            </a:r>
+          </a:p>
+        </p:txBody>
+      </p:sp>
+      <p:sp>
+        <p:nvSpPr>
+          <p:cNvPr id="5" name="CuadroTexto 4">
+            <a:extLst>
+              <a:ext uri="{FF2B5EF4-FFF2-40B4-BE49-F238E27FC236}">
+                <a16:creationId xmlns:a16="http://schemas.microsoft.com/office/drawing/2014/main" id="{DF6AFA13-42C2-AEFF-CDD2-3B7A04BB509D}"/>
+              </a:ext>
+            </a:extLst>
+          </p:cNvPr>
+          <p:cNvSpPr txBox="1"/>
+          <p:nvPr/>
+        </p:nvSpPr>
+        <p:spPr>
+          <a:xfrm>
+            <a:off x="6701485" y="1000674"/>
+            <a:ext cx="3448573" cy="369332"/>
+          </a:xfrm>
+          <a:prstGeom prst="rect">
+            <a:avLst/>
+          </a:prstGeom>
+        </p:spPr>
+        <p:style>
+          <a:lnRef idx="2">
+            <a:schemeClr val="dk1"/>
+          </a:lnRef>
+          <a:fillRef idx="1">
+            <a:schemeClr val="lt1"/>
+          </a:fillRef>
+          <a:effectRef idx="0">
+            <a:schemeClr val="dk1"/>
+          </a:effectRef>
+          <a:fontRef idx="minor">
+            <a:schemeClr val="dk1"/>
+          </a:fontRef>
+        </p:style>
+        <p:txBody>
+          <a:bodyPr wrap="none" rtlCol="0">
+            <a:spAutoFit/>
+          </a:bodyPr>
+          <a:lstStyle/>
+          <a:p>
+            <a:r>
+              <a:rPr lang="es-PE" b="1" dirty="0">
+                <a:solidFill>
+                  <a:srgbClr val="0070C0"/>
+                </a:solidFill>
+              </a:rPr>
+              <a:t>200,412 kg de Dióxido de Carbono</a:t>
+            </a:r>
+          </a:p>
+        </p:txBody>
+      </p:sp>
+      <p:pic>
+        <p:nvPicPr>
+          <p:cNvPr id="7" name="Imagen 6" descr="Un barco en el mar&#10;&#10;Descripción generada automáticamente">
+            <a:extLst>
+              <a:ext uri="{FF2B5EF4-FFF2-40B4-BE49-F238E27FC236}">
+                <a16:creationId xmlns:a16="http://schemas.microsoft.com/office/drawing/2014/main" id="{7ECE3142-BB21-803E-513E-AC0535ABC36B}"/>
+              </a:ext>
+            </a:extLst>
+          </p:cNvPr>
+          <p:cNvPicPr>
+            <a:picLocks noChangeAspect="1"/>
+          </p:cNvPicPr>
+          <p:nvPr/>
+        </p:nvPicPr>
+        <p:blipFill>
+          <a:blip r:embed="rId2">
+            <a:extLst>
+              <a:ext uri="{28A0092B-C50C-407E-A947-70E740481C1C}">
+                <a14:useLocalDpi xmlns:a14="http://schemas.microsoft.com/office/drawing/2010/main" val="0"/>
+              </a:ext>
+              <a:ext uri="{837473B0-CC2E-450A-ABE3-18F120FF3D39}">
+                <a1611:picAttrSrcUrl xmlns:a1611="http://schemas.microsoft.com/office/drawing/2016/11/main" r:id="rId3"/>
+              </a:ext>
+            </a:extLst>
+          </a:blip>
+          <a:stretch>
+            <a:fillRect/>
+          </a:stretch>
+        </p:blipFill>
+        <p:spPr>
+          <a:xfrm>
+            <a:off x="5118931" y="1525779"/>
+            <a:ext cx="6912806" cy="5223869"/>
+          </a:xfrm>
+          <a:prstGeom prst="rect">
+            <a:avLst/>
+          </a:prstGeom>
+        </p:spPr>
+      </p:pic>
+      <p:sp>
+        <p:nvSpPr>
+          <p:cNvPr id="6" name="CuadroTexto 2">
+            <a:extLst>
+              <a:ext uri="{FF2B5EF4-FFF2-40B4-BE49-F238E27FC236}">
+                <a16:creationId xmlns:a16="http://schemas.microsoft.com/office/drawing/2014/main" id="{6B577B3C-65C5-3D72-BF57-4481E0EF2B5E}"/>
+              </a:ext>
+            </a:extLst>
+          </p:cNvPr>
+          <p:cNvSpPr txBox="1"/>
+          <p:nvPr/>
+        </p:nvSpPr>
+        <p:spPr>
+          <a:xfrm>
+            <a:off x="5381878" y="241073"/>
+            <a:ext cx="5913349" cy="646331"/>
+          </a:xfrm>
+          <a:prstGeom prst="rect">
+            <a:avLst/>
+          </a:prstGeom>
+        </p:spPr>
+        <p:style>
+          <a:lnRef idx="2">
+            <a:schemeClr val="dk1"/>
+          </a:lnRef>
+          <a:fillRef idx="1">
+            <a:schemeClr val="lt1"/>
+          </a:fillRef>
+          <a:effectRef idx="0">
+            <a:schemeClr val="dk1"/>
+          </a:effectRef>
+          <a:fontRef idx="minor">
+            <a:schemeClr val="dk1"/>
+          </a:fontRef>
+        </p:style>
+        <p:txBody>
+          <a:bodyPr wrap="none" rtlCol="0">
+            <a:spAutoFit/>
+          </a:bodyPr>
+          <a:lstStyle/>
+          <a:p>
+            <a:pPr algn="ctr"/>
+            <a:r>
+              <a:rPr lang="es-PE" b="1" dirty="0"/>
+              <a:t>EL CO</a:t>
+            </a:r>
+            <a:r>
+              <a:rPr lang="es-PE" b="1" baseline="-25000" dirty="0"/>
+              <a:t>2</a:t>
+            </a:r>
+            <a:r>
+              <a:rPr lang="es-PE" b="1" dirty="0"/>
+              <a:t> TOTAL PRODUCIDO ES EL CO</a:t>
+            </a:r>
+            <a:r>
+              <a:rPr lang="es-PE" b="1" baseline="-25000" dirty="0"/>
+              <a:t>2</a:t>
+            </a:r>
+            <a:r>
+              <a:rPr lang="es-PE" b="1" dirty="0"/>
+              <a:t> ORIGINAL MÁS EL CO</a:t>
+            </a:r>
+            <a:r>
+              <a:rPr lang="es-PE" b="1" baseline="-25000" dirty="0"/>
+              <a:t>2</a:t>
+            </a:r>
+          </a:p>
+          <a:p>
+            <a:pPr algn="ctr"/>
+            <a:r>
+              <a:rPr lang="es-PE" b="1" dirty="0"/>
+              <a:t>PRODUCTO DE LA COMBUSTIÓN.</a:t>
+            </a:r>
+          </a:p>
+        </p:txBody>
+      </p:sp>
+    </p:spTree>
+    <p:extLst>
+      <p:ext uri="{BB962C8B-B14F-4D97-AF65-F5344CB8AC3E}">
+        <p14:creationId xmlns:p14="http://schemas.microsoft.com/office/powerpoint/2010/main" val="2484606533"/>
+      </p:ext>
+    </p:extLst>
+  </p:cSld>
+  <p:clrMapOvr>
+    <a:masterClrMapping/>
+  </p:clrMapOvr>
+</p:sld>
+</file>
+
+<file path=ppt/slides/slide7.xml><?xml version="1.0" encoding="utf-8"?>
+<p:sld xmlns:a="http://schemas.openxmlformats.org/drawingml/2006/main" xmlns:r="http://schemas.openxmlformats.org/officeDocument/2006/relationships" xmlns:p="http://schemas.openxmlformats.org/presentationml/2006/main">
+  <p:cSld>
+    <p:spTree>
+      <p:nvGrpSpPr>
+        <p:cNvPr id="1" name=""/>
+        <p:cNvGrpSpPr/>
+        <p:nvPr/>
+      </p:nvGrpSpPr>
+      <p:grpSpPr>
+        <a:xfrm>
+          <a:off x="0" y="0"/>
+          <a:ext cx="0" cy="0"/>
+          <a:chOff x="0" y="0"/>
+          <a:chExt cx="0" cy="0"/>
+        </a:xfrm>
+      </p:grpSpPr>
+      <p:graphicFrame>
+        <p:nvGraphicFramePr>
+          <p:cNvPr id="4" name="Tabla 4">
+            <a:extLst>
+              <a:ext uri="{FF2B5EF4-FFF2-40B4-BE49-F238E27FC236}">
+                <a16:creationId xmlns:a16="http://schemas.microsoft.com/office/drawing/2014/main" id="{48FE8E35-412F-2F78-C4EA-623F16456121}"/>
+              </a:ext>
+            </a:extLst>
+          </p:cNvPr>
+          <p:cNvGraphicFramePr>
+            <a:graphicFrameLocks noGrp="1"/>
+          </p:cNvGraphicFramePr>
+          <p:nvPr>
+            <p:extLst>
+              <p:ext uri="{D42A27DB-BD31-4B8C-83A1-F6EECF244321}">
+                <p14:modId xmlns:p14="http://schemas.microsoft.com/office/powerpoint/2010/main" val="3814807787"/>
+              </p:ext>
+            </p:extLst>
+          </p:nvPr>
+        </p:nvGraphicFramePr>
+        <p:xfrm>
+          <a:off x="247630" y="2416341"/>
+          <a:ext cx="4659544" cy="3442744"/>
+        </p:xfrm>
+        <a:graphic>
+          <a:graphicData uri="http://schemas.openxmlformats.org/drawingml/2006/table">
+            <a:tbl>
+              <a:tblPr firstRow="1" lastRow="1" bandRow="1">
+                <a:tableStyleId>{F5AB1C69-6EDB-4FF4-983F-18BD219EF322}</a:tableStyleId>
+              </a:tblPr>
+              <a:tblGrid>
+                <a:gridCol w="3155522">
+                  <a:extLst>
+                    <a:ext uri="{9D8B030D-6E8A-4147-A177-3AD203B41FA5}">
+                      <a16:colId xmlns:a16="http://schemas.microsoft.com/office/drawing/2014/main" val="1903079773"/>
+                    </a:ext>
+                  </a:extLst>
+                </a:gridCol>
+                <a:gridCol w="1504022">
+                  <a:extLst>
+                    <a:ext uri="{9D8B030D-6E8A-4147-A177-3AD203B41FA5}">
+                      <a16:colId xmlns:a16="http://schemas.microsoft.com/office/drawing/2014/main" val="2395397242"/>
+                    </a:ext>
+                  </a:extLst>
+                </a:gridCol>
+              </a:tblGrid>
+              <a:tr h="430343">
+                <a:tc>
+                  <a:txBody>
+                    <a:bodyPr/>
+                    <a:lstStyle/>
+                    <a:p>
+                      <a:pPr algn="ctr"/>
+                      <a:r>
+                        <a:rPr lang="es-PE" sz="1800" dirty="0"/>
+                        <a:t>PRODUCT</a:t>
+                      </a:r>
+                    </a:p>
+                  </a:txBody>
+                  <a:tcPr anchor="ctr"/>
+                </a:tc>
+                <a:tc>
+                  <a:txBody>
+                    <a:bodyPr/>
+                    <a:lstStyle/>
+                    <a:p>
+                      <a:pPr algn="ctr"/>
+                      <a:r>
+                        <a:rPr lang="es-PE" sz="1800" dirty="0"/>
+                        <a:t>PORCENTAJE</a:t>
+                      </a:r>
+                    </a:p>
+                  </a:txBody>
+                  <a:tcPr anchor="ctr"/>
+                </a:tc>
+                <a:extLst>
+                  <a:ext uri="{0D108BD9-81ED-4DB2-BD59-A6C34878D82A}">
+                    <a16:rowId xmlns:a16="http://schemas.microsoft.com/office/drawing/2014/main" val="3862585333"/>
+                  </a:ext>
+                </a:extLst>
+              </a:tr>
+              <a:tr h="430343">
+                <a:tc>
+                  <a:txBody>
+                    <a:bodyPr/>
+                    <a:lstStyle/>
+                    <a:p>
+                      <a:pPr algn="ctr"/>
+                      <a:r>
+                        <a:rPr lang="es-PE" sz="1800" dirty="0"/>
+                        <a:t>Hidrógeno</a:t>
+                      </a:r>
+                    </a:p>
+                  </a:txBody>
+                  <a:tcPr anchor="ctr"/>
+                </a:tc>
+                <a:tc>
+                  <a:txBody>
+                    <a:bodyPr/>
+                    <a:lstStyle/>
+                    <a:p>
+                      <a:pPr algn="ctr"/>
+                      <a:r>
+                        <a:rPr lang="es-PE" sz="1800" dirty="0"/>
+                        <a:t>15.39</a:t>
+                      </a:r>
+                    </a:p>
+                  </a:txBody>
+                  <a:tcPr anchor="ctr"/>
+                </a:tc>
+                <a:extLst>
+                  <a:ext uri="{0D108BD9-81ED-4DB2-BD59-A6C34878D82A}">
+                    <a16:rowId xmlns:a16="http://schemas.microsoft.com/office/drawing/2014/main" val="923267901"/>
+                  </a:ext>
+                </a:extLst>
+              </a:tr>
+              <a:tr h="430343">
+                <a:tc>
+                  <a:txBody>
+                    <a:bodyPr/>
+                    <a:lstStyle/>
+                    <a:p>
+                      <a:pPr algn="ctr"/>
+                      <a:r>
+                        <a:rPr lang="es-PE" sz="1800" dirty="0"/>
+                        <a:t>Nitrógeno</a:t>
+                      </a:r>
+                    </a:p>
+                  </a:txBody>
+                  <a:tcPr anchor="ctr"/>
+                </a:tc>
+                <a:tc>
+                  <a:txBody>
+                    <a:bodyPr/>
+                    <a:lstStyle/>
+                    <a:p>
+                      <a:pPr algn="ctr"/>
+                      <a:r>
+                        <a:rPr lang="es-PE" sz="1800" dirty="0"/>
+                        <a:t>49.18</a:t>
+                      </a:r>
+                    </a:p>
+                  </a:txBody>
+                  <a:tcPr anchor="ctr"/>
+                </a:tc>
+                <a:extLst>
+                  <a:ext uri="{0D108BD9-81ED-4DB2-BD59-A6C34878D82A}">
+                    <a16:rowId xmlns:a16="http://schemas.microsoft.com/office/drawing/2014/main" val="1847573576"/>
+                  </a:ext>
+                </a:extLst>
+              </a:tr>
+              <a:tr h="430343">
+                <a:tc>
+                  <a:txBody>
+                    <a:bodyPr/>
+                    <a:lstStyle/>
+                    <a:p>
+                      <a:pPr algn="ctr"/>
+                      <a:r>
+                        <a:rPr lang="es-PE" sz="1800" dirty="0"/>
+                        <a:t>Agua</a:t>
+                      </a:r>
+                    </a:p>
+                  </a:txBody>
+                  <a:tcPr anchor="ctr"/>
+                </a:tc>
+                <a:tc>
+                  <a:txBody>
+                    <a:bodyPr/>
+                    <a:lstStyle/>
+                    <a:p>
+                      <a:pPr algn="ctr"/>
+                      <a:r>
+                        <a:rPr lang="es-PE" sz="1800" dirty="0"/>
+                        <a:t>5.28</a:t>
+                      </a:r>
+                    </a:p>
+                  </a:txBody>
+                  <a:tcPr anchor="ctr"/>
+                </a:tc>
+                <a:extLst>
+                  <a:ext uri="{0D108BD9-81ED-4DB2-BD59-A6C34878D82A}">
+                    <a16:rowId xmlns:a16="http://schemas.microsoft.com/office/drawing/2014/main" val="1793871388"/>
+                  </a:ext>
+                </a:extLst>
+              </a:tr>
+              <a:tr h="430343">
+                <a:tc>
+                  <a:txBody>
+                    <a:bodyPr/>
+                    <a:lstStyle/>
+                    <a:p>
+                      <a:pPr algn="ctr"/>
+                      <a:r>
+                        <a:rPr lang="es-PE" sz="1800" dirty="0"/>
+                        <a:t>Monóxido de Carbono</a:t>
+                      </a:r>
+                    </a:p>
+                  </a:txBody>
+                  <a:tcPr anchor="ctr"/>
+                </a:tc>
+                <a:tc>
+                  <a:txBody>
+                    <a:bodyPr/>
+                    <a:lstStyle/>
+                    <a:p>
+                      <a:pPr algn="ctr"/>
+                      <a:r>
+                        <a:rPr lang="es-PE" sz="1800" dirty="0"/>
+                        <a:t>25.14</a:t>
+                      </a:r>
+                    </a:p>
+                  </a:txBody>
+                  <a:tcPr anchor="ctr"/>
+                </a:tc>
+                <a:extLst>
+                  <a:ext uri="{0D108BD9-81ED-4DB2-BD59-A6C34878D82A}">
+                    <a16:rowId xmlns:a16="http://schemas.microsoft.com/office/drawing/2014/main" val="2861255621"/>
+                  </a:ext>
+                </a:extLst>
+              </a:tr>
+              <a:tr h="430343">
+                <a:tc>
+                  <a:txBody>
+                    <a:bodyPr/>
+                    <a:lstStyle/>
+                    <a:p>
+                      <a:pPr algn="ctr"/>
+                      <a:r>
+                        <a:rPr lang="es-PE" sz="1800" dirty="0"/>
+                        <a:t>Dióxido de Carbono</a:t>
+                      </a:r>
+                    </a:p>
+                  </a:txBody>
+                  <a:tcPr anchor="ctr"/>
+                </a:tc>
+                <a:tc>
+                  <a:txBody>
+                    <a:bodyPr/>
+                    <a:lstStyle/>
+                    <a:p>
+                      <a:pPr algn="ctr"/>
+                      <a:r>
+                        <a:rPr lang="es-PE" sz="1800" dirty="0"/>
+                        <a:t>4.17</a:t>
+                      </a:r>
+                    </a:p>
+                  </a:txBody>
+                  <a:tcPr anchor="ctr"/>
+                </a:tc>
+                <a:extLst>
+                  <a:ext uri="{0D108BD9-81ED-4DB2-BD59-A6C34878D82A}">
+                    <a16:rowId xmlns:a16="http://schemas.microsoft.com/office/drawing/2014/main" val="2692952600"/>
+                  </a:ext>
+                </a:extLst>
+              </a:tr>
+              <a:tr h="430343">
+                <a:tc>
+                  <a:txBody>
+                    <a:bodyPr/>
+                    <a:lstStyle/>
+                    <a:p>
+                      <a:pPr algn="ctr"/>
+                      <a:r>
+                        <a:rPr lang="es-PE" sz="1800" dirty="0"/>
+                        <a:t>Metano</a:t>
+                      </a:r>
+                    </a:p>
+                  </a:txBody>
+                  <a:tcPr anchor="ctr"/>
+                </a:tc>
+                <a:tc>
+                  <a:txBody>
+                    <a:bodyPr/>
+                    <a:lstStyle/>
+                    <a:p>
+                      <a:pPr algn="ctr"/>
+                      <a:r>
+                        <a:rPr lang="es-PE" sz="1800" dirty="0"/>
+                        <a:t>0.83</a:t>
+                      </a:r>
+                    </a:p>
+                  </a:txBody>
+                  <a:tcPr anchor="ctr"/>
+                </a:tc>
+                <a:extLst>
+                  <a:ext uri="{0D108BD9-81ED-4DB2-BD59-A6C34878D82A}">
+                    <a16:rowId xmlns:a16="http://schemas.microsoft.com/office/drawing/2014/main" val="1435675601"/>
+                  </a:ext>
+                </a:extLst>
+              </a:tr>
+              <a:tr h="430343">
+                <a:tc>
+                  <a:txBody>
+                    <a:bodyPr/>
+                    <a:lstStyle/>
+                    <a:p>
+                      <a:pPr algn="ctr"/>
+                      <a:r>
+                        <a:rPr lang="es-PE" sz="1800" dirty="0"/>
+                        <a:t>TOTAL</a:t>
+                      </a:r>
+                    </a:p>
+                  </a:txBody>
+                  <a:tcPr anchor="ctr"/>
+                </a:tc>
+                <a:tc>
+                  <a:txBody>
+                    <a:bodyPr/>
+                    <a:lstStyle/>
+                    <a:p>
+                      <a:pPr algn="ctr"/>
+                      <a:r>
+                        <a:rPr lang="es-PE" sz="1800" dirty="0"/>
+                        <a:t>100.00</a:t>
+                      </a:r>
+                    </a:p>
+                  </a:txBody>
+                  <a:tcPr anchor="ctr"/>
+                </a:tc>
+                <a:extLst>
+                  <a:ext uri="{0D108BD9-81ED-4DB2-BD59-A6C34878D82A}">
+                    <a16:rowId xmlns:a16="http://schemas.microsoft.com/office/drawing/2014/main" val="371311652"/>
+                  </a:ext>
+                </a:extLst>
+              </a:tr>
+            </a:tbl>
+          </a:graphicData>
+        </a:graphic>
+      </p:graphicFrame>
+      <p:sp>
+        <p:nvSpPr>
+          <p:cNvPr id="2" name="CuadroTexto 1">
+            <a:extLst>
+              <a:ext uri="{FF2B5EF4-FFF2-40B4-BE49-F238E27FC236}">
+                <a16:creationId xmlns:a16="http://schemas.microsoft.com/office/drawing/2014/main" id="{5A58A69F-E058-3EEC-572D-6D97B4B2A54B}"/>
+              </a:ext>
+            </a:extLst>
+          </p:cNvPr>
+          <p:cNvSpPr txBox="1"/>
+          <p:nvPr/>
+        </p:nvSpPr>
+        <p:spPr>
+          <a:xfrm>
+            <a:off x="939100" y="1917660"/>
+            <a:ext cx="3276603" cy="400110"/>
+          </a:xfrm>
+          <a:prstGeom prst="rect">
+            <a:avLst/>
+          </a:prstGeom>
+          <a:noFill/>
+        </p:spPr>
+        <p:txBody>
+          <a:bodyPr wrap="none" rtlCol="0">
+            <a:spAutoFit/>
+          </a:bodyPr>
+          <a:lstStyle/>
+          <a:p>
+            <a:pPr algn="ctr"/>
+            <a:r>
+              <a:rPr lang="es-PE" sz="2000" b="1" dirty="0"/>
+              <a:t>COMPOSICIÓN DEL FLEXIGAS</a:t>
+            </a:r>
+          </a:p>
+        </p:txBody>
+      </p:sp>
+      <p:sp>
+        <p:nvSpPr>
+          <p:cNvPr id="5" name="CuadroTexto 4">
+            <a:extLst>
+              <a:ext uri="{FF2B5EF4-FFF2-40B4-BE49-F238E27FC236}">
+                <a16:creationId xmlns:a16="http://schemas.microsoft.com/office/drawing/2014/main" id="{DF6AFA13-42C2-AEFF-CDD2-3B7A04BB509D}"/>
+              </a:ext>
+            </a:extLst>
+          </p:cNvPr>
+          <p:cNvSpPr txBox="1"/>
+          <p:nvPr/>
+        </p:nvSpPr>
+        <p:spPr>
+          <a:xfrm>
+            <a:off x="6613320" y="1000674"/>
+            <a:ext cx="3624903" cy="369332"/>
+          </a:xfrm>
+          <a:prstGeom prst="rect">
+            <a:avLst/>
+          </a:prstGeom>
+        </p:spPr>
+        <p:style>
+          <a:lnRef idx="2">
+            <a:schemeClr val="dk1"/>
+          </a:lnRef>
+          <a:fillRef idx="1">
+            <a:schemeClr val="lt1"/>
+          </a:fillRef>
+          <a:effectRef idx="0">
+            <a:schemeClr val="dk1"/>
+          </a:effectRef>
+          <a:fontRef idx="minor">
+            <a:schemeClr val="dk1"/>
+          </a:fontRef>
+        </p:style>
+        <p:txBody>
+          <a:bodyPr wrap="none" rtlCol="0">
+            <a:spAutoFit/>
+          </a:bodyPr>
+          <a:lstStyle/>
+          <a:p>
+            <a:r>
+              <a:rPr lang="es-PE" b="1" dirty="0">
+                <a:solidFill>
+                  <a:srgbClr val="0070C0"/>
+                </a:solidFill>
+              </a:rPr>
+              <a:t>2’437,904 kg de Dióxido de Carbono</a:t>
+            </a:r>
+          </a:p>
+        </p:txBody>
+      </p:sp>
+      <p:pic>
+        <p:nvPicPr>
+          <p:cNvPr id="7" name="Imagen 6" descr="Un barco en el mar&#10;&#10;Descripción generada automáticamente">
+            <a:extLst>
+              <a:ext uri="{FF2B5EF4-FFF2-40B4-BE49-F238E27FC236}">
+                <a16:creationId xmlns:a16="http://schemas.microsoft.com/office/drawing/2014/main" id="{7ECE3142-BB21-803E-513E-AC0535ABC36B}"/>
+              </a:ext>
+            </a:extLst>
+          </p:cNvPr>
+          <p:cNvPicPr>
+            <a:picLocks noChangeAspect="1"/>
+          </p:cNvPicPr>
+          <p:nvPr/>
+        </p:nvPicPr>
+        <p:blipFill>
+          <a:blip r:embed="rId2">
+            <a:extLst>
+              <a:ext uri="{28A0092B-C50C-407E-A947-70E740481C1C}">
+                <a14:useLocalDpi xmlns:a14="http://schemas.microsoft.com/office/drawing/2010/main" val="0"/>
+              </a:ext>
+              <a:ext uri="{837473B0-CC2E-450A-ABE3-18F120FF3D39}">
+                <a1611:picAttrSrcUrl xmlns:a1611="http://schemas.microsoft.com/office/drawing/2016/11/main" r:id="rId3"/>
+              </a:ext>
+            </a:extLst>
+          </a:blip>
+          <a:stretch>
+            <a:fillRect/>
+          </a:stretch>
+        </p:blipFill>
+        <p:spPr>
+          <a:xfrm>
+            <a:off x="5118931" y="1525779"/>
+            <a:ext cx="6912806" cy="5223869"/>
+          </a:xfrm>
+          <a:prstGeom prst="rect">
+            <a:avLst/>
+          </a:prstGeom>
+        </p:spPr>
+      </p:pic>
+      <p:sp>
+        <p:nvSpPr>
+          <p:cNvPr id="6" name="CuadroTexto 2">
+            <a:extLst>
+              <a:ext uri="{FF2B5EF4-FFF2-40B4-BE49-F238E27FC236}">
+                <a16:creationId xmlns:a16="http://schemas.microsoft.com/office/drawing/2014/main" id="{A0213BF5-5C78-FB25-4B8A-54B94B487679}"/>
+              </a:ext>
+            </a:extLst>
+          </p:cNvPr>
+          <p:cNvSpPr txBox="1"/>
+          <p:nvPr/>
+        </p:nvSpPr>
+        <p:spPr>
+          <a:xfrm>
+            <a:off x="5381878" y="241073"/>
+            <a:ext cx="5913349" cy="646331"/>
+          </a:xfrm>
+          <a:prstGeom prst="rect">
+            <a:avLst/>
+          </a:prstGeom>
+        </p:spPr>
+        <p:style>
+          <a:lnRef idx="2">
+            <a:schemeClr val="dk1"/>
+          </a:lnRef>
+          <a:fillRef idx="1">
+            <a:schemeClr val="lt1"/>
+          </a:fillRef>
+          <a:effectRef idx="0">
+            <a:schemeClr val="dk1"/>
+          </a:effectRef>
+          <a:fontRef idx="minor">
+            <a:schemeClr val="dk1"/>
+          </a:fontRef>
+        </p:style>
+        <p:txBody>
+          <a:bodyPr wrap="none" rtlCol="0">
+            <a:spAutoFit/>
+          </a:bodyPr>
+          <a:lstStyle/>
+          <a:p>
+            <a:pPr algn="ctr"/>
+            <a:r>
+              <a:rPr lang="es-PE" b="1" dirty="0"/>
+              <a:t>EL CO</a:t>
+            </a:r>
+            <a:r>
+              <a:rPr lang="es-PE" b="1" baseline="-25000" dirty="0"/>
+              <a:t>2</a:t>
+            </a:r>
+            <a:r>
+              <a:rPr lang="es-PE" b="1" dirty="0"/>
+              <a:t> TOTAL PRODUCIDO ES EL CO</a:t>
+            </a:r>
+            <a:r>
+              <a:rPr lang="es-PE" b="1" baseline="-25000" dirty="0"/>
+              <a:t>2</a:t>
+            </a:r>
+            <a:r>
+              <a:rPr lang="es-PE" b="1" dirty="0"/>
+              <a:t> ORIGINAL MÁS EL CO</a:t>
+            </a:r>
+            <a:r>
+              <a:rPr lang="es-PE" b="1" baseline="-25000" dirty="0"/>
+              <a:t>2</a:t>
+            </a:r>
+          </a:p>
+          <a:p>
+            <a:pPr algn="ctr"/>
+            <a:r>
+              <a:rPr lang="es-PE" b="1" dirty="0"/>
+              <a:t>PRODUCTO DE LA COMBUSTIÓN.</a:t>
+            </a:r>
+          </a:p>
+        </p:txBody>
+      </p:sp>
+    </p:spTree>
+    <p:extLst>
+      <p:ext uri="{BB962C8B-B14F-4D97-AF65-F5344CB8AC3E}">
+        <p14:creationId xmlns:p14="http://schemas.microsoft.com/office/powerpoint/2010/main" val="10941393"/>
+      </p:ext>
+    </p:extLst>
+  </p:cSld>
+  <p:clrMapOvr>
+    <a:masterClrMapping/>
+  </p:clrMapOvr>
+</p:sld>
+</file>
+
+<file path=ppt/slides/slide8.xml><?xml version="1.0" encoding="utf-8"?>
+<p:sld xmlns:a="http://schemas.openxmlformats.org/drawingml/2006/main" xmlns:r="http://schemas.openxmlformats.org/officeDocument/2006/relationships" xmlns:p="http://schemas.openxmlformats.org/presentationml/2006/main">
+  <p:cSld>
+    <p:bg>
+      <p:bgPr>
+        <a:solidFill>
+          <a:schemeClr val="bg1"/>
+        </a:solidFill>
+        <a:effectLst/>
+      </p:bgPr>
+    </p:bg>
+    <p:spTree>
+      <p:nvGrpSpPr>
+        <p:cNvPr id="1" name=""/>
+        <p:cNvGrpSpPr/>
+        <p:nvPr/>
+      </p:nvGrpSpPr>
+      <p:grpSpPr>
+        <a:xfrm>
+          <a:off x="0" y="0"/>
+          <a:ext cx="0" cy="0"/>
+          <a:chOff x="0" y="0"/>
+          <a:chExt cx="0" cy="0"/>
+        </a:xfrm>
+      </p:grpSpPr>
+      <p:sp>
+        <p:nvSpPr>
+          <p:cNvPr id="22" name="Rectangle 21">
+            <a:extLst>
+              <a:ext uri="{FF2B5EF4-FFF2-40B4-BE49-F238E27FC236}">
+                <a16:creationId xmlns:a16="http://schemas.microsoft.com/office/drawing/2014/main" id="{42A4FC2C-047E-45A5-965D-8E1E3BF09BC6}"/>
+              </a:ext>
+              <a:ext uri="{C183D7F6-B498-43B3-948B-1728B52AA6E4}">
+                <adec:decorative xmlns:adec="http://schemas.microsoft.com/office/drawing/2017/decorative" val="1"/>
+              </a:ext>
+            </a:extLst>
+          </p:cNvPr>
+          <p:cNvSpPr>
+            <a:spLocks noGrp="1" noRot="1" noChangeAspect="1" noMove="1" noResize="1" noEditPoints="1" noAdjustHandles="1" noChangeArrowheads="1" noChangeShapeType="1" noTextEdit="1"/>
+          </p:cNvSpPr>
+          <p:nvPr>
+            <p:extLst>
+              <p:ext uri="{386F3935-93C4-4BCD-93E2-E3B085C9AB24}">
+                <p16:designElem xmlns:p16="http://schemas.microsoft.com/office/powerpoint/2015/main" val="1"/>
+              </p:ext>
+            </p:extLst>
+          </p:nvPr>
+        </p:nvSpPr>
+        <p:spPr bwMode="white">
+          <a:xfrm>
+            <a:off x="1524" y="0"/>
+            <a:ext cx="12188952" cy="6858000"/>
+          </a:xfrm>
+          <a:prstGeom prst="rect">
+            <a:avLst/>
+          </a:prstGeom>
+          <a:noFill/>
+          <a:ln>
+            <a:noFill/>
+          </a:ln>
+        </p:spPr>
+        <p:style>
+          <a:lnRef idx="2">
+            <a:schemeClr val="accent1">
+              <a:shade val="50000"/>
+            </a:schemeClr>
+          </a:lnRef>
+          <a:fillRef idx="1">
+            <a:schemeClr val="accent1"/>
+          </a:fillRef>
+          <a:effectRef idx="0">
+            <a:schemeClr val="accent1"/>
+          </a:effectRef>
+          <a:fontRef idx="minor">
+            <a:schemeClr val="lt1"/>
+          </a:fontRef>
+        </p:style>
+        <p:txBody>
+          <a:bodyPr rtlCol="0" anchor="ctr"/>
+          <a:lstStyle>
+            <a:defPPr>
+              <a:defRPr lang="en-US"/>
+            </a:defPPr>
+            <a:lvl1pPr marL="0" algn="l" defTabSz="914400" rtl="0" eaLnBrk="1" latinLnBrk="0" hangingPunct="1">
+              <a:defRPr sz="1800" kern="1200">
+                <a:solidFill>
+                  <a:schemeClr val="lt1"/>
+                </a:solidFill>
+                <a:latin typeface="+mn-lt"/>
+                <a:ea typeface="+mn-ea"/>
+                <a:cs typeface="+mn-cs"/>
+              </a:defRPr>
+            </a:lvl1pPr>
+            <a:lvl2pPr marL="457200" algn="l" defTabSz="914400" rtl="0" eaLnBrk="1" latinLnBrk="0" hangingPunct="1">
+              <a:defRPr sz="1800" kern="1200">
+                <a:solidFill>
+                  <a:schemeClr val="lt1"/>
+                </a:solidFill>
+                <a:latin typeface="+mn-lt"/>
+                <a:ea typeface="+mn-ea"/>
+                <a:cs typeface="+mn-cs"/>
+              </a:defRPr>
+            </a:lvl2pPr>
+            <a:lvl3pPr marL="914400" algn="l" defTabSz="914400" rtl="0" eaLnBrk="1" latinLnBrk="0" hangingPunct="1">
+              <a:defRPr sz="1800" kern="1200">
+                <a:solidFill>
+                  <a:schemeClr val="lt1"/>
+                </a:solidFill>
+                <a:latin typeface="+mn-lt"/>
+                <a:ea typeface="+mn-ea"/>
+                <a:cs typeface="+mn-cs"/>
+              </a:defRPr>
+            </a:lvl3pPr>
+            <a:lvl4pPr marL="1371600" algn="l" defTabSz="914400" rtl="0" eaLnBrk="1" latinLnBrk="0" hangingPunct="1">
+              <a:defRPr sz="1800" kern="1200">
+                <a:solidFill>
+                  <a:schemeClr val="lt1"/>
+                </a:solidFill>
+                <a:latin typeface="+mn-lt"/>
+                <a:ea typeface="+mn-ea"/>
+                <a:cs typeface="+mn-cs"/>
+              </a:defRPr>
+            </a:lvl4pPr>
+            <a:lvl5pPr marL="1828800" algn="l" defTabSz="914400" rtl="0" eaLnBrk="1" latinLnBrk="0" hangingPunct="1">
+              <a:defRPr sz="1800" kern="1200">
+                <a:solidFill>
+                  <a:schemeClr val="lt1"/>
+                </a:solidFill>
+                <a:latin typeface="+mn-lt"/>
+                <a:ea typeface="+mn-ea"/>
+                <a:cs typeface="+mn-cs"/>
+              </a:defRPr>
+            </a:lvl5pPr>
+            <a:lvl6pPr marL="2286000" algn="l" defTabSz="914400" rtl="0" eaLnBrk="1" latinLnBrk="0" hangingPunct="1">
+              <a:defRPr sz="1800" kern="1200">
+                <a:solidFill>
+                  <a:schemeClr val="lt1"/>
+                </a:solidFill>
+                <a:latin typeface="+mn-lt"/>
+                <a:ea typeface="+mn-ea"/>
+                <a:cs typeface="+mn-cs"/>
+              </a:defRPr>
+            </a:lvl6pPr>
+            <a:lvl7pPr marL="2743200" algn="l" defTabSz="914400" rtl="0" eaLnBrk="1" latinLnBrk="0" hangingPunct="1">
+              <a:defRPr sz="1800" kern="1200">
+                <a:solidFill>
+                  <a:schemeClr val="lt1"/>
+                </a:solidFill>
+                <a:latin typeface="+mn-lt"/>
+                <a:ea typeface="+mn-ea"/>
+                <a:cs typeface="+mn-cs"/>
+              </a:defRPr>
+            </a:lvl7pPr>
+            <a:lvl8pPr marL="3200400" algn="l" defTabSz="914400" rtl="0" eaLnBrk="1" latinLnBrk="0" hangingPunct="1">
+              <a:defRPr sz="1800" kern="1200">
+                <a:solidFill>
+                  <a:schemeClr val="lt1"/>
+                </a:solidFill>
+                <a:latin typeface="+mn-lt"/>
+                <a:ea typeface="+mn-ea"/>
+                <a:cs typeface="+mn-cs"/>
+              </a:defRPr>
+            </a:lvl8pPr>
+            <a:lvl9pPr marL="3657600" algn="l" defTabSz="914400" rtl="0" eaLnBrk="1" latinLnBrk="0" hangingPunct="1">
+              <a:defRPr sz="1800" kern="1200">
+                <a:solidFill>
+                  <a:schemeClr val="lt1"/>
+                </a:solidFill>
+                <a:latin typeface="+mn-lt"/>
+                <a:ea typeface="+mn-ea"/>
+                <a:cs typeface="+mn-cs"/>
+              </a:defRPr>
+            </a:lvl9pPr>
+          </a:lstStyle>
+          <a:p>
+            <a:pPr algn="ctr"/>
+            <a:endParaRPr lang="en-US"/>
+          </a:p>
+        </p:txBody>
+      </p:sp>
+      <p:pic>
+        <p:nvPicPr>
+          <p:cNvPr id="5" name="Picture 4" descr="A pen next to a card">
+            <a:extLst>
+              <a:ext uri="{FF2B5EF4-FFF2-40B4-BE49-F238E27FC236}">
+                <a16:creationId xmlns:a16="http://schemas.microsoft.com/office/drawing/2014/main" id="{9DC5C7A4-2DF8-7A90-DAC3-7D4B3A870B38}"/>
+              </a:ext>
+            </a:extLst>
+          </p:cNvPr>
+          <p:cNvPicPr>
+            <a:picLocks noChangeAspect="1"/>
+          </p:cNvPicPr>
+          <p:nvPr/>
+        </p:nvPicPr>
+        <p:blipFill rotWithShape="1">
+          <a:blip r:embed="rId2">
+            <a:extLst>
+              <a:ext uri="{28A0092B-C50C-407E-A947-70E740481C1C}">
+                <a14:useLocalDpi xmlns:a14="http://schemas.microsoft.com/office/drawing/2010/main" val="0"/>
+              </a:ext>
+              <a:ext uri="{837473B0-CC2E-450A-ABE3-18F120FF3D39}">
+                <a1611:picAttrSrcUrl xmlns:a1611="http://schemas.microsoft.com/office/drawing/2016/11/main" r:id="rId3"/>
+              </a:ext>
+            </a:extLst>
+          </a:blip>
+          <a:srcRect t="8346" b="7400"/>
+          <a:stretch/>
+        </p:blipFill>
+        <p:spPr>
+          <a:xfrm>
+            <a:off x="20" y="1282"/>
+            <a:ext cx="12191980" cy="6856718"/>
+          </a:xfrm>
+          <a:prstGeom prst="rect">
+            <a:avLst/>
+          </a:prstGeom>
+        </p:spPr>
+      </p:pic>
+    </p:spTree>
+    <p:extLst>
+      <p:ext uri="{BB962C8B-B14F-4D97-AF65-F5344CB8AC3E}">
+        <p14:creationId xmlns:p14="http://schemas.microsoft.com/office/powerpoint/2010/main" val="901267506"/>
       </p:ext>
     </p:extLst>
   </p:cSld>
@@ -5795,4 +11470,319 @@
     </a:ext>
   </a:extLst>
 </a:theme>
+</file>
+
+<file path=ppt/theme/theme2.xml><?xml version="1.0" encoding="utf-8"?>
+<a:theme xmlns:a="http://schemas.openxmlformats.org/drawingml/2006/main" name="Office Theme">
+  <a:themeElements>
+    <a:clrScheme name="Office">
+      <a:dk1>
+        <a:sysClr val="windowText" lastClr="000000"/>
+      </a:dk1>
+      <a:lt1>
+        <a:sysClr val="window" lastClr="FFFFFF"/>
+      </a:lt1>
+      <a:dk2>
+        <a:srgbClr val="0E2841"/>
+      </a:dk2>
+      <a:lt2>
+        <a:srgbClr val="E8E8E8"/>
+      </a:lt2>
+      <a:accent1>
+        <a:srgbClr val="156082"/>
+      </a:accent1>
+      <a:accent2>
+        <a:srgbClr val="E97132"/>
+      </a:accent2>
+      <a:accent3>
+        <a:srgbClr val="196B24"/>
+      </a:accent3>
+      <a:accent4>
+        <a:srgbClr val="0F9ED5"/>
+      </a:accent4>
+      <a:accent5>
+        <a:srgbClr val="A02B93"/>
+      </a:accent5>
+      <a:accent6>
+        <a:srgbClr val="4EA72E"/>
+      </a:accent6>
+      <a:hlink>
+        <a:srgbClr val="467886"/>
+      </a:hlink>
+      <a:folHlink>
+        <a:srgbClr val="96607D"/>
+      </a:folHlink>
+    </a:clrScheme>
+    <a:fontScheme name="Office">
+      <a:majorFont>
+        <a:latin typeface="Aptos Display" panose="02110004020202020204"/>
+        <a:ea typeface=""/>
+        <a:cs typeface=""/>
+        <a:font script="Jpan" typeface="游ゴシック Light"/>
+        <a:font script="Hang" typeface="맑은 고딕"/>
+        <a:font script="Hans" typeface="等线 Light"/>
+        <a:font script="Hant" typeface="新細明體"/>
+        <a:font script="Arab" typeface="Times New Roman"/>
+        <a:font script="Hebr" typeface="Times New Roman"/>
+        <a:font script="Thai" typeface="Angsana New"/>
+        <a:font script="Ethi" typeface="Nyala"/>
+        <a:font script="Beng" typeface="Vrinda"/>
+        <a:font script="Gujr" typeface="Shruti"/>
+        <a:font script="Khmr" typeface="MoolBoran"/>
+        <a:font script="Knda" typeface="Tunga"/>
+        <a:font script="Guru" typeface="Raavi"/>
+        <a:font script="Cans" typeface="Euphemia"/>
+        <a:font script="Cher" typeface="Plantagenet Cherokee"/>
+        <a:font script="Yiii" typeface="Microsoft Yi Baiti"/>
+        <a:font script="Tibt" typeface="Microsoft Himalaya"/>
+        <a:font script="Thaa" typeface="MV Boli"/>
+        <a:font script="Deva" typeface="Mangal"/>
+        <a:font script="Telu" typeface="Gautami"/>
+        <a:font script="Taml" typeface="Latha"/>
+        <a:font script="Syrc" typeface="Estrangelo Edessa"/>
+        <a:font script="Orya" typeface="Kalinga"/>
+        <a:font script="Mlym" typeface="Kartika"/>
+        <a:font script="Laoo" typeface="DokChampa"/>
+        <a:font script="Sinh" typeface="Iskoola Pota"/>
+        <a:font script="Mong" typeface="Mongolian Baiti"/>
+        <a:font script="Viet" typeface="Times New Roman"/>
+        <a:font script="Uigh" typeface="Microsoft Uighur"/>
+        <a:font script="Geor" typeface="Sylfaen"/>
+        <a:font script="Armn" typeface="Arial"/>
+        <a:font script="Bugi" typeface="Leelawadee UI"/>
+        <a:font script="Bopo" typeface="Microsoft JhengHei"/>
+        <a:font script="Java" typeface="Javanese Text"/>
+        <a:font script="Lisu" typeface="Segoe UI"/>
+        <a:font script="Mymr" typeface="Myanmar Text"/>
+        <a:font script="Nkoo" typeface="Ebrima"/>
+        <a:font script="Olck" typeface="Nirmala UI"/>
+        <a:font script="Osma" typeface="Ebrima"/>
+        <a:font script="Phag" typeface="Phagspa"/>
+        <a:font script="Syrn" typeface="Estrangelo Edessa"/>
+        <a:font script="Syrj" typeface="Estrangelo Edessa"/>
+        <a:font script="Syre" typeface="Estrangelo Edessa"/>
+        <a:font script="Sora" typeface="Nirmala UI"/>
+        <a:font script="Tale" typeface="Microsoft Tai Le"/>
+        <a:font script="Talu" typeface="Microsoft New Tai Lue"/>
+        <a:font script="Tfng" typeface="Ebrima"/>
+      </a:majorFont>
+      <a:minorFont>
+        <a:latin typeface="Aptos" panose="02110004020202020204"/>
+        <a:ea typeface=""/>
+        <a:cs typeface=""/>
+        <a:font script="Jpan" typeface="游ゴシック"/>
+        <a:font script="Hang" typeface="맑은 고딕"/>
+        <a:font script="Hans" typeface="等线"/>
+        <a:font script="Hant" typeface="新細明體"/>
+        <a:font script="Arab" typeface="Arial"/>
+        <a:font script="Hebr" typeface="Arial"/>
+        <a:font script="Thai" typeface="Cordia New"/>
+        <a:font script="Ethi" typeface="Nyala"/>
+        <a:font script="Beng" typeface="Vrinda"/>
+        <a:font script="Gujr" typeface="Shruti"/>
+        <a:font script="Khmr" typeface="DaunPenh"/>
+        <a:font script="Knda" typeface="Tunga"/>
+        <a:font script="Guru" typeface="Raavi"/>
+        <a:font script="Cans" typeface="Euphemia"/>
+        <a:font script="Cher" typeface="Plantagenet Cherokee"/>
+        <a:font script="Yiii" typeface="Microsoft Yi Baiti"/>
+        <a:font script="Tibt" typeface="Microsoft Himalaya"/>
+        <a:font script="Thaa" typeface="MV Boli"/>
+        <a:font script="Deva" typeface="Mangal"/>
+        <a:font script="Telu" typeface="Gautami"/>
+        <a:font script="Taml" typeface="Latha"/>
+        <a:font script="Syrc" typeface="Estrangelo Edessa"/>
+        <a:font script="Orya" typeface="Kalinga"/>
+        <a:font script="Mlym" typeface="Kartika"/>
+        <a:font script="Laoo" typeface="DokChampa"/>
+        <a:font script="Sinh" typeface="Iskoola Pota"/>
+        <a:font script="Mong" typeface="Mongolian Baiti"/>
+        <a:font script="Viet" typeface="Arial"/>
+        <a:font script="Uigh" typeface="Microsoft Uighur"/>
+        <a:font script="Geor" typeface="Sylfaen"/>
+        <a:font script="Armn" typeface="Arial"/>
+        <a:font script="Bugi" typeface="Leelawadee UI"/>
+        <a:font script="Bopo" typeface="Microsoft JhengHei"/>
+        <a:font script="Java" typeface="Javanese Text"/>
+        <a:font script="Lisu" typeface="Segoe UI"/>
+        <a:font script="Mymr" typeface="Myanmar Text"/>
+        <a:font script="Nkoo" typeface="Ebrima"/>
+        <a:font script="Olck" typeface="Nirmala UI"/>
+        <a:font script="Osma" typeface="Ebrima"/>
+        <a:font script="Phag" typeface="Phagspa"/>
+        <a:font script="Syrn" typeface="Estrangelo Edessa"/>
+        <a:font script="Syrj" typeface="Estrangelo Edessa"/>
+        <a:font script="Syre" typeface="Estrangelo Edessa"/>
+        <a:font script="Sora" typeface="Nirmala UI"/>
+        <a:font script="Tale" typeface="Microsoft Tai Le"/>
+        <a:font script="Talu" typeface="Microsoft New Tai Lue"/>
+        <a:font script="Tfng" typeface="Ebrima"/>
+      </a:minorFont>
+    </a:fontScheme>
+    <a:fmtScheme name="Office">
+      <a:fillStyleLst>
+        <a:solidFill>
+          <a:schemeClr val="phClr"/>
+        </a:solidFill>
+        <a:gradFill rotWithShape="1">
+          <a:gsLst>
+            <a:gs pos="0">
+              <a:schemeClr val="phClr">
+                <a:lumMod val="110000"/>
+                <a:satMod val="105000"/>
+                <a:tint val="67000"/>
+              </a:schemeClr>
+            </a:gs>
+            <a:gs pos="50000">
+              <a:schemeClr val="phClr">
+                <a:lumMod val="105000"/>
+                <a:satMod val="103000"/>
+                <a:tint val="73000"/>
+              </a:schemeClr>
+            </a:gs>
+            <a:gs pos="100000">
+              <a:schemeClr val="phClr">
+                <a:lumMod val="105000"/>
+                <a:satMod val="109000"/>
+                <a:tint val="81000"/>
+              </a:schemeClr>
+            </a:gs>
+          </a:gsLst>
+          <a:lin ang="5400000" scaled="0"/>
+        </a:gradFill>
+        <a:gradFill rotWithShape="1">
+          <a:gsLst>
+            <a:gs pos="0">
+              <a:schemeClr val="phClr">
+                <a:satMod val="103000"/>
+                <a:lumMod val="102000"/>
+                <a:tint val="94000"/>
+              </a:schemeClr>
+            </a:gs>
+            <a:gs pos="50000">
+              <a:schemeClr val="phClr">
+                <a:satMod val="110000"/>
+                <a:lumMod val="100000"/>
+                <a:shade val="100000"/>
+              </a:schemeClr>
+            </a:gs>
+            <a:gs pos="100000">
+              <a:schemeClr val="phClr">
+                <a:lumMod val="99000"/>
+                <a:satMod val="120000"/>
+                <a:shade val="78000"/>
+              </a:schemeClr>
+            </a:gs>
+          </a:gsLst>
+          <a:lin ang="5400000" scaled="0"/>
+        </a:gradFill>
+      </a:fillStyleLst>
+      <a:lnStyleLst>
+        <a:ln w="12700" cap="flat" cmpd="sng" algn="ctr">
+          <a:solidFill>
+            <a:schemeClr val="phClr"/>
+          </a:solidFill>
+          <a:prstDash val="solid"/>
+          <a:miter lim="800000"/>
+        </a:ln>
+        <a:ln w="19050" cap="flat" cmpd="sng" algn="ctr">
+          <a:solidFill>
+            <a:schemeClr val="phClr"/>
+          </a:solidFill>
+          <a:prstDash val="solid"/>
+          <a:miter lim="800000"/>
+        </a:ln>
+        <a:ln w="25400" cap="flat" cmpd="sng" algn="ctr">
+          <a:solidFill>
+            <a:schemeClr val="phClr"/>
+          </a:solidFill>
+          <a:prstDash val="solid"/>
+          <a:miter lim="800000"/>
+        </a:ln>
+      </a:lnStyleLst>
+      <a:effectStyleLst>
+        <a:effectStyle>
+          <a:effectLst/>
+        </a:effectStyle>
+        <a:effectStyle>
+          <a:effectLst/>
+        </a:effectStyle>
+        <a:effectStyle>
+          <a:effectLst>
+            <a:outerShdw blurRad="57150" dist="19050" dir="5400000" algn="ctr" rotWithShape="0">
+              <a:srgbClr val="000000">
+                <a:alpha val="63000"/>
+              </a:srgbClr>
+            </a:outerShdw>
+          </a:effectLst>
+        </a:effectStyle>
+      </a:effectStyleLst>
+      <a:bgFillStyleLst>
+        <a:solidFill>
+          <a:schemeClr val="phClr"/>
+        </a:solidFill>
+        <a:solidFill>
+          <a:schemeClr val="phClr">
+            <a:tint val="95000"/>
+            <a:satMod val="170000"/>
+          </a:schemeClr>
+        </a:solidFill>
+        <a:gradFill rotWithShape="1">
+          <a:gsLst>
+            <a:gs pos="0">
+              <a:schemeClr val="phClr">
+                <a:tint val="93000"/>
+                <a:satMod val="150000"/>
+                <a:shade val="98000"/>
+                <a:lumMod val="102000"/>
+              </a:schemeClr>
+            </a:gs>
+            <a:gs pos="50000">
+              <a:schemeClr val="phClr">
+                <a:tint val="98000"/>
+                <a:satMod val="130000"/>
+                <a:shade val="90000"/>
+                <a:lumMod val="103000"/>
+              </a:schemeClr>
+            </a:gs>
+            <a:gs pos="100000">
+              <a:schemeClr val="phClr">
+                <a:shade val="63000"/>
+                <a:satMod val="120000"/>
+              </a:schemeClr>
+            </a:gs>
+          </a:gsLst>
+          <a:lin ang="5400000" scaled="0"/>
+        </a:gradFill>
+      </a:bgFillStyleLst>
+    </a:fmtScheme>
+  </a:themeElements>
+  <a:objectDefaults>
+    <a:lnDef>
+      <a:spPr/>
+      <a:bodyPr/>
+      <a:lstStyle/>
+      <a:style>
+        <a:lnRef idx="2">
+          <a:schemeClr val="accent1"/>
+        </a:lnRef>
+        <a:fillRef idx="0">
+          <a:schemeClr val="accent1"/>
+        </a:fillRef>
+        <a:effectRef idx="1">
+          <a:schemeClr val="accent1"/>
+        </a:effectRef>
+        <a:fontRef idx="minor">
+          <a:schemeClr val="tx1"/>
+        </a:fontRef>
+      </a:style>
+    </a:lnDef>
+  </a:objectDefaults>
+  <a:extraClrSchemeLst/>
+  <a:extLst>
+    <a:ext uri="{05A4C25C-085E-4340-85A3-A5531E510DB2}">
+      <thm15:themeFamily xmlns:thm15="http://schemas.microsoft.com/office/thememl/2012/main" name="Office Theme" id="{2E142A2C-CD16-42D6-873A-C26D2A0506FA}" vid="{1BDDFF52-6CD6-40A5-AB3C-68EB2F1E4D0A}"/>
+    </a:ext>
+  </a:extLst>
+</a:theme>
 </file>